--- a/Milk Price Regression.pptx
+++ b/Milk Price Regression.pptx
@@ -1,42 +1,42 @@
 
 <file path=ppt/presentation.xml><?xml version="1.0" encoding="utf-8"?>
-<p:presentation xmlns:a="http://schemas.openxmlformats.org/drawingml/2006/main" xmlns:r="http://schemas.openxmlformats.org/officeDocument/2006/relationships" xmlns:mc="http://schemas.openxmlformats.org/markup-compatibility/2006" xmlns:mv="urn:schemas-microsoft-com:mac:vml" xmlns:p="http://schemas.openxmlformats.org/presentationml/2006/main" xmlns:c="http://schemas.openxmlformats.org/drawingml/2006/chart" xmlns:dgm="http://schemas.openxmlformats.org/drawingml/2006/diagram" xmlns:o="urn:schemas-microsoft-com:office:office" xmlns:v="urn:schemas-microsoft-com:vml" xmlns:pvml="urn:schemas-microsoft-com:office:powerpoint" xmlns:com="http://schemas.openxmlformats.org/drawingml/2006/compatibility" xmlns:p14="http://schemas.microsoft.com/office/powerpoint/2010/main" xmlns:p15="http://schemas.microsoft.com/office/powerpoint/2012/main" autoCompressPictures="0" embedTrueTypeFonts="1" strictFirstAndLastChars="0" saveSubsetFonts="1">
+<p:presentation xmlns:a="http://schemas.openxmlformats.org/drawingml/2006/main" xmlns:r="http://schemas.openxmlformats.org/officeDocument/2006/relationships" xmlns:p="http://schemas.openxmlformats.org/presentationml/2006/main" strictFirstAndLastChars="0" embedTrueTypeFonts="1" saveSubsetFonts="1" autoCompressPictures="0">
   <p:sldMasterIdLst>
-    <p:sldMasterId id="2147483659" r:id="rId4"/>
+    <p:sldMasterId id="2147483659" r:id="rId1"/>
   </p:sldMasterIdLst>
   <p:notesMasterIdLst>
-    <p:notesMasterId r:id="rId5"/>
+    <p:notesMasterId r:id="rId10"/>
   </p:notesMasterIdLst>
   <p:sldIdLst>
-    <p:sldId id="256" r:id="rId6"/>
-    <p:sldId id="257" r:id="rId7"/>
-    <p:sldId id="258" r:id="rId8"/>
-    <p:sldId id="259" r:id="rId9"/>
-    <p:sldId id="260" r:id="rId10"/>
-    <p:sldId id="261" r:id="rId11"/>
-    <p:sldId id="262" r:id="rId12"/>
-    <p:sldId id="263" r:id="rId13"/>
+    <p:sldId id="256" r:id="rId2"/>
+    <p:sldId id="257" r:id="rId3"/>
+    <p:sldId id="258" r:id="rId4"/>
+    <p:sldId id="259" r:id="rId5"/>
+    <p:sldId id="260" r:id="rId6"/>
+    <p:sldId id="261" r:id="rId7"/>
+    <p:sldId id="262" r:id="rId8"/>
+    <p:sldId id="263" r:id="rId9"/>
   </p:sldIdLst>
-  <p:sldSz cy="5143500" cx="9144000"/>
+  <p:sldSz cx="9144000" cy="5143500" type="screen16x9"/>
   <p:notesSz cx="6858000" cy="9144000"/>
   <p:embeddedFontLst>
     <p:embeddedFont>
-      <p:font typeface="Raleway"/>
-      <p:regular r:id="rId14"/>
-      <p:bold r:id="rId15"/>
-      <p:italic r:id="rId16"/>
-      <p:boldItalic r:id="rId17"/>
+      <p:font typeface="Lato" panose="020F0502020204030203" pitchFamily="34" charset="0"/>
+      <p:regular r:id="rId11"/>
+      <p:bold r:id="rId12"/>
+      <p:italic r:id="rId13"/>
+      <p:boldItalic r:id="rId14"/>
     </p:embeddedFont>
     <p:embeddedFont>
-      <p:font typeface="Lato"/>
-      <p:regular r:id="rId18"/>
-      <p:bold r:id="rId19"/>
-      <p:italic r:id="rId20"/>
-      <p:boldItalic r:id="rId21"/>
+      <p:font typeface="Raleway" panose="020B0604020202020204" charset="0"/>
+      <p:regular r:id="rId15"/>
+      <p:bold r:id="rId16"/>
+      <p:italic r:id="rId17"/>
+      <p:boldItalic r:id="rId18"/>
     </p:embeddedFont>
   </p:embeddedFontLst>
   <p:defaultTextStyle>
-    <a:defPPr lvl="0" marR="0" rtl="0" algn="l">
+    <a:defPPr marR="0" lvl="0" algn="l" rtl="0">
       <a:lnSpc>
         <a:spcPct val="100000"/>
       </a:lnSpc>
@@ -47,7 +47,7 @@
         <a:spcPts val="0"/>
       </a:spcAft>
     </a:defPPr>
-    <a:lvl1pPr lvl="0" marR="0" rtl="0" algn="l">
+    <a:lvl1pPr marR="0" lvl="0" algn="l" rtl="0">
       <a:lnSpc>
         <a:spcPct val="100000"/>
       </a:lnSpc>
@@ -61,7 +61,7 @@
         <a:srgbClr val="000000"/>
       </a:buClr>
       <a:buFont typeface="Arial"/>
-      <a:defRPr b="0" i="0" sz="1400" u="none" cap="none" strike="noStrike">
+      <a:defRPr sz="1400" b="0" i="0" u="none" strike="noStrike" cap="none">
         <a:solidFill>
           <a:srgbClr val="000000"/>
         </a:solidFill>
@@ -71,7 +71,7 @@
         <a:sym typeface="Arial"/>
       </a:defRPr>
     </a:lvl1pPr>
-    <a:lvl2pPr lvl="1" marR="0" rtl="0" algn="l">
+    <a:lvl2pPr marR="0" lvl="1" algn="l" rtl="0">
       <a:lnSpc>
         <a:spcPct val="100000"/>
       </a:lnSpc>
@@ -85,7 +85,7 @@
         <a:srgbClr val="000000"/>
       </a:buClr>
       <a:buFont typeface="Arial"/>
-      <a:defRPr b="0" i="0" sz="1400" u="none" cap="none" strike="noStrike">
+      <a:defRPr sz="1400" b="0" i="0" u="none" strike="noStrike" cap="none">
         <a:solidFill>
           <a:srgbClr val="000000"/>
         </a:solidFill>
@@ -95,7 +95,7 @@
         <a:sym typeface="Arial"/>
       </a:defRPr>
     </a:lvl2pPr>
-    <a:lvl3pPr lvl="2" marR="0" rtl="0" algn="l">
+    <a:lvl3pPr marR="0" lvl="2" algn="l" rtl="0">
       <a:lnSpc>
         <a:spcPct val="100000"/>
       </a:lnSpc>
@@ -109,7 +109,7 @@
         <a:srgbClr val="000000"/>
       </a:buClr>
       <a:buFont typeface="Arial"/>
-      <a:defRPr b="0" i="0" sz="1400" u="none" cap="none" strike="noStrike">
+      <a:defRPr sz="1400" b="0" i="0" u="none" strike="noStrike" cap="none">
         <a:solidFill>
           <a:srgbClr val="000000"/>
         </a:solidFill>
@@ -119,7 +119,7 @@
         <a:sym typeface="Arial"/>
       </a:defRPr>
     </a:lvl3pPr>
-    <a:lvl4pPr lvl="3" marR="0" rtl="0" algn="l">
+    <a:lvl4pPr marR="0" lvl="3" algn="l" rtl="0">
       <a:lnSpc>
         <a:spcPct val="100000"/>
       </a:lnSpc>
@@ -133,7 +133,7 @@
         <a:srgbClr val="000000"/>
       </a:buClr>
       <a:buFont typeface="Arial"/>
-      <a:defRPr b="0" i="0" sz="1400" u="none" cap="none" strike="noStrike">
+      <a:defRPr sz="1400" b="0" i="0" u="none" strike="noStrike" cap="none">
         <a:solidFill>
           <a:srgbClr val="000000"/>
         </a:solidFill>
@@ -143,7 +143,7 @@
         <a:sym typeface="Arial"/>
       </a:defRPr>
     </a:lvl4pPr>
-    <a:lvl5pPr lvl="4" marR="0" rtl="0" algn="l">
+    <a:lvl5pPr marR="0" lvl="4" algn="l" rtl="0">
       <a:lnSpc>
         <a:spcPct val="100000"/>
       </a:lnSpc>
@@ -157,7 +157,7 @@
         <a:srgbClr val="000000"/>
       </a:buClr>
       <a:buFont typeface="Arial"/>
-      <a:defRPr b="0" i="0" sz="1400" u="none" cap="none" strike="noStrike">
+      <a:defRPr sz="1400" b="0" i="0" u="none" strike="noStrike" cap="none">
         <a:solidFill>
           <a:srgbClr val="000000"/>
         </a:solidFill>
@@ -167,7 +167,7 @@
         <a:sym typeface="Arial"/>
       </a:defRPr>
     </a:lvl5pPr>
-    <a:lvl6pPr lvl="5" marR="0" rtl="0" algn="l">
+    <a:lvl6pPr marR="0" lvl="5" algn="l" rtl="0">
       <a:lnSpc>
         <a:spcPct val="100000"/>
       </a:lnSpc>
@@ -181,7 +181,7 @@
         <a:srgbClr val="000000"/>
       </a:buClr>
       <a:buFont typeface="Arial"/>
-      <a:defRPr b="0" i="0" sz="1400" u="none" cap="none" strike="noStrike">
+      <a:defRPr sz="1400" b="0" i="0" u="none" strike="noStrike" cap="none">
         <a:solidFill>
           <a:srgbClr val="000000"/>
         </a:solidFill>
@@ -191,7 +191,7 @@
         <a:sym typeface="Arial"/>
       </a:defRPr>
     </a:lvl6pPr>
-    <a:lvl7pPr lvl="6" marR="0" rtl="0" algn="l">
+    <a:lvl7pPr marR="0" lvl="6" algn="l" rtl="0">
       <a:lnSpc>
         <a:spcPct val="100000"/>
       </a:lnSpc>
@@ -205,7 +205,7 @@
         <a:srgbClr val="000000"/>
       </a:buClr>
       <a:buFont typeface="Arial"/>
-      <a:defRPr b="0" i="0" sz="1400" u="none" cap="none" strike="noStrike">
+      <a:defRPr sz="1400" b="0" i="0" u="none" strike="noStrike" cap="none">
         <a:solidFill>
           <a:srgbClr val="000000"/>
         </a:solidFill>
@@ -215,7 +215,7 @@
         <a:sym typeface="Arial"/>
       </a:defRPr>
     </a:lvl7pPr>
-    <a:lvl8pPr lvl="7" marR="0" rtl="0" algn="l">
+    <a:lvl8pPr marR="0" lvl="7" algn="l" rtl="0">
       <a:lnSpc>
         <a:spcPct val="100000"/>
       </a:lnSpc>
@@ -229,7 +229,7 @@
         <a:srgbClr val="000000"/>
       </a:buClr>
       <a:buFont typeface="Arial"/>
-      <a:defRPr b="0" i="0" sz="1400" u="none" cap="none" strike="noStrike">
+      <a:defRPr sz="1400" b="0" i="0" u="none" strike="noStrike" cap="none">
         <a:solidFill>
           <a:srgbClr val="000000"/>
         </a:solidFill>
@@ -239,7 +239,7 @@
         <a:sym typeface="Arial"/>
       </a:defRPr>
     </a:lvl8pPr>
-    <a:lvl9pPr lvl="8" marR="0" rtl="0" algn="l">
+    <a:lvl9pPr marR="0" lvl="8" algn="l" rtl="0">
       <a:lnSpc>
         <a:spcPct val="100000"/>
       </a:lnSpc>
@@ -253,7 +253,7 @@
         <a:srgbClr val="000000"/>
       </a:buClr>
       <a:buFont typeface="Arial"/>
-      <a:defRPr b="0" i="0" sz="1400" u="none" cap="none" strike="noStrike">
+      <a:defRPr sz="1400" b="0" i="0" u="none" strike="noStrike" cap="none">
         <a:solidFill>
           <a:srgbClr val="000000"/>
         </a:solidFill>
@@ -266,7 +266,7 @@
   </p:defaultTextStyle>
   <p:extLst>
     <p:ext uri="{EFAFB233-063F-42B5-8137-9DF3F51BA10A}">
-      <p15:sldGuideLst>
+      <p15:sldGuideLst xmlns:p15="http://schemas.microsoft.com/office/powerpoint/2012/main">
         <p15:guide id="1" orient="horz" pos="1620">
           <p15:clr>
             <a:srgbClr val="A4A3A4"/>
@@ -283,12 +283,46 @@
 </p:presentation>
 </file>
 
+<file path=ppt/changesInfos/changesInfo1.xml><?xml version="1.0" encoding="utf-8"?>
+<pc:chgInfo xmlns:a="http://schemas.openxmlformats.org/drawingml/2006/main" xmlns:r="http://schemas.openxmlformats.org/officeDocument/2006/relationships" xmlns:ac="http://schemas.microsoft.com/office/drawing/2013/main/command" xmlns:pc="http://schemas.microsoft.com/office/powerpoint/2013/main/command">
+  <pc:docChgLst>
+    <pc:chgData name="John Ross Valderama" userId="2348efd5fd04ffc8" providerId="LiveId" clId="{E78C3265-C987-422A-9C15-5F09FC00FA14}"/>
+    <pc:docChg chg="modSld">
+      <pc:chgData name="John Ross Valderama" userId="2348efd5fd04ffc8" providerId="LiveId" clId="{E78C3265-C987-422A-9C15-5F09FC00FA14}" dt="2019-07-10T13:40:58.791" v="3" actId="20577"/>
+      <pc:docMkLst>
+        <pc:docMk/>
+      </pc:docMkLst>
+      <pc:sldChg chg="modSp">
+        <pc:chgData name="John Ross Valderama" userId="2348efd5fd04ffc8" providerId="LiveId" clId="{E78C3265-C987-422A-9C15-5F09FC00FA14}" dt="2019-07-10T13:40:58.791" v="3" actId="20577"/>
+        <pc:sldMkLst>
+          <pc:docMk/>
+          <pc:sldMk cId="0" sldId="258"/>
+        </pc:sldMkLst>
+        <pc:spChg chg="mod">
+          <ac:chgData name="John Ross Valderama" userId="2348efd5fd04ffc8" providerId="LiveId" clId="{E78C3265-C987-422A-9C15-5F09FC00FA14}" dt="2019-07-10T13:40:58.791" v="3" actId="20577"/>
+          <ac:spMkLst>
+            <pc:docMk/>
+            <pc:sldMk cId="0" sldId="258"/>
+            <ac:spMk id="99" creationId="{00000000-0000-0000-0000-000000000000}"/>
+          </ac:spMkLst>
+        </pc:spChg>
+      </pc:sldChg>
+    </pc:docChg>
+  </pc:docChgLst>
+</pc:chgInfo>
+</file>
+
 <file path=ppt/notesMasters/notesMaster1.xml><?xml version="1.0" encoding="utf-8"?>
-<p:notesMaster xmlns:a="http://schemas.openxmlformats.org/drawingml/2006/main" xmlns:r="http://schemas.openxmlformats.org/officeDocument/2006/relationships" xmlns:mc="http://schemas.openxmlformats.org/markup-compatibility/2006" xmlns:mv="urn:schemas-microsoft-com:mac:vml" xmlns:p="http://schemas.openxmlformats.org/presentationml/2006/main" xmlns:c="http://schemas.openxmlformats.org/drawingml/2006/chart" xmlns:dgm="http://schemas.openxmlformats.org/drawingml/2006/diagram" xmlns:o="urn:schemas-microsoft-com:office:office" xmlns:v="urn:schemas-microsoft-com:vml" xmlns:pvml="urn:schemas-microsoft-com:office:powerpoint" xmlns:com="http://schemas.openxmlformats.org/drawingml/2006/compatibility" xmlns:p14="http://schemas.microsoft.com/office/powerpoint/2010/main" xmlns:p15="http://schemas.microsoft.com/office/powerpoint/2012/main">
+<p:notesMaster xmlns:a="http://schemas.openxmlformats.org/drawingml/2006/main" xmlns:r="http://schemas.openxmlformats.org/officeDocument/2006/relationships" xmlns:p="http://schemas.openxmlformats.org/presentationml/2006/main">
   <p:cSld>
+    <p:bg>
+      <p:bgRef idx="1001">
+        <a:schemeClr val="bg1"/>
+      </p:bgRef>
+    </p:bg>
     <p:spTree>
       <p:nvGrpSpPr>
-        <p:cNvPr id="2" name="Shape 2"/>
+        <p:cNvPr id="1" name="Shape 2"/>
         <p:cNvGrpSpPr/>
         <p:nvPr/>
       </p:nvGrpSpPr>
@@ -303,9 +337,11 @@
       <p:sp>
         <p:nvSpPr>
           <p:cNvPr id="3" name="Google Shape;3;n"/>
-          <p:cNvSpPr/>
+          <p:cNvSpPr>
+            <a:spLocks noGrp="1" noRot="1" noChangeAspect="1"/>
+          </p:cNvSpPr>
           <p:nvPr>
-            <p:ph idx="2" type="sldImg"/>
+            <p:ph type="sldImg" idx="2"/>
           </p:nvPr>
         </p:nvSpPr>
         <p:spPr>
@@ -314,9 +350,13 @@
             <a:ext cx="6096075" cy="3429000"/>
           </a:xfrm>
           <a:custGeom>
-            <a:rect b="b" l="l" r="r" t="t"/>
+            <a:avLst/>
+            <a:gdLst/>
+            <a:ahLst/>
+            <a:cxnLst/>
+            <a:rect l="l" t="t" r="r" b="b"/>
             <a:pathLst>
-              <a:path extrusionOk="0" h="120000" w="120000">
+              <a:path w="120000" h="120000" extrusionOk="0">
                 <a:moveTo>
                   <a:pt x="0" y="0"/>
                 </a:moveTo>
@@ -334,23 +374,25 @@
             </a:pathLst>
           </a:custGeom>
           <a:noFill/>
-          <a:ln cap="flat" cmpd="sng" w="9525">
+          <a:ln w="9525" cap="flat" cmpd="sng">
             <a:solidFill>
               <a:srgbClr val="000000"/>
             </a:solidFill>
             <a:prstDash val="solid"/>
             <a:round/>
-            <a:headEnd len="sm" w="sm" type="none"/>
-            <a:tailEnd len="sm" w="sm" type="none"/>
+            <a:headEnd type="none" w="sm" len="sm"/>
+            <a:tailEnd type="none" w="sm" len="sm"/>
           </a:ln>
         </p:spPr>
       </p:sp>
       <p:sp>
         <p:nvSpPr>
           <p:cNvPr id="4" name="Google Shape;4;n"/>
-          <p:cNvSpPr txBox="1"/>
+          <p:cNvSpPr txBox="1">
+            <a:spLocks noGrp="1"/>
+          </p:cNvSpPr>
           <p:nvPr>
-            <p:ph idx="1" type="body"/>
+            <p:ph type="body" idx="1"/>
           </p:nvPr>
         </p:nvSpPr>
         <p:spPr>
@@ -367,11 +409,11 @@
           </a:ln>
         </p:spPr>
         <p:txBody>
-          <a:bodyPr anchorCtr="0" anchor="t" bIns="91425" lIns="91425" spcFirstLastPara="1" rIns="91425" wrap="square" tIns="91425">
+          <a:bodyPr spcFirstLastPara="1" wrap="square" lIns="91425" tIns="91425" rIns="91425" bIns="91425" anchor="t" anchorCtr="0">
             <a:noAutofit/>
           </a:bodyPr>
           <a:lstStyle>
-            <a:lvl1pPr indent="-298450" lvl="0" marL="457200">
+            <a:lvl1pPr marL="457200" lvl="0" indent="-298450">
               <a:spcBef>
                 <a:spcPts val="0"/>
               </a:spcBef>
@@ -382,7 +424,7 @@
               <a:buChar char="●"/>
               <a:defRPr sz="1100"/>
             </a:lvl1pPr>
-            <a:lvl2pPr indent="-298450" lvl="1" marL="914400">
+            <a:lvl2pPr marL="914400" lvl="1" indent="-298450">
               <a:spcBef>
                 <a:spcPts val="0"/>
               </a:spcBef>
@@ -393,7 +435,7 @@
               <a:buChar char="○"/>
               <a:defRPr sz="1100"/>
             </a:lvl2pPr>
-            <a:lvl3pPr indent="-298450" lvl="2" marL="1371600">
+            <a:lvl3pPr marL="1371600" lvl="2" indent="-298450">
               <a:spcBef>
                 <a:spcPts val="0"/>
               </a:spcBef>
@@ -404,7 +446,7 @@
               <a:buChar char="■"/>
               <a:defRPr sz="1100"/>
             </a:lvl3pPr>
-            <a:lvl4pPr indent="-298450" lvl="3" marL="1828800">
+            <a:lvl4pPr marL="1828800" lvl="3" indent="-298450">
               <a:spcBef>
                 <a:spcPts val="0"/>
               </a:spcBef>
@@ -415,7 +457,7 @@
               <a:buChar char="●"/>
               <a:defRPr sz="1100"/>
             </a:lvl4pPr>
-            <a:lvl5pPr indent="-298450" lvl="4" marL="2286000">
+            <a:lvl5pPr marL="2286000" lvl="4" indent="-298450">
               <a:spcBef>
                 <a:spcPts val="0"/>
               </a:spcBef>
@@ -426,7 +468,7 @@
               <a:buChar char="○"/>
               <a:defRPr sz="1100"/>
             </a:lvl5pPr>
-            <a:lvl6pPr indent="-298450" lvl="5" marL="2743200">
+            <a:lvl6pPr marL="2743200" lvl="5" indent="-298450">
               <a:spcBef>
                 <a:spcPts val="0"/>
               </a:spcBef>
@@ -437,7 +479,7 @@
               <a:buChar char="■"/>
               <a:defRPr sz="1100"/>
             </a:lvl6pPr>
-            <a:lvl7pPr indent="-298450" lvl="6" marL="3200400">
+            <a:lvl7pPr marL="3200400" lvl="6" indent="-298450">
               <a:spcBef>
                 <a:spcPts val="0"/>
               </a:spcBef>
@@ -448,7 +490,7 @@
               <a:buChar char="●"/>
               <a:defRPr sz="1100"/>
             </a:lvl7pPr>
-            <a:lvl8pPr indent="-298450" lvl="7" marL="3657600">
+            <a:lvl8pPr marL="3657600" lvl="7" indent="-298450">
               <a:spcBef>
                 <a:spcPts val="0"/>
               </a:spcBef>
@@ -459,7 +501,7 @@
               <a:buChar char="○"/>
               <a:defRPr sz="1100"/>
             </a:lvl8pPr>
-            <a:lvl9pPr indent="-298450" lvl="8" marL="4114800">
+            <a:lvl9pPr marL="4114800" lvl="8" indent="-298450">
               <a:spcBef>
                 <a:spcPts val="0"/>
               </a:spcBef>
@@ -471,14 +513,16 @@
               <a:defRPr sz="1100"/>
             </a:lvl9pPr>
           </a:lstStyle>
-          <a:p/>
+          <a:p>
+            <a:endParaRPr/>
+          </a:p>
         </p:txBody>
       </p:sp>
     </p:spTree>
   </p:cSld>
-  <p:clrMap accent1="accent1" accent2="accent2" accent3="accent3" accent4="accent4" accent5="accent5" accent6="accent6" bg1="lt1" bg2="dk2" tx1="dk1" tx2="lt2" folHlink="folHlink" hlink="hlink"/>
+  <p:clrMap bg1="lt1" tx1="dk1" bg2="dk2" tx2="lt2" accent1="accent1" accent2="accent2" accent3="accent3" accent4="accent4" accent5="accent5" accent6="accent6" hlink="hlink" folHlink="folHlink"/>
   <p:notesStyle>
-    <a:defPPr lvl="0" marR="0" rtl="0" algn="l">
+    <a:defPPr marR="0" lvl="0" algn="l" rtl="0">
       <a:lnSpc>
         <a:spcPct val="100000"/>
       </a:lnSpc>
@@ -489,7 +533,7 @@
         <a:spcPts val="0"/>
       </a:spcAft>
     </a:defPPr>
-    <a:lvl1pPr lvl="0" marR="0" rtl="0" algn="l">
+    <a:lvl1pPr marR="0" lvl="0" algn="l" rtl="0">
       <a:lnSpc>
         <a:spcPct val="100000"/>
       </a:lnSpc>
@@ -503,7 +547,7 @@
         <a:srgbClr val="000000"/>
       </a:buClr>
       <a:buFont typeface="Arial"/>
-      <a:defRPr b="0" i="0" sz="1400" u="none" cap="none" strike="noStrike">
+      <a:defRPr sz="1400" b="0" i="0" u="none" strike="noStrike" cap="none">
         <a:solidFill>
           <a:srgbClr val="000000"/>
         </a:solidFill>
@@ -513,7 +557,7 @@
         <a:sym typeface="Arial"/>
       </a:defRPr>
     </a:lvl1pPr>
-    <a:lvl2pPr lvl="1" marR="0" rtl="0" algn="l">
+    <a:lvl2pPr marR="0" lvl="1" algn="l" rtl="0">
       <a:lnSpc>
         <a:spcPct val="100000"/>
       </a:lnSpc>
@@ -527,7 +571,7 @@
         <a:srgbClr val="000000"/>
       </a:buClr>
       <a:buFont typeface="Arial"/>
-      <a:defRPr b="0" i="0" sz="1400" u="none" cap="none" strike="noStrike">
+      <a:defRPr sz="1400" b="0" i="0" u="none" strike="noStrike" cap="none">
         <a:solidFill>
           <a:srgbClr val="000000"/>
         </a:solidFill>
@@ -537,7 +581,7 @@
         <a:sym typeface="Arial"/>
       </a:defRPr>
     </a:lvl2pPr>
-    <a:lvl3pPr lvl="2" marR="0" rtl="0" algn="l">
+    <a:lvl3pPr marR="0" lvl="2" algn="l" rtl="0">
       <a:lnSpc>
         <a:spcPct val="100000"/>
       </a:lnSpc>
@@ -551,7 +595,7 @@
         <a:srgbClr val="000000"/>
       </a:buClr>
       <a:buFont typeface="Arial"/>
-      <a:defRPr b="0" i="0" sz="1400" u="none" cap="none" strike="noStrike">
+      <a:defRPr sz="1400" b="0" i="0" u="none" strike="noStrike" cap="none">
         <a:solidFill>
           <a:srgbClr val="000000"/>
         </a:solidFill>
@@ -561,7 +605,7 @@
         <a:sym typeface="Arial"/>
       </a:defRPr>
     </a:lvl3pPr>
-    <a:lvl4pPr lvl="3" marR="0" rtl="0" algn="l">
+    <a:lvl4pPr marR="0" lvl="3" algn="l" rtl="0">
       <a:lnSpc>
         <a:spcPct val="100000"/>
       </a:lnSpc>
@@ -575,7 +619,7 @@
         <a:srgbClr val="000000"/>
       </a:buClr>
       <a:buFont typeface="Arial"/>
-      <a:defRPr b="0" i="0" sz="1400" u="none" cap="none" strike="noStrike">
+      <a:defRPr sz="1400" b="0" i="0" u="none" strike="noStrike" cap="none">
         <a:solidFill>
           <a:srgbClr val="000000"/>
         </a:solidFill>
@@ -585,7 +629,7 @@
         <a:sym typeface="Arial"/>
       </a:defRPr>
     </a:lvl4pPr>
-    <a:lvl5pPr lvl="4" marR="0" rtl="0" algn="l">
+    <a:lvl5pPr marR="0" lvl="4" algn="l" rtl="0">
       <a:lnSpc>
         <a:spcPct val="100000"/>
       </a:lnSpc>
@@ -599,7 +643,7 @@
         <a:srgbClr val="000000"/>
       </a:buClr>
       <a:buFont typeface="Arial"/>
-      <a:defRPr b="0" i="0" sz="1400" u="none" cap="none" strike="noStrike">
+      <a:defRPr sz="1400" b="0" i="0" u="none" strike="noStrike" cap="none">
         <a:solidFill>
           <a:srgbClr val="000000"/>
         </a:solidFill>
@@ -609,7 +653,7 @@
         <a:sym typeface="Arial"/>
       </a:defRPr>
     </a:lvl5pPr>
-    <a:lvl6pPr lvl="5" marR="0" rtl="0" algn="l">
+    <a:lvl6pPr marR="0" lvl="5" algn="l" rtl="0">
       <a:lnSpc>
         <a:spcPct val="100000"/>
       </a:lnSpc>
@@ -623,7 +667,7 @@
         <a:srgbClr val="000000"/>
       </a:buClr>
       <a:buFont typeface="Arial"/>
-      <a:defRPr b="0" i="0" sz="1400" u="none" cap="none" strike="noStrike">
+      <a:defRPr sz="1400" b="0" i="0" u="none" strike="noStrike" cap="none">
         <a:solidFill>
           <a:srgbClr val="000000"/>
         </a:solidFill>
@@ -633,7 +677,7 @@
         <a:sym typeface="Arial"/>
       </a:defRPr>
     </a:lvl6pPr>
-    <a:lvl7pPr lvl="6" marR="0" rtl="0" algn="l">
+    <a:lvl7pPr marR="0" lvl="6" algn="l" rtl="0">
       <a:lnSpc>
         <a:spcPct val="100000"/>
       </a:lnSpc>
@@ -647,7 +691,7 @@
         <a:srgbClr val="000000"/>
       </a:buClr>
       <a:buFont typeface="Arial"/>
-      <a:defRPr b="0" i="0" sz="1400" u="none" cap="none" strike="noStrike">
+      <a:defRPr sz="1400" b="0" i="0" u="none" strike="noStrike" cap="none">
         <a:solidFill>
           <a:srgbClr val="000000"/>
         </a:solidFill>
@@ -657,7 +701,7 @@
         <a:sym typeface="Arial"/>
       </a:defRPr>
     </a:lvl7pPr>
-    <a:lvl8pPr lvl="7" marR="0" rtl="0" algn="l">
+    <a:lvl8pPr marR="0" lvl="7" algn="l" rtl="0">
       <a:lnSpc>
         <a:spcPct val="100000"/>
       </a:lnSpc>
@@ -671,7 +715,7 @@
         <a:srgbClr val="000000"/>
       </a:buClr>
       <a:buFont typeface="Arial"/>
-      <a:defRPr b="0" i="0" sz="1400" u="none" cap="none" strike="noStrike">
+      <a:defRPr sz="1400" b="0" i="0" u="none" strike="noStrike" cap="none">
         <a:solidFill>
           <a:srgbClr val="000000"/>
         </a:solidFill>
@@ -681,7 +725,7 @@
         <a:sym typeface="Arial"/>
       </a:defRPr>
     </a:lvl8pPr>
-    <a:lvl9pPr lvl="8" marR="0" rtl="0" algn="l">
+    <a:lvl9pPr marR="0" lvl="8" algn="l" rtl="0">
       <a:lnSpc>
         <a:spcPct val="100000"/>
       </a:lnSpc>
@@ -695,7 +739,7 @@
         <a:srgbClr val="000000"/>
       </a:buClr>
       <a:buFont typeface="Arial"/>
-      <a:defRPr b="0" i="0" sz="1400" u="none" cap="none" strike="noStrike">
+      <a:defRPr sz="1400" b="0" i="0" u="none" strike="noStrike" cap="none">
         <a:solidFill>
           <a:srgbClr val="000000"/>
         </a:solidFill>
@@ -710,11 +754,11 @@
 </file>
 
 <file path=ppt/notesSlides/notesSlide1.xml><?xml version="1.0" encoding="utf-8"?>
-<p:notes xmlns:a="http://schemas.openxmlformats.org/drawingml/2006/main" xmlns:r="http://schemas.openxmlformats.org/officeDocument/2006/relationships" xmlns:mc="http://schemas.openxmlformats.org/markup-compatibility/2006" xmlns:mv="urn:schemas-microsoft-com:mac:vml" xmlns:p="http://schemas.openxmlformats.org/presentationml/2006/main" xmlns:c="http://schemas.openxmlformats.org/drawingml/2006/chart" xmlns:dgm="http://schemas.openxmlformats.org/drawingml/2006/diagram" xmlns:o="urn:schemas-microsoft-com:office:office" xmlns:v="urn:schemas-microsoft-com:vml" xmlns:pvml="urn:schemas-microsoft-com:office:powerpoint" xmlns:com="http://schemas.openxmlformats.org/drawingml/2006/compatibility" xmlns:p14="http://schemas.microsoft.com/office/powerpoint/2010/main" xmlns:p15="http://schemas.microsoft.com/office/powerpoint/2012/main" showMasterPhAnim="0" showMasterSp="0">
+<p:notes xmlns:a="http://schemas.openxmlformats.org/drawingml/2006/main" xmlns:r="http://schemas.openxmlformats.org/officeDocument/2006/relationships" xmlns:p="http://schemas.openxmlformats.org/presentationml/2006/main" showMasterSp="0" showMasterPhAnim="0">
   <p:cSld>
     <p:spTree>
       <p:nvGrpSpPr>
-        <p:cNvPr id="82" name="Shape 82"/>
+        <p:cNvPr id="1" name="Shape 82"/>
         <p:cNvGrpSpPr/>
         <p:nvPr/>
       </p:nvGrpSpPr>
@@ -729,9 +773,11 @@
       <p:sp>
         <p:nvSpPr>
           <p:cNvPr id="83" name="Google Shape;83;p:notes"/>
-          <p:cNvSpPr/>
+          <p:cNvSpPr>
+            <a:spLocks noGrp="1" noRot="1" noChangeAspect="1"/>
+          </p:cNvSpPr>
           <p:nvPr>
-            <p:ph idx="2" type="sldImg"/>
+            <p:ph type="sldImg" idx="2"/>
           </p:nvPr>
         </p:nvSpPr>
         <p:spPr>
@@ -740,9 +786,13 @@
             <a:ext cx="6096075" cy="3429000"/>
           </a:xfrm>
           <a:custGeom>
-            <a:rect b="b" l="l" r="r" t="t"/>
+            <a:avLst/>
+            <a:gdLst/>
+            <a:ahLst/>
+            <a:cxnLst/>
+            <a:rect l="l" t="t" r="r" b="b"/>
             <a:pathLst>
-              <a:path extrusionOk="0" h="120000" w="120000">
+              <a:path w="120000" h="120000" extrusionOk="0">
                 <a:moveTo>
                   <a:pt x="0" y="0"/>
                 </a:moveTo>
@@ -764,9 +814,11 @@
       <p:sp>
         <p:nvSpPr>
           <p:cNvPr id="84" name="Google Shape;84;p:notes"/>
-          <p:cNvSpPr txBox="1"/>
+          <p:cNvSpPr txBox="1">
+            <a:spLocks noGrp="1"/>
+          </p:cNvSpPr>
           <p:nvPr>
-            <p:ph idx="1" type="body"/>
+            <p:ph type="body" idx="1"/>
           </p:nvPr>
         </p:nvSpPr>
         <p:spPr>
@@ -779,12 +831,12 @@
           </a:prstGeom>
         </p:spPr>
         <p:txBody>
-          <a:bodyPr anchorCtr="0" anchor="t" bIns="91425" lIns="91425" spcFirstLastPara="1" rIns="91425" wrap="square" tIns="91425">
+          <a:bodyPr spcFirstLastPara="1" wrap="square" lIns="91425" tIns="91425" rIns="91425" bIns="91425" anchor="t" anchorCtr="0">
             <a:noAutofit/>
           </a:bodyPr>
           <a:lstStyle/>
           <a:p>
-            <a:pPr indent="0" lvl="0" marL="0" rtl="0" algn="l">
+            <a:pPr marL="0" lvl="0" indent="0" algn="l" rtl="0">
               <a:spcBef>
                 <a:spcPts val="0"/>
               </a:spcBef>
@@ -793,9 +845,6 @@
               </a:spcAft>
               <a:buNone/>
             </a:pPr>
-            <a:r>
-              <a:t/>
-            </a:r>
             <a:endParaRPr/>
           </a:p>
         </p:txBody>
@@ -809,11 +858,11 @@
 </file>
 
 <file path=ppt/notesSlides/notesSlide2.xml><?xml version="1.0" encoding="utf-8"?>
-<p:notes xmlns:a="http://schemas.openxmlformats.org/drawingml/2006/main" xmlns:r="http://schemas.openxmlformats.org/officeDocument/2006/relationships" xmlns:mc="http://schemas.openxmlformats.org/markup-compatibility/2006" xmlns:mv="urn:schemas-microsoft-com:mac:vml" xmlns:p="http://schemas.openxmlformats.org/presentationml/2006/main" xmlns:c="http://schemas.openxmlformats.org/drawingml/2006/chart" xmlns:dgm="http://schemas.openxmlformats.org/drawingml/2006/diagram" xmlns:o="urn:schemas-microsoft-com:office:office" xmlns:v="urn:schemas-microsoft-com:vml" xmlns:pvml="urn:schemas-microsoft-com:office:powerpoint" xmlns:com="http://schemas.openxmlformats.org/drawingml/2006/compatibility" xmlns:p14="http://schemas.microsoft.com/office/powerpoint/2010/main" xmlns:p15="http://schemas.microsoft.com/office/powerpoint/2012/main" showMasterPhAnim="0" showMasterSp="0">
+<p:notes xmlns:a="http://schemas.openxmlformats.org/drawingml/2006/main" xmlns:r="http://schemas.openxmlformats.org/officeDocument/2006/relationships" xmlns:p="http://schemas.openxmlformats.org/presentationml/2006/main" showMasterSp="0" showMasterPhAnim="0">
   <p:cSld>
     <p:spTree>
       <p:nvGrpSpPr>
-        <p:cNvPr id="88" name="Shape 88"/>
+        <p:cNvPr id="1" name="Shape 88"/>
         <p:cNvGrpSpPr/>
         <p:nvPr/>
       </p:nvGrpSpPr>
@@ -828,9 +877,11 @@
       <p:sp>
         <p:nvSpPr>
           <p:cNvPr id="89" name="Google Shape;89;g5c0296cd66_0_45:notes"/>
-          <p:cNvSpPr/>
+          <p:cNvSpPr>
+            <a:spLocks noGrp="1" noRot="1" noChangeAspect="1"/>
+          </p:cNvSpPr>
           <p:nvPr>
-            <p:ph idx="2" type="sldImg"/>
+            <p:ph type="sldImg" idx="2"/>
           </p:nvPr>
         </p:nvSpPr>
         <p:spPr>
@@ -839,9 +890,13 @@
             <a:ext cx="6096000" cy="3429000"/>
           </a:xfrm>
           <a:custGeom>
-            <a:rect b="b" l="l" r="r" t="t"/>
+            <a:avLst/>
+            <a:gdLst/>
+            <a:ahLst/>
+            <a:cxnLst/>
+            <a:rect l="l" t="t" r="r" b="b"/>
             <a:pathLst>
-              <a:path extrusionOk="0" h="120000" w="120000">
+              <a:path w="120000" h="120000" extrusionOk="0">
                 <a:moveTo>
                   <a:pt x="0" y="0"/>
                 </a:moveTo>
@@ -863,9 +918,11 @@
       <p:sp>
         <p:nvSpPr>
           <p:cNvPr id="90" name="Google Shape;90;g5c0296cd66_0_45:notes"/>
-          <p:cNvSpPr txBox="1"/>
+          <p:cNvSpPr txBox="1">
+            <a:spLocks noGrp="1"/>
+          </p:cNvSpPr>
           <p:nvPr>
-            <p:ph idx="1" type="body"/>
+            <p:ph type="body" idx="1"/>
           </p:nvPr>
         </p:nvSpPr>
         <p:spPr>
@@ -878,12 +935,12 @@
           </a:prstGeom>
         </p:spPr>
         <p:txBody>
-          <a:bodyPr anchorCtr="0" anchor="t" bIns="91425" lIns="91425" spcFirstLastPara="1" rIns="91425" wrap="square" tIns="91425">
+          <a:bodyPr spcFirstLastPara="1" wrap="square" lIns="91425" tIns="91425" rIns="91425" bIns="91425" anchor="t" anchorCtr="0">
             <a:noAutofit/>
           </a:bodyPr>
           <a:lstStyle/>
           <a:p>
-            <a:pPr indent="0" lvl="0" marL="0" rtl="0" algn="l">
+            <a:pPr marL="0" lvl="0" indent="0" algn="l" rtl="0">
               <a:spcBef>
                 <a:spcPts val="0"/>
               </a:spcBef>
@@ -892,9 +949,6 @@
               </a:spcAft>
               <a:buNone/>
             </a:pPr>
-            <a:r>
-              <a:t/>
-            </a:r>
             <a:endParaRPr/>
           </a:p>
         </p:txBody>
@@ -908,11 +962,11 @@
 </file>
 
 <file path=ppt/notesSlides/notesSlide3.xml><?xml version="1.0" encoding="utf-8"?>
-<p:notes xmlns:a="http://schemas.openxmlformats.org/drawingml/2006/main" xmlns:r="http://schemas.openxmlformats.org/officeDocument/2006/relationships" xmlns:mc="http://schemas.openxmlformats.org/markup-compatibility/2006" xmlns:mv="urn:schemas-microsoft-com:mac:vml" xmlns:p="http://schemas.openxmlformats.org/presentationml/2006/main" xmlns:c="http://schemas.openxmlformats.org/drawingml/2006/chart" xmlns:dgm="http://schemas.openxmlformats.org/drawingml/2006/diagram" xmlns:o="urn:schemas-microsoft-com:office:office" xmlns:v="urn:schemas-microsoft-com:vml" xmlns:pvml="urn:schemas-microsoft-com:office:powerpoint" xmlns:com="http://schemas.openxmlformats.org/drawingml/2006/compatibility" xmlns:p14="http://schemas.microsoft.com/office/powerpoint/2010/main" xmlns:p15="http://schemas.microsoft.com/office/powerpoint/2012/main" showMasterPhAnim="0" showMasterSp="0">
+<p:notes xmlns:a="http://schemas.openxmlformats.org/drawingml/2006/main" xmlns:r="http://schemas.openxmlformats.org/officeDocument/2006/relationships" xmlns:p="http://schemas.openxmlformats.org/presentationml/2006/main" showMasterSp="0" showMasterPhAnim="0">
   <p:cSld>
     <p:spTree>
       <p:nvGrpSpPr>
-        <p:cNvPr id="94" name="Shape 94"/>
+        <p:cNvPr id="1" name="Shape 94"/>
         <p:cNvGrpSpPr/>
         <p:nvPr/>
       </p:nvGrpSpPr>
@@ -927,20 +981,26 @@
       <p:sp>
         <p:nvSpPr>
           <p:cNvPr id="95" name="Google Shape;95;g5c0296cd66_0_50:notes"/>
-          <p:cNvSpPr/>
+          <p:cNvSpPr>
+            <a:spLocks noGrp="1" noRot="1" noChangeAspect="1"/>
+          </p:cNvSpPr>
           <p:nvPr>
-            <p:ph idx="2" type="sldImg"/>
+            <p:ph type="sldImg" idx="2"/>
           </p:nvPr>
         </p:nvSpPr>
         <p:spPr>
           <a:xfrm>
-            <a:off x="381300" y="685800"/>
+            <a:off x="381000" y="685800"/>
             <a:ext cx="6096000" cy="3429000"/>
           </a:xfrm>
           <a:custGeom>
-            <a:rect b="b" l="l" r="r" t="t"/>
+            <a:avLst/>
+            <a:gdLst/>
+            <a:ahLst/>
+            <a:cxnLst/>
+            <a:rect l="l" t="t" r="r" b="b"/>
             <a:pathLst>
-              <a:path extrusionOk="0" h="120000" w="120000">
+              <a:path w="120000" h="120000" extrusionOk="0">
                 <a:moveTo>
                   <a:pt x="0" y="0"/>
                 </a:moveTo>
@@ -962,9 +1022,11 @@
       <p:sp>
         <p:nvSpPr>
           <p:cNvPr id="96" name="Google Shape;96;g5c0296cd66_0_50:notes"/>
-          <p:cNvSpPr txBox="1"/>
+          <p:cNvSpPr txBox="1">
+            <a:spLocks noGrp="1"/>
+          </p:cNvSpPr>
           <p:nvPr>
-            <p:ph idx="1" type="body"/>
+            <p:ph type="body" idx="1"/>
           </p:nvPr>
         </p:nvSpPr>
         <p:spPr>
@@ -977,12 +1039,12 @@
           </a:prstGeom>
         </p:spPr>
         <p:txBody>
-          <a:bodyPr anchorCtr="0" anchor="t" bIns="91425" lIns="91425" spcFirstLastPara="1" rIns="91425" wrap="square" tIns="91425">
+          <a:bodyPr spcFirstLastPara="1" wrap="square" lIns="91425" tIns="91425" rIns="91425" bIns="91425" anchor="t" anchorCtr="0">
             <a:noAutofit/>
           </a:bodyPr>
           <a:lstStyle/>
           <a:p>
-            <a:pPr indent="0" lvl="0" marL="0" rtl="0" algn="l">
+            <a:pPr marL="0" lvl="0" indent="0" algn="l" rtl="0">
               <a:spcBef>
                 <a:spcPts val="0"/>
               </a:spcBef>
@@ -991,9 +1053,6 @@
               </a:spcAft>
               <a:buNone/>
             </a:pPr>
-            <a:r>
-              <a:t/>
-            </a:r>
             <a:endParaRPr/>
           </a:p>
         </p:txBody>
@@ -1007,11 +1066,11 @@
 </file>
 
 <file path=ppt/notesSlides/notesSlide4.xml><?xml version="1.0" encoding="utf-8"?>
-<p:notes xmlns:a="http://schemas.openxmlformats.org/drawingml/2006/main" xmlns:r="http://schemas.openxmlformats.org/officeDocument/2006/relationships" xmlns:mc="http://schemas.openxmlformats.org/markup-compatibility/2006" xmlns:mv="urn:schemas-microsoft-com:mac:vml" xmlns:p="http://schemas.openxmlformats.org/presentationml/2006/main" xmlns:c="http://schemas.openxmlformats.org/drawingml/2006/chart" xmlns:dgm="http://schemas.openxmlformats.org/drawingml/2006/diagram" xmlns:o="urn:schemas-microsoft-com:office:office" xmlns:v="urn:schemas-microsoft-com:vml" xmlns:pvml="urn:schemas-microsoft-com:office:powerpoint" xmlns:com="http://schemas.openxmlformats.org/drawingml/2006/compatibility" xmlns:p14="http://schemas.microsoft.com/office/powerpoint/2010/main" xmlns:p15="http://schemas.microsoft.com/office/powerpoint/2012/main" showMasterPhAnim="0" showMasterSp="0">
+<p:notes xmlns:a="http://schemas.openxmlformats.org/drawingml/2006/main" xmlns:r="http://schemas.openxmlformats.org/officeDocument/2006/relationships" xmlns:p="http://schemas.openxmlformats.org/presentationml/2006/main" showMasterSp="0" showMasterPhAnim="0">
   <p:cSld>
     <p:spTree>
       <p:nvGrpSpPr>
-        <p:cNvPr id="100" name="Shape 100"/>
+        <p:cNvPr id="1" name="Shape 100"/>
         <p:cNvGrpSpPr/>
         <p:nvPr/>
       </p:nvGrpSpPr>
@@ -1026,9 +1085,11 @@
       <p:sp>
         <p:nvSpPr>
           <p:cNvPr id="101" name="Google Shape;101;g5c0296cd66_0_55:notes"/>
-          <p:cNvSpPr/>
+          <p:cNvSpPr>
+            <a:spLocks noGrp="1" noRot="1" noChangeAspect="1"/>
+          </p:cNvSpPr>
           <p:nvPr>
-            <p:ph idx="2" type="sldImg"/>
+            <p:ph type="sldImg" idx="2"/>
           </p:nvPr>
         </p:nvSpPr>
         <p:spPr>
@@ -1037,9 +1098,13 @@
             <a:ext cx="6096000" cy="3429000"/>
           </a:xfrm>
           <a:custGeom>
-            <a:rect b="b" l="l" r="r" t="t"/>
+            <a:avLst/>
+            <a:gdLst/>
+            <a:ahLst/>
+            <a:cxnLst/>
+            <a:rect l="l" t="t" r="r" b="b"/>
             <a:pathLst>
-              <a:path extrusionOk="0" h="120000" w="120000">
+              <a:path w="120000" h="120000" extrusionOk="0">
                 <a:moveTo>
                   <a:pt x="0" y="0"/>
                 </a:moveTo>
@@ -1061,9 +1126,11 @@
       <p:sp>
         <p:nvSpPr>
           <p:cNvPr id="102" name="Google Shape;102;g5c0296cd66_0_55:notes"/>
-          <p:cNvSpPr txBox="1"/>
+          <p:cNvSpPr txBox="1">
+            <a:spLocks noGrp="1"/>
+          </p:cNvSpPr>
           <p:nvPr>
-            <p:ph idx="1" type="body"/>
+            <p:ph type="body" idx="1"/>
           </p:nvPr>
         </p:nvSpPr>
         <p:spPr>
@@ -1076,12 +1143,12 @@
           </a:prstGeom>
         </p:spPr>
         <p:txBody>
-          <a:bodyPr anchorCtr="0" anchor="t" bIns="91425" lIns="91425" spcFirstLastPara="1" rIns="91425" wrap="square" tIns="91425">
+          <a:bodyPr spcFirstLastPara="1" wrap="square" lIns="91425" tIns="91425" rIns="91425" bIns="91425" anchor="t" anchorCtr="0">
             <a:noAutofit/>
           </a:bodyPr>
           <a:lstStyle/>
           <a:p>
-            <a:pPr indent="0" lvl="0" marL="0" rtl="0" algn="l">
+            <a:pPr marL="0" lvl="0" indent="0" algn="l" rtl="0">
               <a:spcBef>
                 <a:spcPts val="0"/>
               </a:spcBef>
@@ -1090,9 +1157,6 @@
               </a:spcAft>
               <a:buNone/>
             </a:pPr>
-            <a:r>
-              <a:t/>
-            </a:r>
             <a:endParaRPr/>
           </a:p>
         </p:txBody>
@@ -1106,11 +1170,11 @@
 </file>
 
 <file path=ppt/notesSlides/notesSlide5.xml><?xml version="1.0" encoding="utf-8"?>
-<p:notes xmlns:a="http://schemas.openxmlformats.org/drawingml/2006/main" xmlns:r="http://schemas.openxmlformats.org/officeDocument/2006/relationships" xmlns:mc="http://schemas.openxmlformats.org/markup-compatibility/2006" xmlns:mv="urn:schemas-microsoft-com:mac:vml" xmlns:p="http://schemas.openxmlformats.org/presentationml/2006/main" xmlns:c="http://schemas.openxmlformats.org/drawingml/2006/chart" xmlns:dgm="http://schemas.openxmlformats.org/drawingml/2006/diagram" xmlns:o="urn:schemas-microsoft-com:office:office" xmlns:v="urn:schemas-microsoft-com:vml" xmlns:pvml="urn:schemas-microsoft-com:office:powerpoint" xmlns:com="http://schemas.openxmlformats.org/drawingml/2006/compatibility" xmlns:p14="http://schemas.microsoft.com/office/powerpoint/2010/main" xmlns:p15="http://schemas.microsoft.com/office/powerpoint/2012/main" showMasterPhAnim="0" showMasterSp="0">
+<p:notes xmlns:a="http://schemas.openxmlformats.org/drawingml/2006/main" xmlns:r="http://schemas.openxmlformats.org/officeDocument/2006/relationships" xmlns:p="http://schemas.openxmlformats.org/presentationml/2006/main" showMasterSp="0" showMasterPhAnim="0">
   <p:cSld>
     <p:spTree>
       <p:nvGrpSpPr>
-        <p:cNvPr id="106" name="Shape 106"/>
+        <p:cNvPr id="1" name="Shape 106"/>
         <p:cNvGrpSpPr/>
         <p:nvPr/>
       </p:nvGrpSpPr>
@@ -1125,9 +1189,11 @@
       <p:sp>
         <p:nvSpPr>
           <p:cNvPr id="107" name="Google Shape;107;g5c0296cd66_0_66:notes"/>
-          <p:cNvSpPr/>
+          <p:cNvSpPr>
+            <a:spLocks noGrp="1" noRot="1" noChangeAspect="1"/>
+          </p:cNvSpPr>
           <p:nvPr>
-            <p:ph idx="2" type="sldImg"/>
+            <p:ph type="sldImg" idx="2"/>
           </p:nvPr>
         </p:nvSpPr>
         <p:spPr>
@@ -1136,9 +1202,13 @@
             <a:ext cx="6096000" cy="3429000"/>
           </a:xfrm>
           <a:custGeom>
-            <a:rect b="b" l="l" r="r" t="t"/>
+            <a:avLst/>
+            <a:gdLst/>
+            <a:ahLst/>
+            <a:cxnLst/>
+            <a:rect l="l" t="t" r="r" b="b"/>
             <a:pathLst>
-              <a:path extrusionOk="0" h="120000" w="120000">
+              <a:path w="120000" h="120000" extrusionOk="0">
                 <a:moveTo>
                   <a:pt x="0" y="0"/>
                 </a:moveTo>
@@ -1160,9 +1230,11 @@
       <p:sp>
         <p:nvSpPr>
           <p:cNvPr id="108" name="Google Shape;108;g5c0296cd66_0_66:notes"/>
-          <p:cNvSpPr txBox="1"/>
+          <p:cNvSpPr txBox="1">
+            <a:spLocks noGrp="1"/>
+          </p:cNvSpPr>
           <p:nvPr>
-            <p:ph idx="1" type="body"/>
+            <p:ph type="body" idx="1"/>
           </p:nvPr>
         </p:nvSpPr>
         <p:spPr>
@@ -1175,12 +1247,12 @@
           </a:prstGeom>
         </p:spPr>
         <p:txBody>
-          <a:bodyPr anchorCtr="0" anchor="t" bIns="91425" lIns="91425" spcFirstLastPara="1" rIns="91425" wrap="square" tIns="91425">
+          <a:bodyPr spcFirstLastPara="1" wrap="square" lIns="91425" tIns="91425" rIns="91425" bIns="91425" anchor="t" anchorCtr="0">
             <a:noAutofit/>
           </a:bodyPr>
           <a:lstStyle/>
           <a:p>
-            <a:pPr indent="0" lvl="0" marL="0" rtl="0" algn="l">
+            <a:pPr marL="0" lvl="0" indent="0" algn="l" rtl="0">
               <a:spcBef>
                 <a:spcPts val="0"/>
               </a:spcBef>
@@ -1189,9 +1261,6 @@
               </a:spcAft>
               <a:buNone/>
             </a:pPr>
-            <a:r>
-              <a:t/>
-            </a:r>
             <a:endParaRPr/>
           </a:p>
         </p:txBody>
@@ -1205,11 +1274,11 @@
 </file>
 
 <file path=ppt/notesSlides/notesSlide6.xml><?xml version="1.0" encoding="utf-8"?>
-<p:notes xmlns:a="http://schemas.openxmlformats.org/drawingml/2006/main" xmlns:r="http://schemas.openxmlformats.org/officeDocument/2006/relationships" xmlns:mc="http://schemas.openxmlformats.org/markup-compatibility/2006" xmlns:mv="urn:schemas-microsoft-com:mac:vml" xmlns:p="http://schemas.openxmlformats.org/presentationml/2006/main" xmlns:c="http://schemas.openxmlformats.org/drawingml/2006/chart" xmlns:dgm="http://schemas.openxmlformats.org/drawingml/2006/diagram" xmlns:o="urn:schemas-microsoft-com:office:office" xmlns:v="urn:schemas-microsoft-com:vml" xmlns:pvml="urn:schemas-microsoft-com:office:powerpoint" xmlns:com="http://schemas.openxmlformats.org/drawingml/2006/compatibility" xmlns:p14="http://schemas.microsoft.com/office/powerpoint/2010/main" xmlns:p15="http://schemas.microsoft.com/office/powerpoint/2012/main" showMasterPhAnim="0" showMasterSp="0">
+<p:notes xmlns:a="http://schemas.openxmlformats.org/drawingml/2006/main" xmlns:r="http://schemas.openxmlformats.org/officeDocument/2006/relationships" xmlns:p="http://schemas.openxmlformats.org/presentationml/2006/main" showMasterSp="0" showMasterPhAnim="0">
   <p:cSld>
     <p:spTree>
       <p:nvGrpSpPr>
-        <p:cNvPr id="112" name="Shape 112"/>
+        <p:cNvPr id="1" name="Shape 112"/>
         <p:cNvGrpSpPr/>
         <p:nvPr/>
       </p:nvGrpSpPr>
@@ -1224,9 +1293,11 @@
       <p:sp>
         <p:nvSpPr>
           <p:cNvPr id="113" name="Google Shape;113;g5c0296cd66_0_73:notes"/>
-          <p:cNvSpPr/>
+          <p:cNvSpPr>
+            <a:spLocks noGrp="1" noRot="1" noChangeAspect="1"/>
+          </p:cNvSpPr>
           <p:nvPr>
-            <p:ph idx="2" type="sldImg"/>
+            <p:ph type="sldImg" idx="2"/>
           </p:nvPr>
         </p:nvSpPr>
         <p:spPr>
@@ -1235,9 +1306,13 @@
             <a:ext cx="6096000" cy="3429000"/>
           </a:xfrm>
           <a:custGeom>
-            <a:rect b="b" l="l" r="r" t="t"/>
+            <a:avLst/>
+            <a:gdLst/>
+            <a:ahLst/>
+            <a:cxnLst/>
+            <a:rect l="l" t="t" r="r" b="b"/>
             <a:pathLst>
-              <a:path extrusionOk="0" h="120000" w="120000">
+              <a:path w="120000" h="120000" extrusionOk="0">
                 <a:moveTo>
                   <a:pt x="0" y="0"/>
                 </a:moveTo>
@@ -1259,9 +1334,11 @@
       <p:sp>
         <p:nvSpPr>
           <p:cNvPr id="114" name="Google Shape;114;g5c0296cd66_0_73:notes"/>
-          <p:cNvSpPr txBox="1"/>
+          <p:cNvSpPr txBox="1">
+            <a:spLocks noGrp="1"/>
+          </p:cNvSpPr>
           <p:nvPr>
-            <p:ph idx="1" type="body"/>
+            <p:ph type="body" idx="1"/>
           </p:nvPr>
         </p:nvSpPr>
         <p:spPr>
@@ -1274,12 +1351,12 @@
           </a:prstGeom>
         </p:spPr>
         <p:txBody>
-          <a:bodyPr anchorCtr="0" anchor="t" bIns="91425" lIns="91425" spcFirstLastPara="1" rIns="91425" wrap="square" tIns="91425">
+          <a:bodyPr spcFirstLastPara="1" wrap="square" lIns="91425" tIns="91425" rIns="91425" bIns="91425" anchor="t" anchorCtr="0">
             <a:noAutofit/>
           </a:bodyPr>
           <a:lstStyle/>
           <a:p>
-            <a:pPr indent="0" lvl="0" marL="0" rtl="0" algn="l">
+            <a:pPr marL="0" lvl="0" indent="0" algn="l" rtl="0">
               <a:spcBef>
                 <a:spcPts val="0"/>
               </a:spcBef>
@@ -1288,9 +1365,6 @@
               </a:spcAft>
               <a:buNone/>
             </a:pPr>
-            <a:r>
-              <a:t/>
-            </a:r>
             <a:endParaRPr/>
           </a:p>
         </p:txBody>
@@ -1304,11 +1378,11 @@
 </file>
 
 <file path=ppt/notesSlides/notesSlide7.xml><?xml version="1.0" encoding="utf-8"?>
-<p:notes xmlns:a="http://schemas.openxmlformats.org/drawingml/2006/main" xmlns:r="http://schemas.openxmlformats.org/officeDocument/2006/relationships" xmlns:mc="http://schemas.openxmlformats.org/markup-compatibility/2006" xmlns:mv="urn:schemas-microsoft-com:mac:vml" xmlns:p="http://schemas.openxmlformats.org/presentationml/2006/main" xmlns:c="http://schemas.openxmlformats.org/drawingml/2006/chart" xmlns:dgm="http://schemas.openxmlformats.org/drawingml/2006/diagram" xmlns:o="urn:schemas-microsoft-com:office:office" xmlns:v="urn:schemas-microsoft-com:vml" xmlns:pvml="urn:schemas-microsoft-com:office:powerpoint" xmlns:com="http://schemas.openxmlformats.org/drawingml/2006/compatibility" xmlns:p14="http://schemas.microsoft.com/office/powerpoint/2010/main" xmlns:p15="http://schemas.microsoft.com/office/powerpoint/2012/main" showMasterPhAnim="0" showMasterSp="0">
+<p:notes xmlns:a="http://schemas.openxmlformats.org/drawingml/2006/main" xmlns:r="http://schemas.openxmlformats.org/officeDocument/2006/relationships" xmlns:p="http://schemas.openxmlformats.org/presentationml/2006/main" showMasterSp="0" showMasterPhAnim="0">
   <p:cSld>
     <p:spTree>
       <p:nvGrpSpPr>
-        <p:cNvPr id="118" name="Shape 118"/>
+        <p:cNvPr id="1" name="Shape 118"/>
         <p:cNvGrpSpPr/>
         <p:nvPr/>
       </p:nvGrpSpPr>
@@ -1323,9 +1397,11 @@
       <p:sp>
         <p:nvSpPr>
           <p:cNvPr id="119" name="Google Shape;119;g5c039dc5c0_0_1:notes"/>
-          <p:cNvSpPr/>
+          <p:cNvSpPr>
+            <a:spLocks noGrp="1" noRot="1" noChangeAspect="1"/>
+          </p:cNvSpPr>
           <p:nvPr>
-            <p:ph idx="2" type="sldImg"/>
+            <p:ph type="sldImg" idx="2"/>
           </p:nvPr>
         </p:nvSpPr>
         <p:spPr>
@@ -1334,9 +1410,13 @@
             <a:ext cx="6096000" cy="3429000"/>
           </a:xfrm>
           <a:custGeom>
-            <a:rect b="b" l="l" r="r" t="t"/>
+            <a:avLst/>
+            <a:gdLst/>
+            <a:ahLst/>
+            <a:cxnLst/>
+            <a:rect l="l" t="t" r="r" b="b"/>
             <a:pathLst>
-              <a:path extrusionOk="0" h="120000" w="120000">
+              <a:path w="120000" h="120000" extrusionOk="0">
                 <a:moveTo>
                   <a:pt x="0" y="0"/>
                 </a:moveTo>
@@ -1358,9 +1438,11 @@
       <p:sp>
         <p:nvSpPr>
           <p:cNvPr id="120" name="Google Shape;120;g5c039dc5c0_0_1:notes"/>
-          <p:cNvSpPr txBox="1"/>
+          <p:cNvSpPr txBox="1">
+            <a:spLocks noGrp="1"/>
+          </p:cNvSpPr>
           <p:nvPr>
-            <p:ph idx="1" type="body"/>
+            <p:ph type="body" idx="1"/>
           </p:nvPr>
         </p:nvSpPr>
         <p:spPr>
@@ -1373,12 +1455,12 @@
           </a:prstGeom>
         </p:spPr>
         <p:txBody>
-          <a:bodyPr anchorCtr="0" anchor="t" bIns="91425" lIns="91425" spcFirstLastPara="1" rIns="91425" wrap="square" tIns="91425">
+          <a:bodyPr spcFirstLastPara="1" wrap="square" lIns="91425" tIns="91425" rIns="91425" bIns="91425" anchor="t" anchorCtr="0">
             <a:noAutofit/>
           </a:bodyPr>
           <a:lstStyle/>
           <a:p>
-            <a:pPr indent="0" lvl="0" marL="0" rtl="0" algn="l">
+            <a:pPr marL="0" lvl="0" indent="0" algn="l" rtl="0">
               <a:spcBef>
                 <a:spcPts val="0"/>
               </a:spcBef>
@@ -1387,9 +1469,6 @@
               </a:spcAft>
               <a:buNone/>
             </a:pPr>
-            <a:r>
-              <a:t/>
-            </a:r>
             <a:endParaRPr/>
           </a:p>
         </p:txBody>
@@ -1403,11 +1482,11 @@
 </file>
 
 <file path=ppt/notesSlides/notesSlide8.xml><?xml version="1.0" encoding="utf-8"?>
-<p:notes xmlns:a="http://schemas.openxmlformats.org/drawingml/2006/main" xmlns:r="http://schemas.openxmlformats.org/officeDocument/2006/relationships" xmlns:mc="http://schemas.openxmlformats.org/markup-compatibility/2006" xmlns:mv="urn:schemas-microsoft-com:mac:vml" xmlns:p="http://schemas.openxmlformats.org/presentationml/2006/main" xmlns:c="http://schemas.openxmlformats.org/drawingml/2006/chart" xmlns:dgm="http://schemas.openxmlformats.org/drawingml/2006/diagram" xmlns:o="urn:schemas-microsoft-com:office:office" xmlns:v="urn:schemas-microsoft-com:vml" xmlns:pvml="urn:schemas-microsoft-com:office:powerpoint" xmlns:com="http://schemas.openxmlformats.org/drawingml/2006/compatibility" xmlns:p14="http://schemas.microsoft.com/office/powerpoint/2010/main" xmlns:p15="http://schemas.microsoft.com/office/powerpoint/2012/main" showMasterPhAnim="0" showMasterSp="0">
+<p:notes xmlns:a="http://schemas.openxmlformats.org/drawingml/2006/main" xmlns:r="http://schemas.openxmlformats.org/officeDocument/2006/relationships" xmlns:p="http://schemas.openxmlformats.org/presentationml/2006/main" showMasterSp="0" showMasterPhAnim="0">
   <p:cSld>
     <p:spTree>
       <p:nvGrpSpPr>
-        <p:cNvPr id="124" name="Shape 124"/>
+        <p:cNvPr id="1" name="Shape 124"/>
         <p:cNvGrpSpPr/>
         <p:nvPr/>
       </p:nvGrpSpPr>
@@ -1422,9 +1501,11 @@
       <p:sp>
         <p:nvSpPr>
           <p:cNvPr id="125" name="Google Shape;125;g5c0296cd66_0_79:notes"/>
-          <p:cNvSpPr/>
+          <p:cNvSpPr>
+            <a:spLocks noGrp="1" noRot="1" noChangeAspect="1"/>
+          </p:cNvSpPr>
           <p:nvPr>
-            <p:ph idx="2" type="sldImg"/>
+            <p:ph type="sldImg" idx="2"/>
           </p:nvPr>
         </p:nvSpPr>
         <p:spPr>
@@ -1433,9 +1514,13 @@
             <a:ext cx="6096000" cy="3429000"/>
           </a:xfrm>
           <a:custGeom>
-            <a:rect b="b" l="l" r="r" t="t"/>
+            <a:avLst/>
+            <a:gdLst/>
+            <a:ahLst/>
+            <a:cxnLst/>
+            <a:rect l="l" t="t" r="r" b="b"/>
             <a:pathLst>
-              <a:path extrusionOk="0" h="120000" w="120000">
+              <a:path w="120000" h="120000" extrusionOk="0">
                 <a:moveTo>
                   <a:pt x="0" y="0"/>
                 </a:moveTo>
@@ -1457,9 +1542,11 @@
       <p:sp>
         <p:nvSpPr>
           <p:cNvPr id="126" name="Google Shape;126;g5c0296cd66_0_79:notes"/>
-          <p:cNvSpPr txBox="1"/>
+          <p:cNvSpPr txBox="1">
+            <a:spLocks noGrp="1"/>
+          </p:cNvSpPr>
           <p:nvPr>
-            <p:ph idx="1" type="body"/>
+            <p:ph type="body" idx="1"/>
           </p:nvPr>
         </p:nvSpPr>
         <p:spPr>
@@ -1472,12 +1559,12 @@
           </a:prstGeom>
         </p:spPr>
         <p:txBody>
-          <a:bodyPr anchorCtr="0" anchor="t" bIns="91425" lIns="91425" spcFirstLastPara="1" rIns="91425" wrap="square" tIns="91425">
+          <a:bodyPr spcFirstLastPara="1" wrap="square" lIns="91425" tIns="91425" rIns="91425" bIns="91425" anchor="t" anchorCtr="0">
             <a:noAutofit/>
           </a:bodyPr>
           <a:lstStyle/>
           <a:p>
-            <a:pPr indent="0" lvl="0" marL="0" rtl="0" algn="l">
+            <a:pPr marL="0" lvl="0" indent="0" algn="l" rtl="0">
               <a:spcBef>
                 <a:spcPts val="0"/>
               </a:spcBef>
@@ -1486,9 +1573,6 @@
               </a:spcAft>
               <a:buNone/>
             </a:pPr>
-            <a:r>
-              <a:t/>
-            </a:r>
             <a:endParaRPr/>
           </a:p>
         </p:txBody>
@@ -1502,18 +1586,19 @@
 </file>
 
 <file path=ppt/slideLayouts/slideLayout1.xml><?xml version="1.0" encoding="utf-8"?>
-<p:sldLayout xmlns:a="http://schemas.openxmlformats.org/drawingml/2006/main" xmlns:r="http://schemas.openxmlformats.org/officeDocument/2006/relationships" xmlns:mc="http://schemas.openxmlformats.org/markup-compatibility/2006" xmlns:mv="urn:schemas-microsoft-com:mac:vml" xmlns:p="http://schemas.openxmlformats.org/presentationml/2006/main" xmlns:c="http://schemas.openxmlformats.org/drawingml/2006/chart" xmlns:dgm="http://schemas.openxmlformats.org/drawingml/2006/diagram" xmlns:o="urn:schemas-microsoft-com:office:office" xmlns:v="urn:schemas-microsoft-com:vml" xmlns:pvml="urn:schemas-microsoft-com:office:powerpoint" xmlns:com="http://schemas.openxmlformats.org/drawingml/2006/compatibility" xmlns:p14="http://schemas.microsoft.com/office/powerpoint/2010/main" xmlns:p15="http://schemas.microsoft.com/office/powerpoint/2012/main" matchingName="Title slide" type="title">
+<p:sldLayout xmlns:a="http://schemas.openxmlformats.org/drawingml/2006/main" xmlns:r="http://schemas.openxmlformats.org/officeDocument/2006/relationships" xmlns:p="http://schemas.openxmlformats.org/presentationml/2006/main" matchingName="Title slide" type="title">
   <p:cSld name="TITLE">
     <p:bg>
       <p:bgPr>
         <a:solidFill>
           <a:schemeClr val="lt2"/>
         </a:solidFill>
+        <a:effectLst/>
       </p:bgPr>
     </p:bg>
     <p:spTree>
       <p:nvGrpSpPr>
-        <p:cNvPr id="9" name="Shape 9"/>
+        <p:cNvPr id="1" name="Shape 9"/>
         <p:cNvGrpSpPr/>
         <p:nvPr/>
       </p:nvGrpSpPr>
@@ -1547,12 +1632,12 @@
           </a:ln>
         </p:spPr>
         <p:txBody>
-          <a:bodyPr anchorCtr="0" anchor="ctr" bIns="91425" lIns="91425" spcFirstLastPara="1" rIns="91425" wrap="square" tIns="91425">
+          <a:bodyPr spcFirstLastPara="1" wrap="square" lIns="91425" tIns="91425" rIns="91425" bIns="91425" anchor="ctr" anchorCtr="0">
             <a:noAutofit/>
           </a:bodyPr>
           <a:lstStyle/>
           <a:p>
-            <a:pPr indent="0" lvl="0" marL="0" rtl="0" algn="l">
+            <a:pPr marL="0" lvl="0" indent="0" algn="l" rtl="0">
               <a:spcBef>
                 <a:spcPts val="0"/>
               </a:spcBef>
@@ -1561,9 +1646,6 @@
               </a:spcAft>
               <a:buNone/>
             </a:pPr>
-            <a:r>
-              <a:t/>
-            </a:r>
             <a:endParaRPr/>
           </a:p>
         </p:txBody>
@@ -1604,12 +1686,12 @@
             </a:ln>
           </p:spPr>
           <p:txBody>
-            <a:bodyPr anchorCtr="0" anchor="ctr" bIns="91425" lIns="91425" spcFirstLastPara="1" rIns="91425" wrap="square" tIns="91425">
+            <a:bodyPr spcFirstLastPara="1" wrap="square" lIns="91425" tIns="91425" rIns="91425" bIns="91425" anchor="ctr" anchorCtr="0">
               <a:noAutofit/>
             </a:bodyPr>
             <a:lstStyle/>
             <a:p>
-              <a:pPr indent="0" lvl="0" marL="0" rtl="0" algn="l">
+              <a:pPr marL="0" lvl="0" indent="0" algn="l" rtl="0">
                 <a:spcBef>
                   <a:spcPts val="0"/>
                 </a:spcBef>
@@ -1618,9 +1700,6 @@
                 </a:spcAft>
                 <a:buNone/>
               </a:pPr>
-              <a:r>
-                <a:t/>
-              </a:r>
               <a:endParaRPr/>
             </a:p>
           </p:txBody>
@@ -1647,12 +1726,12 @@
             </a:ln>
           </p:spPr>
           <p:txBody>
-            <a:bodyPr anchorCtr="0" anchor="ctr" bIns="91425" lIns="91425" spcFirstLastPara="1" rIns="91425" wrap="square" tIns="91425">
+            <a:bodyPr spcFirstLastPara="1" wrap="square" lIns="91425" tIns="91425" rIns="91425" bIns="91425" anchor="ctr" anchorCtr="0">
               <a:noAutofit/>
             </a:bodyPr>
             <a:lstStyle/>
             <a:p>
-              <a:pPr indent="0" lvl="0" marL="0" rtl="0" algn="l">
+              <a:pPr marL="0" lvl="0" indent="0" algn="l" rtl="0">
                 <a:spcBef>
                   <a:spcPts val="0"/>
                 </a:spcBef>
@@ -1661,9 +1740,6 @@
                 </a:spcAft>
                 <a:buNone/>
               </a:pPr>
-              <a:r>
-                <a:t/>
-              </a:r>
               <a:endParaRPr/>
             </a:p>
           </p:txBody>
@@ -1672,7 +1748,9 @@
       <p:sp>
         <p:nvSpPr>
           <p:cNvPr id="14" name="Google Shape;14;p2"/>
-          <p:cNvSpPr txBox="1"/>
+          <p:cNvSpPr txBox="1">
+            <a:spLocks noGrp="1"/>
+          </p:cNvSpPr>
           <p:nvPr>
             <p:ph type="ctrTitle"/>
           </p:nvPr>
@@ -1687,7 +1765,7 @@
           </a:prstGeom>
         </p:spPr>
         <p:txBody>
-          <a:bodyPr anchorCtr="0" anchor="t" bIns="91425" lIns="91425" spcFirstLastPara="1" rIns="91425" wrap="square" tIns="91425">
+          <a:bodyPr spcFirstLastPara="1" wrap="square" lIns="91425" tIns="91425" rIns="91425" bIns="91425" anchor="t" anchorCtr="0">
             <a:noAutofit/>
           </a:bodyPr>
           <a:lstStyle>
@@ -1854,15 +1932,19 @@
               </a:defRPr>
             </a:lvl9pPr>
           </a:lstStyle>
-          <a:p/>
+          <a:p>
+            <a:endParaRPr/>
+          </a:p>
         </p:txBody>
       </p:sp>
       <p:sp>
         <p:nvSpPr>
           <p:cNvPr id="15" name="Google Shape;15;p2"/>
-          <p:cNvSpPr txBox="1"/>
+          <p:cNvSpPr txBox="1">
+            <a:spLocks noGrp="1"/>
+          </p:cNvSpPr>
           <p:nvPr>
-            <p:ph idx="1" type="subTitle"/>
+            <p:ph type="subTitle" idx="1"/>
           </p:nvPr>
         </p:nvSpPr>
         <p:spPr>
@@ -1875,7 +1957,7 @@
           </a:prstGeom>
         </p:spPr>
         <p:txBody>
-          <a:bodyPr anchorCtr="0" anchor="t" bIns="91425" lIns="91425" spcFirstLastPara="1" rIns="91425" wrap="square" tIns="91425">
+          <a:bodyPr spcFirstLastPara="1" wrap="square" lIns="91425" tIns="91425" rIns="91425" bIns="91425" anchor="t" anchorCtr="0">
             <a:noAutofit/>
           </a:bodyPr>
           <a:lstStyle>
@@ -2006,15 +2088,19 @@
               <a:defRPr sz="1600"/>
             </a:lvl9pPr>
           </a:lstStyle>
-          <a:p/>
+          <a:p>
+            <a:endParaRPr/>
+          </a:p>
         </p:txBody>
       </p:sp>
       <p:sp>
         <p:nvSpPr>
           <p:cNvPr id="16" name="Google Shape;16;p2"/>
-          <p:cNvSpPr txBox="1"/>
+          <p:cNvSpPr txBox="1">
+            <a:spLocks noGrp="1"/>
+          </p:cNvSpPr>
           <p:nvPr>
-            <p:ph idx="12" type="sldNum"/>
+            <p:ph type="sldNum" idx="12"/>
           </p:nvPr>
         </p:nvSpPr>
         <p:spPr>
@@ -2027,7 +2113,7 @@
           </a:prstGeom>
         </p:spPr>
         <p:txBody>
-          <a:bodyPr anchorCtr="0" anchor="ctr" bIns="91425" lIns="91425" spcFirstLastPara="1" rIns="91425" wrap="square" tIns="91425">
+          <a:bodyPr spcFirstLastPara="1" wrap="square" lIns="91425" tIns="91425" rIns="91425" bIns="91425" anchor="ctr" anchorCtr="0">
             <a:noAutofit/>
           </a:bodyPr>
           <a:lstStyle>
@@ -2069,7 +2155,7 @@
             </a:lvl9pPr>
           </a:lstStyle>
           <a:p>
-            <a:pPr indent="0" lvl="0" marL="0" rtl="0" algn="r">
+            <a:pPr marL="0" lvl="0" indent="0" algn="r" rtl="0">
               <a:spcBef>
                 <a:spcPts val="0"/>
               </a:spcBef>
@@ -2095,18 +2181,19 @@
 </file>
 
 <file path=ppt/slideLayouts/slideLayout10.xml><?xml version="1.0" encoding="utf-8"?>
-<p:sldLayout xmlns:a="http://schemas.openxmlformats.org/drawingml/2006/main" xmlns:r="http://schemas.openxmlformats.org/officeDocument/2006/relationships" xmlns:mc="http://schemas.openxmlformats.org/markup-compatibility/2006" xmlns:mv="urn:schemas-microsoft-com:mac:vml" xmlns:p="http://schemas.openxmlformats.org/presentationml/2006/main" xmlns:c="http://schemas.openxmlformats.org/drawingml/2006/chart" xmlns:dgm="http://schemas.openxmlformats.org/drawingml/2006/diagram" xmlns:o="urn:schemas-microsoft-com:office:office" xmlns:v="urn:schemas-microsoft-com:vml" xmlns:pvml="urn:schemas-microsoft-com:office:powerpoint" xmlns:com="http://schemas.openxmlformats.org/drawingml/2006/compatibility" xmlns:p14="http://schemas.microsoft.com/office/powerpoint/2010/main" xmlns:p15="http://schemas.microsoft.com/office/powerpoint/2012/main" matchingName="Big number">
+<p:sldLayout xmlns:a="http://schemas.openxmlformats.org/drawingml/2006/main" xmlns:r="http://schemas.openxmlformats.org/officeDocument/2006/relationships" xmlns:p="http://schemas.openxmlformats.org/presentationml/2006/main" matchingName="Big number">
   <p:cSld name="BIG_NUMBER">
     <p:bg>
       <p:bgPr>
         <a:solidFill>
           <a:schemeClr val="dk1"/>
         </a:solidFill>
+        <a:effectLst/>
       </p:bgPr>
     </p:bg>
     <p:spTree>
       <p:nvGrpSpPr>
-        <p:cNvPr id="73" name="Shape 73"/>
+        <p:cNvPr id="1" name="Shape 73"/>
         <p:cNvGrpSpPr/>
         <p:nvPr/>
       </p:nvGrpSpPr>
@@ -2154,12 +2241,12 @@
             </a:ln>
           </p:spPr>
           <p:txBody>
-            <a:bodyPr anchorCtr="0" anchor="ctr" bIns="91425" lIns="91425" spcFirstLastPara="1" rIns="91425" wrap="square" tIns="91425">
+            <a:bodyPr spcFirstLastPara="1" wrap="square" lIns="91425" tIns="91425" rIns="91425" bIns="91425" anchor="ctr" anchorCtr="0">
               <a:noAutofit/>
             </a:bodyPr>
             <a:lstStyle/>
             <a:p>
-              <a:pPr indent="0" lvl="0" marL="0" rtl="0" algn="l">
+              <a:pPr marL="0" lvl="0" indent="0" algn="l" rtl="0">
                 <a:spcBef>
                   <a:spcPts val="0"/>
                 </a:spcBef>
@@ -2168,9 +2255,6 @@
                 </a:spcAft>
                 <a:buNone/>
               </a:pPr>
-              <a:r>
-                <a:t/>
-              </a:r>
               <a:endParaRPr/>
             </a:p>
           </p:txBody>
@@ -2197,12 +2281,12 @@
             </a:ln>
           </p:spPr>
           <p:txBody>
-            <a:bodyPr anchorCtr="0" anchor="ctr" bIns="91425" lIns="91425" spcFirstLastPara="1" rIns="91425" wrap="square" tIns="91425">
+            <a:bodyPr spcFirstLastPara="1" wrap="square" lIns="91425" tIns="91425" rIns="91425" bIns="91425" anchor="ctr" anchorCtr="0">
               <a:noAutofit/>
             </a:bodyPr>
             <a:lstStyle/>
             <a:p>
-              <a:pPr indent="0" lvl="0" marL="0" rtl="0" algn="l">
+              <a:pPr marL="0" lvl="0" indent="0" algn="l" rtl="0">
                 <a:spcBef>
                   <a:spcPts val="0"/>
                 </a:spcBef>
@@ -2211,9 +2295,6 @@
                 </a:spcAft>
                 <a:buNone/>
               </a:pPr>
-              <a:r>
-                <a:t/>
-              </a:r>
               <a:endParaRPr/>
             </a:p>
           </p:txBody>
@@ -2222,9 +2303,11 @@
       <p:sp>
         <p:nvSpPr>
           <p:cNvPr id="77" name="Google Shape;77;p11"/>
-          <p:cNvSpPr txBox="1"/>
+          <p:cNvSpPr txBox="1">
+            <a:spLocks noGrp="1"/>
+          </p:cNvSpPr>
           <p:nvPr>
-            <p:ph hasCustomPrompt="1" type="title"/>
+            <p:ph type="title" hasCustomPrompt="1"/>
           </p:nvPr>
         </p:nvSpPr>
         <p:spPr>
@@ -2237,7 +2320,7 @@
           </a:prstGeom>
         </p:spPr>
         <p:txBody>
-          <a:bodyPr anchorCtr="0" anchor="t" bIns="91425" lIns="91425" spcFirstLastPara="1" rIns="91425" wrap="square" tIns="91425">
+          <a:bodyPr spcFirstLastPara="1" wrap="square" lIns="91425" tIns="91425" rIns="91425" bIns="91425" anchor="t" anchorCtr="0">
             <a:noAutofit/>
           </a:bodyPr>
           <a:lstStyle>
@@ -2414,9 +2497,11 @@
       <p:sp>
         <p:nvSpPr>
           <p:cNvPr id="78" name="Google Shape;78;p11"/>
-          <p:cNvSpPr txBox="1"/>
+          <p:cNvSpPr txBox="1">
+            <a:spLocks noGrp="1"/>
+          </p:cNvSpPr>
           <p:nvPr>
-            <p:ph idx="1" type="body"/>
+            <p:ph type="body" idx="1"/>
           </p:nvPr>
         </p:nvSpPr>
         <p:spPr>
@@ -2429,11 +2514,11 @@
           </a:prstGeom>
         </p:spPr>
         <p:txBody>
-          <a:bodyPr anchorCtr="0" anchor="t" bIns="91425" lIns="91425" spcFirstLastPara="1" rIns="91425" wrap="square" tIns="91425">
+          <a:bodyPr spcFirstLastPara="1" wrap="square" lIns="91425" tIns="91425" rIns="91425" bIns="91425" anchor="t" anchorCtr="0">
             <a:noAutofit/>
           </a:bodyPr>
           <a:lstStyle>
-            <a:lvl1pPr indent="-311150" lvl="0" marL="457200">
+            <a:lvl1pPr marL="457200" lvl="0" indent="-311150">
               <a:spcBef>
                 <a:spcPts val="0"/>
               </a:spcBef>
@@ -2451,7 +2536,7 @@
                 </a:solidFill>
               </a:defRPr>
             </a:lvl1pPr>
-            <a:lvl2pPr indent="-298450" lvl="1" marL="914400">
+            <a:lvl2pPr marL="914400" lvl="1" indent="-298450">
               <a:spcBef>
                 <a:spcPts val="1600"/>
               </a:spcBef>
@@ -2469,7 +2554,7 @@
                 </a:solidFill>
               </a:defRPr>
             </a:lvl2pPr>
-            <a:lvl3pPr indent="-298450" lvl="2" marL="1371600">
+            <a:lvl3pPr marL="1371600" lvl="2" indent="-298450">
               <a:spcBef>
                 <a:spcPts val="1600"/>
               </a:spcBef>
@@ -2487,7 +2572,7 @@
                 </a:solidFill>
               </a:defRPr>
             </a:lvl3pPr>
-            <a:lvl4pPr indent="-298450" lvl="3" marL="1828800">
+            <a:lvl4pPr marL="1828800" lvl="3" indent="-298450">
               <a:spcBef>
                 <a:spcPts val="1600"/>
               </a:spcBef>
@@ -2505,7 +2590,7 @@
                 </a:solidFill>
               </a:defRPr>
             </a:lvl4pPr>
-            <a:lvl5pPr indent="-298450" lvl="4" marL="2286000">
+            <a:lvl5pPr marL="2286000" lvl="4" indent="-298450">
               <a:spcBef>
                 <a:spcPts val="1600"/>
               </a:spcBef>
@@ -2523,7 +2608,7 @@
                 </a:solidFill>
               </a:defRPr>
             </a:lvl5pPr>
-            <a:lvl6pPr indent="-298450" lvl="5" marL="2743200">
+            <a:lvl6pPr marL="2743200" lvl="5" indent="-298450">
               <a:spcBef>
                 <a:spcPts val="1600"/>
               </a:spcBef>
@@ -2541,7 +2626,7 @@
                 </a:solidFill>
               </a:defRPr>
             </a:lvl6pPr>
-            <a:lvl7pPr indent="-298450" lvl="6" marL="3200400">
+            <a:lvl7pPr marL="3200400" lvl="6" indent="-298450">
               <a:spcBef>
                 <a:spcPts val="1600"/>
               </a:spcBef>
@@ -2559,7 +2644,7 @@
                 </a:solidFill>
               </a:defRPr>
             </a:lvl7pPr>
-            <a:lvl8pPr indent="-298450" lvl="7" marL="3657600">
+            <a:lvl8pPr marL="3657600" lvl="7" indent="-298450">
               <a:spcBef>
                 <a:spcPts val="1600"/>
               </a:spcBef>
@@ -2577,7 +2662,7 @@
                 </a:solidFill>
               </a:defRPr>
             </a:lvl8pPr>
-            <a:lvl9pPr indent="-298450" lvl="8" marL="4114800">
+            <a:lvl9pPr marL="4114800" lvl="8" indent="-298450">
               <a:spcBef>
                 <a:spcPts val="1600"/>
               </a:spcBef>
@@ -2596,15 +2681,19 @@
               </a:defRPr>
             </a:lvl9pPr>
           </a:lstStyle>
-          <a:p/>
+          <a:p>
+            <a:endParaRPr/>
+          </a:p>
         </p:txBody>
       </p:sp>
       <p:sp>
         <p:nvSpPr>
           <p:cNvPr id="79" name="Google Shape;79;p11"/>
-          <p:cNvSpPr txBox="1"/>
+          <p:cNvSpPr txBox="1">
+            <a:spLocks noGrp="1"/>
+          </p:cNvSpPr>
           <p:nvPr>
-            <p:ph idx="12" type="sldNum"/>
+            <p:ph type="sldNum" idx="12"/>
           </p:nvPr>
         </p:nvSpPr>
         <p:spPr>
@@ -2617,7 +2706,7 @@
           </a:prstGeom>
         </p:spPr>
         <p:txBody>
-          <a:bodyPr anchorCtr="0" anchor="ctr" bIns="91425" lIns="91425" spcFirstLastPara="1" rIns="91425" wrap="square" tIns="91425">
+          <a:bodyPr spcFirstLastPara="1" wrap="square" lIns="91425" tIns="91425" rIns="91425" bIns="91425" anchor="ctr" anchorCtr="0">
             <a:noAutofit/>
           </a:bodyPr>
           <a:lstStyle>
@@ -2695,7 +2784,7 @@
             </a:lvl9pPr>
           </a:lstStyle>
           <a:p>
-            <a:pPr indent="0" lvl="0" marL="0" rtl="0" algn="r">
+            <a:pPr marL="0" lvl="0" indent="0" algn="r" rtl="0">
               <a:spcBef>
                 <a:spcPts val="0"/>
               </a:spcBef>
@@ -2721,11 +2810,11 @@
 </file>
 
 <file path=ppt/slideLayouts/slideLayout11.xml><?xml version="1.0" encoding="utf-8"?>
-<p:sldLayout xmlns:a="http://schemas.openxmlformats.org/drawingml/2006/main" xmlns:r="http://schemas.openxmlformats.org/officeDocument/2006/relationships" xmlns:mc="http://schemas.openxmlformats.org/markup-compatibility/2006" xmlns:mv="urn:schemas-microsoft-com:mac:vml" xmlns:p="http://schemas.openxmlformats.org/presentationml/2006/main" xmlns:c="http://schemas.openxmlformats.org/drawingml/2006/chart" xmlns:dgm="http://schemas.openxmlformats.org/drawingml/2006/diagram" xmlns:o="urn:schemas-microsoft-com:office:office" xmlns:v="urn:schemas-microsoft-com:vml" xmlns:pvml="urn:schemas-microsoft-com:office:powerpoint" xmlns:com="http://schemas.openxmlformats.org/drawingml/2006/compatibility" xmlns:p14="http://schemas.microsoft.com/office/powerpoint/2010/main" xmlns:p15="http://schemas.microsoft.com/office/powerpoint/2012/main" matchingName="Blank" type="blank">
+<p:sldLayout xmlns:a="http://schemas.openxmlformats.org/drawingml/2006/main" xmlns:r="http://schemas.openxmlformats.org/officeDocument/2006/relationships" xmlns:p="http://schemas.openxmlformats.org/presentationml/2006/main" matchingName="Blank" type="blank">
   <p:cSld name="BLANK">
     <p:spTree>
       <p:nvGrpSpPr>
-        <p:cNvPr id="80" name="Shape 80"/>
+        <p:cNvPr id="1" name="Shape 80"/>
         <p:cNvGrpSpPr/>
         <p:nvPr/>
       </p:nvGrpSpPr>
@@ -2740,9 +2829,11 @@
       <p:sp>
         <p:nvSpPr>
           <p:cNvPr id="81" name="Google Shape;81;p12"/>
-          <p:cNvSpPr txBox="1"/>
+          <p:cNvSpPr txBox="1">
+            <a:spLocks noGrp="1"/>
+          </p:cNvSpPr>
           <p:nvPr>
-            <p:ph idx="12" type="sldNum"/>
+            <p:ph type="sldNum" idx="12"/>
           </p:nvPr>
         </p:nvSpPr>
         <p:spPr>
@@ -2755,7 +2846,7 @@
           </a:prstGeom>
         </p:spPr>
         <p:txBody>
-          <a:bodyPr anchorCtr="0" anchor="ctr" bIns="91425" lIns="91425" spcFirstLastPara="1" rIns="91425" wrap="square" tIns="91425">
+          <a:bodyPr spcFirstLastPara="1" wrap="square" lIns="91425" tIns="91425" rIns="91425" bIns="91425" anchor="ctr" anchorCtr="0">
             <a:noAutofit/>
           </a:bodyPr>
           <a:lstStyle>
@@ -2797,7 +2888,7 @@
             </a:lvl9pPr>
           </a:lstStyle>
           <a:p>
-            <a:pPr indent="0" lvl="0" marL="0" rtl="0" algn="r">
+            <a:pPr marL="0" lvl="0" indent="0" algn="r" rtl="0">
               <a:spcBef>
                 <a:spcPts val="0"/>
               </a:spcBef>
@@ -2823,18 +2914,19 @@
 </file>
 
 <file path=ppt/slideLayouts/slideLayout2.xml><?xml version="1.0" encoding="utf-8"?>
-<p:sldLayout xmlns:a="http://schemas.openxmlformats.org/drawingml/2006/main" xmlns:r="http://schemas.openxmlformats.org/officeDocument/2006/relationships" xmlns:mc="http://schemas.openxmlformats.org/markup-compatibility/2006" xmlns:mv="urn:schemas-microsoft-com:mac:vml" xmlns:p="http://schemas.openxmlformats.org/presentationml/2006/main" xmlns:c="http://schemas.openxmlformats.org/drawingml/2006/chart" xmlns:dgm="http://schemas.openxmlformats.org/drawingml/2006/diagram" xmlns:o="urn:schemas-microsoft-com:office:office" xmlns:v="urn:schemas-microsoft-com:vml" xmlns:pvml="urn:schemas-microsoft-com:office:powerpoint" xmlns:com="http://schemas.openxmlformats.org/drawingml/2006/compatibility" xmlns:p14="http://schemas.microsoft.com/office/powerpoint/2010/main" xmlns:p15="http://schemas.microsoft.com/office/powerpoint/2012/main" matchingName="Section header" type="secHead">
+<p:sldLayout xmlns:a="http://schemas.openxmlformats.org/drawingml/2006/main" xmlns:r="http://schemas.openxmlformats.org/officeDocument/2006/relationships" xmlns:p="http://schemas.openxmlformats.org/presentationml/2006/main" matchingName="Section header" type="secHead">
   <p:cSld name="SECTION_HEADER">
     <p:bg>
       <p:bgPr>
         <a:solidFill>
           <a:schemeClr val="dk1"/>
         </a:solidFill>
+        <a:effectLst/>
       </p:bgPr>
     </p:bg>
     <p:spTree>
       <p:nvGrpSpPr>
-        <p:cNvPr id="17" name="Shape 17"/>
+        <p:cNvPr id="1" name="Shape 17"/>
         <p:cNvGrpSpPr/>
         <p:nvPr/>
       </p:nvGrpSpPr>
@@ -2882,12 +2974,12 @@
             </a:ln>
           </p:spPr>
           <p:txBody>
-            <a:bodyPr anchorCtr="0" anchor="ctr" bIns="91425" lIns="91425" spcFirstLastPara="1" rIns="91425" wrap="square" tIns="91425">
+            <a:bodyPr spcFirstLastPara="1" wrap="square" lIns="91425" tIns="91425" rIns="91425" bIns="91425" anchor="ctr" anchorCtr="0">
               <a:noAutofit/>
             </a:bodyPr>
             <a:lstStyle/>
             <a:p>
-              <a:pPr indent="0" lvl="0" marL="0" rtl="0" algn="l">
+              <a:pPr marL="0" lvl="0" indent="0" algn="l" rtl="0">
                 <a:spcBef>
                   <a:spcPts val="0"/>
                 </a:spcBef>
@@ -2896,9 +2988,6 @@
                 </a:spcAft>
                 <a:buNone/>
               </a:pPr>
-              <a:r>
-                <a:t/>
-              </a:r>
               <a:endParaRPr/>
             </a:p>
           </p:txBody>
@@ -2925,12 +3014,12 @@
             </a:ln>
           </p:spPr>
           <p:txBody>
-            <a:bodyPr anchorCtr="0" anchor="ctr" bIns="91425" lIns="91425" spcFirstLastPara="1" rIns="91425" wrap="square" tIns="91425">
+            <a:bodyPr spcFirstLastPara="1" wrap="square" lIns="91425" tIns="91425" rIns="91425" bIns="91425" anchor="ctr" anchorCtr="0">
               <a:noAutofit/>
             </a:bodyPr>
             <a:lstStyle/>
             <a:p>
-              <a:pPr indent="0" lvl="0" marL="0" rtl="0" algn="l">
+              <a:pPr marL="0" lvl="0" indent="0" algn="l" rtl="0">
                 <a:spcBef>
                   <a:spcPts val="0"/>
                 </a:spcBef>
@@ -2939,9 +3028,6 @@
                 </a:spcAft>
                 <a:buNone/>
               </a:pPr>
-              <a:r>
-                <a:t/>
-              </a:r>
               <a:endParaRPr/>
             </a:p>
           </p:txBody>
@@ -2950,7 +3036,9 @@
       <p:sp>
         <p:nvSpPr>
           <p:cNvPr id="21" name="Google Shape;21;p3"/>
-          <p:cNvSpPr txBox="1"/>
+          <p:cNvSpPr txBox="1">
+            <a:spLocks noGrp="1"/>
+          </p:cNvSpPr>
           <p:nvPr>
             <p:ph type="title"/>
           </p:nvPr>
@@ -2965,7 +3053,7 @@
           </a:prstGeom>
         </p:spPr>
         <p:txBody>
-          <a:bodyPr anchorCtr="0" anchor="t" bIns="91425" lIns="91425" spcFirstLastPara="1" rIns="91425" wrap="square" tIns="91425">
+          <a:bodyPr spcFirstLastPara="1" wrap="square" lIns="91425" tIns="91425" rIns="91425" bIns="91425" anchor="t" anchorCtr="0">
             <a:noAutofit/>
           </a:bodyPr>
           <a:lstStyle>
@@ -3132,15 +3220,19 @@
               </a:defRPr>
             </a:lvl9pPr>
           </a:lstStyle>
-          <a:p/>
+          <a:p>
+            <a:endParaRPr/>
+          </a:p>
         </p:txBody>
       </p:sp>
       <p:sp>
         <p:nvSpPr>
           <p:cNvPr id="22" name="Google Shape;22;p3"/>
-          <p:cNvSpPr txBox="1"/>
+          <p:cNvSpPr txBox="1">
+            <a:spLocks noGrp="1"/>
+          </p:cNvSpPr>
           <p:nvPr>
-            <p:ph idx="12" type="sldNum"/>
+            <p:ph type="sldNum" idx="12"/>
           </p:nvPr>
         </p:nvSpPr>
         <p:spPr>
@@ -3153,7 +3245,7 @@
           </a:prstGeom>
         </p:spPr>
         <p:txBody>
-          <a:bodyPr anchorCtr="0" anchor="ctr" bIns="91425" lIns="91425" spcFirstLastPara="1" rIns="91425" wrap="square" tIns="91425">
+          <a:bodyPr spcFirstLastPara="1" wrap="square" lIns="91425" tIns="91425" rIns="91425" bIns="91425" anchor="ctr" anchorCtr="0">
             <a:noAutofit/>
           </a:bodyPr>
           <a:lstStyle>
@@ -3231,7 +3323,7 @@
             </a:lvl9pPr>
           </a:lstStyle>
           <a:p>
-            <a:pPr indent="0" lvl="0" marL="0" rtl="0" algn="r">
+            <a:pPr marL="0" lvl="0" indent="0" algn="r" rtl="0">
               <a:spcBef>
                 <a:spcPts val="0"/>
               </a:spcBef>
@@ -3257,11 +3349,11 @@
 </file>
 
 <file path=ppt/slideLayouts/slideLayout3.xml><?xml version="1.0" encoding="utf-8"?>
-<p:sldLayout xmlns:a="http://schemas.openxmlformats.org/drawingml/2006/main" xmlns:r="http://schemas.openxmlformats.org/officeDocument/2006/relationships" xmlns:mc="http://schemas.openxmlformats.org/markup-compatibility/2006" xmlns:mv="urn:schemas-microsoft-com:mac:vml" xmlns:p="http://schemas.openxmlformats.org/presentationml/2006/main" xmlns:c="http://schemas.openxmlformats.org/drawingml/2006/chart" xmlns:dgm="http://schemas.openxmlformats.org/drawingml/2006/diagram" xmlns:o="urn:schemas-microsoft-com:office:office" xmlns:v="urn:schemas-microsoft-com:vml" xmlns:pvml="urn:schemas-microsoft-com:office:powerpoint" xmlns:com="http://schemas.openxmlformats.org/drawingml/2006/compatibility" xmlns:p14="http://schemas.microsoft.com/office/powerpoint/2010/main" xmlns:p15="http://schemas.microsoft.com/office/powerpoint/2012/main" matchingName="Title and body" type="tx">
+<p:sldLayout xmlns:a="http://schemas.openxmlformats.org/drawingml/2006/main" xmlns:r="http://schemas.openxmlformats.org/officeDocument/2006/relationships" xmlns:p="http://schemas.openxmlformats.org/presentationml/2006/main" matchingName="Title and body" type="tx">
   <p:cSld name="TITLE_AND_BODY">
     <p:spTree>
       <p:nvGrpSpPr>
-        <p:cNvPr id="23" name="Shape 23"/>
+        <p:cNvPr id="1" name="Shape 23"/>
         <p:cNvGrpSpPr/>
         <p:nvPr/>
       </p:nvGrpSpPr>
@@ -3295,12 +3387,12 @@
           </a:ln>
         </p:spPr>
         <p:txBody>
-          <a:bodyPr anchorCtr="0" anchor="ctr" bIns="91425" lIns="91425" spcFirstLastPara="1" rIns="91425" wrap="square" tIns="91425">
+          <a:bodyPr spcFirstLastPara="1" wrap="square" lIns="91425" tIns="91425" rIns="91425" bIns="91425" anchor="ctr" anchorCtr="0">
             <a:noAutofit/>
           </a:bodyPr>
           <a:lstStyle/>
           <a:p>
-            <a:pPr indent="0" lvl="0" marL="0" rtl="0" algn="l">
+            <a:pPr marL="0" lvl="0" indent="0" algn="l" rtl="0">
               <a:spcBef>
                 <a:spcPts val="0"/>
               </a:spcBef>
@@ -3309,9 +3401,6 @@
               </a:spcAft>
               <a:buNone/>
             </a:pPr>
-            <a:r>
-              <a:t/>
-            </a:r>
             <a:endParaRPr/>
           </a:p>
         </p:txBody>
@@ -3352,12 +3441,12 @@
             </a:ln>
           </p:spPr>
           <p:txBody>
-            <a:bodyPr anchorCtr="0" anchor="ctr" bIns="91425" lIns="91425" spcFirstLastPara="1" rIns="91425" wrap="square" tIns="91425">
+            <a:bodyPr spcFirstLastPara="1" wrap="square" lIns="91425" tIns="91425" rIns="91425" bIns="91425" anchor="ctr" anchorCtr="0">
               <a:noAutofit/>
             </a:bodyPr>
             <a:lstStyle/>
             <a:p>
-              <a:pPr indent="0" lvl="0" marL="0" rtl="0" algn="l">
+              <a:pPr marL="0" lvl="0" indent="0" algn="l" rtl="0">
                 <a:spcBef>
                   <a:spcPts val="0"/>
                 </a:spcBef>
@@ -3366,9 +3455,6 @@
                 </a:spcAft>
                 <a:buNone/>
               </a:pPr>
-              <a:r>
-                <a:t/>
-              </a:r>
               <a:endParaRPr/>
             </a:p>
           </p:txBody>
@@ -3395,12 +3481,12 @@
             </a:ln>
           </p:spPr>
           <p:txBody>
-            <a:bodyPr anchorCtr="0" anchor="ctr" bIns="91425" lIns="91425" spcFirstLastPara="1" rIns="91425" wrap="square" tIns="91425">
+            <a:bodyPr spcFirstLastPara="1" wrap="square" lIns="91425" tIns="91425" rIns="91425" bIns="91425" anchor="ctr" anchorCtr="0">
               <a:noAutofit/>
             </a:bodyPr>
             <a:lstStyle/>
             <a:p>
-              <a:pPr indent="0" lvl="0" marL="0" rtl="0" algn="l">
+              <a:pPr marL="0" lvl="0" indent="0" algn="l" rtl="0">
                 <a:spcBef>
                   <a:spcPts val="0"/>
                 </a:spcBef>
@@ -3409,9 +3495,6 @@
                 </a:spcAft>
                 <a:buNone/>
               </a:pPr>
-              <a:r>
-                <a:t/>
-              </a:r>
               <a:endParaRPr/>
             </a:p>
           </p:txBody>
@@ -3420,7 +3503,9 @@
       <p:sp>
         <p:nvSpPr>
           <p:cNvPr id="28" name="Google Shape;28;p4"/>
-          <p:cNvSpPr txBox="1"/>
+          <p:cNvSpPr txBox="1">
+            <a:spLocks noGrp="1"/>
+          </p:cNvSpPr>
           <p:nvPr>
             <p:ph type="title"/>
           </p:nvPr>
@@ -3435,7 +3520,7 @@
           </a:prstGeom>
         </p:spPr>
         <p:txBody>
-          <a:bodyPr anchorCtr="0" anchor="t" bIns="91425" lIns="91425" spcFirstLastPara="1" rIns="91425" wrap="square" tIns="91425">
+          <a:bodyPr spcFirstLastPara="1" wrap="square" lIns="91425" tIns="91425" rIns="91425" bIns="91425" anchor="t" anchorCtr="0">
             <a:noAutofit/>
           </a:bodyPr>
           <a:lstStyle>
@@ -3602,15 +3687,19 @@
               </a:defRPr>
             </a:lvl9pPr>
           </a:lstStyle>
-          <a:p/>
+          <a:p>
+            <a:endParaRPr/>
+          </a:p>
         </p:txBody>
       </p:sp>
       <p:sp>
         <p:nvSpPr>
           <p:cNvPr id="29" name="Google Shape;29;p4"/>
-          <p:cNvSpPr txBox="1"/>
+          <p:cNvSpPr txBox="1">
+            <a:spLocks noGrp="1"/>
+          </p:cNvSpPr>
           <p:nvPr>
-            <p:ph idx="1" type="body"/>
+            <p:ph type="body" idx="1"/>
           </p:nvPr>
         </p:nvSpPr>
         <p:spPr>
@@ -3623,11 +3712,11 @@
           </a:prstGeom>
         </p:spPr>
         <p:txBody>
-          <a:bodyPr anchorCtr="0" anchor="t" bIns="91425" lIns="91425" spcFirstLastPara="1" rIns="91425" wrap="square" tIns="91425">
+          <a:bodyPr spcFirstLastPara="1" wrap="square" lIns="91425" tIns="91425" rIns="91425" bIns="91425" anchor="t" anchorCtr="0">
             <a:noAutofit/>
           </a:bodyPr>
           <a:lstStyle>
-            <a:lvl1pPr indent="-311150" lvl="0" marL="457200">
+            <a:lvl1pPr marL="457200" lvl="0" indent="-311150">
               <a:spcBef>
                 <a:spcPts val="0"/>
               </a:spcBef>
@@ -3638,7 +3727,7 @@
               <a:buChar char="●"/>
               <a:defRPr/>
             </a:lvl1pPr>
-            <a:lvl2pPr indent="-298450" lvl="1" marL="914400">
+            <a:lvl2pPr marL="914400" lvl="1" indent="-298450">
               <a:spcBef>
                 <a:spcPts val="1600"/>
               </a:spcBef>
@@ -3649,7 +3738,7 @@
               <a:buChar char="○"/>
               <a:defRPr/>
             </a:lvl2pPr>
-            <a:lvl3pPr indent="-298450" lvl="2" marL="1371600">
+            <a:lvl3pPr marL="1371600" lvl="2" indent="-298450">
               <a:spcBef>
                 <a:spcPts val="1600"/>
               </a:spcBef>
@@ -3660,7 +3749,7 @@
               <a:buChar char="■"/>
               <a:defRPr/>
             </a:lvl3pPr>
-            <a:lvl4pPr indent="-298450" lvl="3" marL="1828800">
+            <a:lvl4pPr marL="1828800" lvl="3" indent="-298450">
               <a:spcBef>
                 <a:spcPts val="1600"/>
               </a:spcBef>
@@ -3671,7 +3760,7 @@
               <a:buChar char="●"/>
               <a:defRPr/>
             </a:lvl4pPr>
-            <a:lvl5pPr indent="-298450" lvl="4" marL="2286000">
+            <a:lvl5pPr marL="2286000" lvl="4" indent="-298450">
               <a:spcBef>
                 <a:spcPts val="1600"/>
               </a:spcBef>
@@ -3682,7 +3771,7 @@
               <a:buChar char="○"/>
               <a:defRPr/>
             </a:lvl5pPr>
-            <a:lvl6pPr indent="-298450" lvl="5" marL="2743200">
+            <a:lvl6pPr marL="2743200" lvl="5" indent="-298450">
               <a:spcBef>
                 <a:spcPts val="1600"/>
               </a:spcBef>
@@ -3693,7 +3782,7 @@
               <a:buChar char="■"/>
               <a:defRPr/>
             </a:lvl6pPr>
-            <a:lvl7pPr indent="-298450" lvl="6" marL="3200400">
+            <a:lvl7pPr marL="3200400" lvl="6" indent="-298450">
               <a:spcBef>
                 <a:spcPts val="1600"/>
               </a:spcBef>
@@ -3704,7 +3793,7 @@
               <a:buChar char="●"/>
               <a:defRPr/>
             </a:lvl7pPr>
-            <a:lvl8pPr indent="-298450" lvl="7" marL="3657600">
+            <a:lvl8pPr marL="3657600" lvl="7" indent="-298450">
               <a:spcBef>
                 <a:spcPts val="1600"/>
               </a:spcBef>
@@ -3715,7 +3804,7 @@
               <a:buChar char="○"/>
               <a:defRPr/>
             </a:lvl8pPr>
-            <a:lvl9pPr indent="-298450" lvl="8" marL="4114800">
+            <a:lvl9pPr marL="4114800" lvl="8" indent="-298450">
               <a:spcBef>
                 <a:spcPts val="1600"/>
               </a:spcBef>
@@ -3727,15 +3816,19 @@
               <a:defRPr/>
             </a:lvl9pPr>
           </a:lstStyle>
-          <a:p/>
+          <a:p>
+            <a:endParaRPr/>
+          </a:p>
         </p:txBody>
       </p:sp>
       <p:sp>
         <p:nvSpPr>
           <p:cNvPr id="30" name="Google Shape;30;p4"/>
-          <p:cNvSpPr txBox="1"/>
+          <p:cNvSpPr txBox="1">
+            <a:spLocks noGrp="1"/>
+          </p:cNvSpPr>
           <p:nvPr>
-            <p:ph idx="12" type="sldNum"/>
+            <p:ph type="sldNum" idx="12"/>
           </p:nvPr>
         </p:nvSpPr>
         <p:spPr>
@@ -3748,7 +3841,7 @@
           </a:prstGeom>
         </p:spPr>
         <p:txBody>
-          <a:bodyPr anchorCtr="0" anchor="ctr" bIns="91425" lIns="91425" spcFirstLastPara="1" rIns="91425" wrap="square" tIns="91425">
+          <a:bodyPr spcFirstLastPara="1" wrap="square" lIns="91425" tIns="91425" rIns="91425" bIns="91425" anchor="ctr" anchorCtr="0">
             <a:noAutofit/>
           </a:bodyPr>
           <a:lstStyle>
@@ -3790,7 +3883,7 @@
             </a:lvl9pPr>
           </a:lstStyle>
           <a:p>
-            <a:pPr indent="0" lvl="0" marL="0" rtl="0" algn="r">
+            <a:pPr marL="0" lvl="0" indent="0" algn="r" rtl="0">
               <a:spcBef>
                 <a:spcPts val="0"/>
               </a:spcBef>
@@ -3816,11 +3909,11 @@
 </file>
 
 <file path=ppt/slideLayouts/slideLayout4.xml><?xml version="1.0" encoding="utf-8"?>
-<p:sldLayout xmlns:a="http://schemas.openxmlformats.org/drawingml/2006/main" xmlns:r="http://schemas.openxmlformats.org/officeDocument/2006/relationships" xmlns:mc="http://schemas.openxmlformats.org/markup-compatibility/2006" xmlns:mv="urn:schemas-microsoft-com:mac:vml" xmlns:p="http://schemas.openxmlformats.org/presentationml/2006/main" xmlns:c="http://schemas.openxmlformats.org/drawingml/2006/chart" xmlns:dgm="http://schemas.openxmlformats.org/drawingml/2006/diagram" xmlns:o="urn:schemas-microsoft-com:office:office" xmlns:v="urn:schemas-microsoft-com:vml" xmlns:pvml="urn:schemas-microsoft-com:office:powerpoint" xmlns:com="http://schemas.openxmlformats.org/drawingml/2006/compatibility" xmlns:p14="http://schemas.microsoft.com/office/powerpoint/2010/main" xmlns:p15="http://schemas.microsoft.com/office/powerpoint/2012/main" matchingName="Title and two columns" type="twoColTx">
+<p:sldLayout xmlns:a="http://schemas.openxmlformats.org/drawingml/2006/main" xmlns:r="http://schemas.openxmlformats.org/officeDocument/2006/relationships" xmlns:p="http://schemas.openxmlformats.org/presentationml/2006/main" matchingName="Title and two columns" type="twoColTx">
   <p:cSld name="TITLE_AND_TWO_COLUMNS">
     <p:spTree>
       <p:nvGrpSpPr>
-        <p:cNvPr id="31" name="Shape 31"/>
+        <p:cNvPr id="1" name="Shape 31"/>
         <p:cNvGrpSpPr/>
         <p:nvPr/>
       </p:nvGrpSpPr>
@@ -3854,12 +3947,12 @@
           </a:ln>
         </p:spPr>
         <p:txBody>
-          <a:bodyPr anchorCtr="0" anchor="ctr" bIns="91425" lIns="91425" spcFirstLastPara="1" rIns="91425" wrap="square" tIns="91425">
+          <a:bodyPr spcFirstLastPara="1" wrap="square" lIns="91425" tIns="91425" rIns="91425" bIns="91425" anchor="ctr" anchorCtr="0">
             <a:noAutofit/>
           </a:bodyPr>
           <a:lstStyle/>
           <a:p>
-            <a:pPr indent="0" lvl="0" marL="0" rtl="0" algn="l">
+            <a:pPr marL="0" lvl="0" indent="0" algn="l" rtl="0">
               <a:spcBef>
                 <a:spcPts val="0"/>
               </a:spcBef>
@@ -3868,9 +3961,6 @@
               </a:spcAft>
               <a:buNone/>
             </a:pPr>
-            <a:r>
-              <a:t/>
-            </a:r>
             <a:endParaRPr/>
           </a:p>
         </p:txBody>
@@ -3911,12 +4001,12 @@
             </a:ln>
           </p:spPr>
           <p:txBody>
-            <a:bodyPr anchorCtr="0" anchor="ctr" bIns="91425" lIns="91425" spcFirstLastPara="1" rIns="91425" wrap="square" tIns="91425">
+            <a:bodyPr spcFirstLastPara="1" wrap="square" lIns="91425" tIns="91425" rIns="91425" bIns="91425" anchor="ctr" anchorCtr="0">
               <a:noAutofit/>
             </a:bodyPr>
             <a:lstStyle/>
             <a:p>
-              <a:pPr indent="0" lvl="0" marL="0" rtl="0" algn="l">
+              <a:pPr marL="0" lvl="0" indent="0" algn="l" rtl="0">
                 <a:spcBef>
                   <a:spcPts val="0"/>
                 </a:spcBef>
@@ -3925,9 +4015,6 @@
                 </a:spcAft>
                 <a:buNone/>
               </a:pPr>
-              <a:r>
-                <a:t/>
-              </a:r>
               <a:endParaRPr/>
             </a:p>
           </p:txBody>
@@ -3954,12 +4041,12 @@
             </a:ln>
           </p:spPr>
           <p:txBody>
-            <a:bodyPr anchorCtr="0" anchor="ctr" bIns="91425" lIns="91425" spcFirstLastPara="1" rIns="91425" wrap="square" tIns="91425">
+            <a:bodyPr spcFirstLastPara="1" wrap="square" lIns="91425" tIns="91425" rIns="91425" bIns="91425" anchor="ctr" anchorCtr="0">
               <a:noAutofit/>
             </a:bodyPr>
             <a:lstStyle/>
             <a:p>
-              <a:pPr indent="0" lvl="0" marL="0" rtl="0" algn="l">
+              <a:pPr marL="0" lvl="0" indent="0" algn="l" rtl="0">
                 <a:spcBef>
                   <a:spcPts val="0"/>
                 </a:spcBef>
@@ -3968,9 +4055,6 @@
                 </a:spcAft>
                 <a:buNone/>
               </a:pPr>
-              <a:r>
-                <a:t/>
-              </a:r>
               <a:endParaRPr/>
             </a:p>
           </p:txBody>
@@ -3979,7 +4063,9 @@
       <p:sp>
         <p:nvSpPr>
           <p:cNvPr id="36" name="Google Shape;36;p5"/>
-          <p:cNvSpPr txBox="1"/>
+          <p:cNvSpPr txBox="1">
+            <a:spLocks noGrp="1"/>
+          </p:cNvSpPr>
           <p:nvPr>
             <p:ph type="title"/>
           </p:nvPr>
@@ -3994,7 +4080,7 @@
           </a:prstGeom>
         </p:spPr>
         <p:txBody>
-          <a:bodyPr anchorCtr="0" anchor="t" bIns="91425" lIns="91425" spcFirstLastPara="1" rIns="91425" wrap="square" tIns="91425">
+          <a:bodyPr spcFirstLastPara="1" wrap="square" lIns="91425" tIns="91425" rIns="91425" bIns="91425" anchor="t" anchorCtr="0">
             <a:noAutofit/>
           </a:bodyPr>
           <a:lstStyle>
@@ -4161,15 +4247,19 @@
               </a:defRPr>
             </a:lvl9pPr>
           </a:lstStyle>
-          <a:p/>
+          <a:p>
+            <a:endParaRPr/>
+          </a:p>
         </p:txBody>
       </p:sp>
       <p:sp>
         <p:nvSpPr>
           <p:cNvPr id="37" name="Google Shape;37;p5"/>
-          <p:cNvSpPr txBox="1"/>
+          <p:cNvSpPr txBox="1">
+            <a:spLocks noGrp="1"/>
+          </p:cNvSpPr>
           <p:nvPr>
-            <p:ph idx="1" type="body"/>
+            <p:ph type="body" idx="1"/>
           </p:nvPr>
         </p:nvSpPr>
         <p:spPr>
@@ -4182,11 +4272,11 @@
           </a:prstGeom>
         </p:spPr>
         <p:txBody>
-          <a:bodyPr anchorCtr="0" anchor="t" bIns="91425" lIns="91425" spcFirstLastPara="1" rIns="91425" wrap="square" tIns="91425">
+          <a:bodyPr spcFirstLastPara="1" wrap="square" lIns="91425" tIns="91425" rIns="91425" bIns="91425" anchor="t" anchorCtr="0">
             <a:noAutofit/>
           </a:bodyPr>
           <a:lstStyle>
-            <a:lvl1pPr indent="-311150" lvl="0" marL="457200">
+            <a:lvl1pPr marL="457200" lvl="0" indent="-311150">
               <a:spcBef>
                 <a:spcPts val="0"/>
               </a:spcBef>
@@ -4197,7 +4287,7 @@
               <a:buChar char="●"/>
               <a:defRPr/>
             </a:lvl1pPr>
-            <a:lvl2pPr indent="-298450" lvl="1" marL="914400">
+            <a:lvl2pPr marL="914400" lvl="1" indent="-298450">
               <a:spcBef>
                 <a:spcPts val="1600"/>
               </a:spcBef>
@@ -4208,7 +4298,7 @@
               <a:buChar char="○"/>
               <a:defRPr/>
             </a:lvl2pPr>
-            <a:lvl3pPr indent="-298450" lvl="2" marL="1371600">
+            <a:lvl3pPr marL="1371600" lvl="2" indent="-298450">
               <a:spcBef>
                 <a:spcPts val="1600"/>
               </a:spcBef>
@@ -4219,7 +4309,7 @@
               <a:buChar char="■"/>
               <a:defRPr/>
             </a:lvl3pPr>
-            <a:lvl4pPr indent="-298450" lvl="3" marL="1828800">
+            <a:lvl4pPr marL="1828800" lvl="3" indent="-298450">
               <a:spcBef>
                 <a:spcPts val="1600"/>
               </a:spcBef>
@@ -4230,7 +4320,7 @@
               <a:buChar char="●"/>
               <a:defRPr/>
             </a:lvl4pPr>
-            <a:lvl5pPr indent="-298450" lvl="4" marL="2286000">
+            <a:lvl5pPr marL="2286000" lvl="4" indent="-298450">
               <a:spcBef>
                 <a:spcPts val="1600"/>
               </a:spcBef>
@@ -4241,7 +4331,7 @@
               <a:buChar char="○"/>
               <a:defRPr/>
             </a:lvl5pPr>
-            <a:lvl6pPr indent="-298450" lvl="5" marL="2743200">
+            <a:lvl6pPr marL="2743200" lvl="5" indent="-298450">
               <a:spcBef>
                 <a:spcPts val="1600"/>
               </a:spcBef>
@@ -4252,7 +4342,7 @@
               <a:buChar char="■"/>
               <a:defRPr/>
             </a:lvl6pPr>
-            <a:lvl7pPr indent="-298450" lvl="6" marL="3200400">
+            <a:lvl7pPr marL="3200400" lvl="6" indent="-298450">
               <a:spcBef>
                 <a:spcPts val="1600"/>
               </a:spcBef>
@@ -4263,7 +4353,7 @@
               <a:buChar char="●"/>
               <a:defRPr/>
             </a:lvl7pPr>
-            <a:lvl8pPr indent="-298450" lvl="7" marL="3657600">
+            <a:lvl8pPr marL="3657600" lvl="7" indent="-298450">
               <a:spcBef>
                 <a:spcPts val="1600"/>
               </a:spcBef>
@@ -4274,7 +4364,7 @@
               <a:buChar char="○"/>
               <a:defRPr/>
             </a:lvl8pPr>
-            <a:lvl9pPr indent="-298450" lvl="8" marL="4114800">
+            <a:lvl9pPr marL="4114800" lvl="8" indent="-298450">
               <a:spcBef>
                 <a:spcPts val="1600"/>
               </a:spcBef>
@@ -4286,15 +4376,19 @@
               <a:defRPr/>
             </a:lvl9pPr>
           </a:lstStyle>
-          <a:p/>
+          <a:p>
+            <a:endParaRPr/>
+          </a:p>
         </p:txBody>
       </p:sp>
       <p:sp>
         <p:nvSpPr>
           <p:cNvPr id="38" name="Google Shape;38;p5"/>
-          <p:cNvSpPr txBox="1"/>
+          <p:cNvSpPr txBox="1">
+            <a:spLocks noGrp="1"/>
+          </p:cNvSpPr>
           <p:nvPr>
-            <p:ph idx="2" type="body"/>
+            <p:ph type="body" idx="2"/>
           </p:nvPr>
         </p:nvSpPr>
         <p:spPr>
@@ -4307,11 +4401,11 @@
           </a:prstGeom>
         </p:spPr>
         <p:txBody>
-          <a:bodyPr anchorCtr="0" anchor="t" bIns="91425" lIns="91425" spcFirstLastPara="1" rIns="91425" wrap="square" tIns="91425">
+          <a:bodyPr spcFirstLastPara="1" wrap="square" lIns="91425" tIns="91425" rIns="91425" bIns="91425" anchor="t" anchorCtr="0">
             <a:noAutofit/>
           </a:bodyPr>
           <a:lstStyle>
-            <a:lvl1pPr indent="-311150" lvl="0" marL="457200">
+            <a:lvl1pPr marL="457200" lvl="0" indent="-311150">
               <a:spcBef>
                 <a:spcPts val="0"/>
               </a:spcBef>
@@ -4322,7 +4416,7 @@
               <a:buChar char="●"/>
               <a:defRPr/>
             </a:lvl1pPr>
-            <a:lvl2pPr indent="-298450" lvl="1" marL="914400">
+            <a:lvl2pPr marL="914400" lvl="1" indent="-298450">
               <a:spcBef>
                 <a:spcPts val="1600"/>
               </a:spcBef>
@@ -4333,7 +4427,7 @@
               <a:buChar char="○"/>
               <a:defRPr/>
             </a:lvl2pPr>
-            <a:lvl3pPr indent="-298450" lvl="2" marL="1371600">
+            <a:lvl3pPr marL="1371600" lvl="2" indent="-298450">
               <a:spcBef>
                 <a:spcPts val="1600"/>
               </a:spcBef>
@@ -4344,7 +4438,7 @@
               <a:buChar char="■"/>
               <a:defRPr/>
             </a:lvl3pPr>
-            <a:lvl4pPr indent="-298450" lvl="3" marL="1828800">
+            <a:lvl4pPr marL="1828800" lvl="3" indent="-298450">
               <a:spcBef>
                 <a:spcPts val="1600"/>
               </a:spcBef>
@@ -4355,7 +4449,7 @@
               <a:buChar char="●"/>
               <a:defRPr/>
             </a:lvl4pPr>
-            <a:lvl5pPr indent="-298450" lvl="4" marL="2286000">
+            <a:lvl5pPr marL="2286000" lvl="4" indent="-298450">
               <a:spcBef>
                 <a:spcPts val="1600"/>
               </a:spcBef>
@@ -4366,7 +4460,7 @@
               <a:buChar char="○"/>
               <a:defRPr/>
             </a:lvl5pPr>
-            <a:lvl6pPr indent="-298450" lvl="5" marL="2743200">
+            <a:lvl6pPr marL="2743200" lvl="5" indent="-298450">
               <a:spcBef>
                 <a:spcPts val="1600"/>
               </a:spcBef>
@@ -4377,7 +4471,7 @@
               <a:buChar char="■"/>
               <a:defRPr/>
             </a:lvl6pPr>
-            <a:lvl7pPr indent="-298450" lvl="6" marL="3200400">
+            <a:lvl7pPr marL="3200400" lvl="6" indent="-298450">
               <a:spcBef>
                 <a:spcPts val="1600"/>
               </a:spcBef>
@@ -4388,7 +4482,7 @@
               <a:buChar char="●"/>
               <a:defRPr/>
             </a:lvl7pPr>
-            <a:lvl8pPr indent="-298450" lvl="7" marL="3657600">
+            <a:lvl8pPr marL="3657600" lvl="7" indent="-298450">
               <a:spcBef>
                 <a:spcPts val="1600"/>
               </a:spcBef>
@@ -4399,7 +4493,7 @@
               <a:buChar char="○"/>
               <a:defRPr/>
             </a:lvl8pPr>
-            <a:lvl9pPr indent="-298450" lvl="8" marL="4114800">
+            <a:lvl9pPr marL="4114800" lvl="8" indent="-298450">
               <a:spcBef>
                 <a:spcPts val="1600"/>
               </a:spcBef>
@@ -4411,15 +4505,19 @@
               <a:defRPr/>
             </a:lvl9pPr>
           </a:lstStyle>
-          <a:p/>
+          <a:p>
+            <a:endParaRPr/>
+          </a:p>
         </p:txBody>
       </p:sp>
       <p:sp>
         <p:nvSpPr>
           <p:cNvPr id="39" name="Google Shape;39;p5"/>
-          <p:cNvSpPr txBox="1"/>
+          <p:cNvSpPr txBox="1">
+            <a:spLocks noGrp="1"/>
+          </p:cNvSpPr>
           <p:nvPr>
-            <p:ph idx="12" type="sldNum"/>
+            <p:ph type="sldNum" idx="12"/>
           </p:nvPr>
         </p:nvSpPr>
         <p:spPr>
@@ -4432,7 +4530,7 @@
           </a:prstGeom>
         </p:spPr>
         <p:txBody>
-          <a:bodyPr anchorCtr="0" anchor="ctr" bIns="91425" lIns="91425" spcFirstLastPara="1" rIns="91425" wrap="square" tIns="91425">
+          <a:bodyPr spcFirstLastPara="1" wrap="square" lIns="91425" tIns="91425" rIns="91425" bIns="91425" anchor="ctr" anchorCtr="0">
             <a:noAutofit/>
           </a:bodyPr>
           <a:lstStyle>
@@ -4474,7 +4572,7 @@
             </a:lvl9pPr>
           </a:lstStyle>
           <a:p>
-            <a:pPr indent="0" lvl="0" marL="0" rtl="0" algn="r">
+            <a:pPr marL="0" lvl="0" indent="0" algn="r" rtl="0">
               <a:spcBef>
                 <a:spcPts val="0"/>
               </a:spcBef>
@@ -4500,11 +4598,11 @@
 </file>
 
 <file path=ppt/slideLayouts/slideLayout5.xml><?xml version="1.0" encoding="utf-8"?>
-<p:sldLayout xmlns:a="http://schemas.openxmlformats.org/drawingml/2006/main" xmlns:r="http://schemas.openxmlformats.org/officeDocument/2006/relationships" xmlns:mc="http://schemas.openxmlformats.org/markup-compatibility/2006" xmlns:mv="urn:schemas-microsoft-com:mac:vml" xmlns:p="http://schemas.openxmlformats.org/presentationml/2006/main" xmlns:c="http://schemas.openxmlformats.org/drawingml/2006/chart" xmlns:dgm="http://schemas.openxmlformats.org/drawingml/2006/diagram" xmlns:o="urn:schemas-microsoft-com:office:office" xmlns:v="urn:schemas-microsoft-com:vml" xmlns:pvml="urn:schemas-microsoft-com:office:powerpoint" xmlns:com="http://schemas.openxmlformats.org/drawingml/2006/compatibility" xmlns:p14="http://schemas.microsoft.com/office/powerpoint/2010/main" xmlns:p15="http://schemas.microsoft.com/office/powerpoint/2012/main" matchingName="Title only" type="titleOnly">
+<p:sldLayout xmlns:a="http://schemas.openxmlformats.org/drawingml/2006/main" xmlns:r="http://schemas.openxmlformats.org/officeDocument/2006/relationships" xmlns:p="http://schemas.openxmlformats.org/presentationml/2006/main" matchingName="Title only" type="titleOnly">
   <p:cSld name="TITLE_ONLY">
     <p:spTree>
       <p:nvGrpSpPr>
-        <p:cNvPr id="40" name="Shape 40"/>
+        <p:cNvPr id="1" name="Shape 40"/>
         <p:cNvGrpSpPr/>
         <p:nvPr/>
       </p:nvGrpSpPr>
@@ -4538,12 +4636,12 @@
           </a:ln>
         </p:spPr>
         <p:txBody>
-          <a:bodyPr anchorCtr="0" anchor="ctr" bIns="91425" lIns="91425" spcFirstLastPara="1" rIns="91425" wrap="square" tIns="91425">
+          <a:bodyPr spcFirstLastPara="1" wrap="square" lIns="91425" tIns="91425" rIns="91425" bIns="91425" anchor="ctr" anchorCtr="0">
             <a:noAutofit/>
           </a:bodyPr>
           <a:lstStyle/>
           <a:p>
-            <a:pPr indent="0" lvl="0" marL="0" rtl="0" algn="l">
+            <a:pPr marL="0" lvl="0" indent="0" algn="l" rtl="0">
               <a:spcBef>
                 <a:spcPts val="0"/>
               </a:spcBef>
@@ -4552,9 +4650,6 @@
               </a:spcAft>
               <a:buNone/>
             </a:pPr>
-            <a:r>
-              <a:t/>
-            </a:r>
             <a:endParaRPr/>
           </a:p>
         </p:txBody>
@@ -4595,12 +4690,12 @@
             </a:ln>
           </p:spPr>
           <p:txBody>
-            <a:bodyPr anchorCtr="0" anchor="ctr" bIns="91425" lIns="91425" spcFirstLastPara="1" rIns="91425" wrap="square" tIns="91425">
+            <a:bodyPr spcFirstLastPara="1" wrap="square" lIns="91425" tIns="91425" rIns="91425" bIns="91425" anchor="ctr" anchorCtr="0">
               <a:noAutofit/>
             </a:bodyPr>
             <a:lstStyle/>
             <a:p>
-              <a:pPr indent="0" lvl="0" marL="0" rtl="0" algn="l">
+              <a:pPr marL="0" lvl="0" indent="0" algn="l" rtl="0">
                 <a:spcBef>
                   <a:spcPts val="0"/>
                 </a:spcBef>
@@ -4609,9 +4704,6 @@
                 </a:spcAft>
                 <a:buNone/>
               </a:pPr>
-              <a:r>
-                <a:t/>
-              </a:r>
               <a:endParaRPr/>
             </a:p>
           </p:txBody>
@@ -4638,12 +4730,12 @@
             </a:ln>
           </p:spPr>
           <p:txBody>
-            <a:bodyPr anchorCtr="0" anchor="ctr" bIns="91425" lIns="91425" spcFirstLastPara="1" rIns="91425" wrap="square" tIns="91425">
+            <a:bodyPr spcFirstLastPara="1" wrap="square" lIns="91425" tIns="91425" rIns="91425" bIns="91425" anchor="ctr" anchorCtr="0">
               <a:noAutofit/>
             </a:bodyPr>
             <a:lstStyle/>
             <a:p>
-              <a:pPr indent="0" lvl="0" marL="0" rtl="0" algn="l">
+              <a:pPr marL="0" lvl="0" indent="0" algn="l" rtl="0">
                 <a:spcBef>
                   <a:spcPts val="0"/>
                 </a:spcBef>
@@ -4652,9 +4744,6 @@
                 </a:spcAft>
                 <a:buNone/>
               </a:pPr>
-              <a:r>
-                <a:t/>
-              </a:r>
               <a:endParaRPr/>
             </a:p>
           </p:txBody>
@@ -4663,7 +4752,9 @@
       <p:sp>
         <p:nvSpPr>
           <p:cNvPr id="45" name="Google Shape;45;p6"/>
-          <p:cNvSpPr txBox="1"/>
+          <p:cNvSpPr txBox="1">
+            <a:spLocks noGrp="1"/>
+          </p:cNvSpPr>
           <p:nvPr>
             <p:ph type="title"/>
           </p:nvPr>
@@ -4678,7 +4769,7 @@
           </a:prstGeom>
         </p:spPr>
         <p:txBody>
-          <a:bodyPr anchorCtr="0" anchor="t" bIns="91425" lIns="91425" spcFirstLastPara="1" rIns="91425" wrap="square" tIns="91425">
+          <a:bodyPr spcFirstLastPara="1" wrap="square" lIns="91425" tIns="91425" rIns="91425" bIns="91425" anchor="t" anchorCtr="0">
             <a:noAutofit/>
           </a:bodyPr>
           <a:lstStyle>
@@ -4845,15 +4936,19 @@
               </a:defRPr>
             </a:lvl9pPr>
           </a:lstStyle>
-          <a:p/>
+          <a:p>
+            <a:endParaRPr/>
+          </a:p>
         </p:txBody>
       </p:sp>
       <p:sp>
         <p:nvSpPr>
           <p:cNvPr id="46" name="Google Shape;46;p6"/>
-          <p:cNvSpPr txBox="1"/>
+          <p:cNvSpPr txBox="1">
+            <a:spLocks noGrp="1"/>
+          </p:cNvSpPr>
           <p:nvPr>
-            <p:ph idx="12" type="sldNum"/>
+            <p:ph type="sldNum" idx="12"/>
           </p:nvPr>
         </p:nvSpPr>
         <p:spPr>
@@ -4866,7 +4961,7 @@
           </a:prstGeom>
         </p:spPr>
         <p:txBody>
-          <a:bodyPr anchorCtr="0" anchor="ctr" bIns="91425" lIns="91425" spcFirstLastPara="1" rIns="91425" wrap="square" tIns="91425">
+          <a:bodyPr spcFirstLastPara="1" wrap="square" lIns="91425" tIns="91425" rIns="91425" bIns="91425" anchor="ctr" anchorCtr="0">
             <a:noAutofit/>
           </a:bodyPr>
           <a:lstStyle>
@@ -4908,7 +5003,7 @@
             </a:lvl9pPr>
           </a:lstStyle>
           <a:p>
-            <a:pPr indent="0" lvl="0" marL="0" rtl="0" algn="r">
+            <a:pPr marL="0" lvl="0" indent="0" algn="r" rtl="0">
               <a:spcBef>
                 <a:spcPts val="0"/>
               </a:spcBef>
@@ -4934,11 +5029,11 @@
 </file>
 
 <file path=ppt/slideLayouts/slideLayout6.xml><?xml version="1.0" encoding="utf-8"?>
-<p:sldLayout xmlns:a="http://schemas.openxmlformats.org/drawingml/2006/main" xmlns:r="http://schemas.openxmlformats.org/officeDocument/2006/relationships" xmlns:mc="http://schemas.openxmlformats.org/markup-compatibility/2006" xmlns:mv="urn:schemas-microsoft-com:mac:vml" xmlns:p="http://schemas.openxmlformats.org/presentationml/2006/main" xmlns:c="http://schemas.openxmlformats.org/drawingml/2006/chart" xmlns:dgm="http://schemas.openxmlformats.org/drawingml/2006/diagram" xmlns:o="urn:schemas-microsoft-com:office:office" xmlns:v="urn:schemas-microsoft-com:vml" xmlns:pvml="urn:schemas-microsoft-com:office:powerpoint" xmlns:com="http://schemas.openxmlformats.org/drawingml/2006/compatibility" xmlns:p14="http://schemas.microsoft.com/office/powerpoint/2010/main" xmlns:p15="http://schemas.microsoft.com/office/powerpoint/2012/main" matchingName="One column text">
+<p:sldLayout xmlns:a="http://schemas.openxmlformats.org/drawingml/2006/main" xmlns:r="http://schemas.openxmlformats.org/officeDocument/2006/relationships" xmlns:p="http://schemas.openxmlformats.org/presentationml/2006/main" matchingName="One column text">
   <p:cSld name="ONE_COLUMN_TEXT">
     <p:spTree>
       <p:nvGrpSpPr>
-        <p:cNvPr id="47" name="Shape 47"/>
+        <p:cNvPr id="1" name="Shape 47"/>
         <p:cNvGrpSpPr/>
         <p:nvPr/>
       </p:nvGrpSpPr>
@@ -4972,12 +5067,12 @@
           </a:ln>
         </p:spPr>
         <p:txBody>
-          <a:bodyPr anchorCtr="0" anchor="ctr" bIns="91425" lIns="91425" spcFirstLastPara="1" rIns="91425" wrap="square" tIns="91425">
+          <a:bodyPr spcFirstLastPara="1" wrap="square" lIns="91425" tIns="91425" rIns="91425" bIns="91425" anchor="ctr" anchorCtr="0">
             <a:noAutofit/>
           </a:bodyPr>
           <a:lstStyle/>
           <a:p>
-            <a:pPr indent="0" lvl="0" marL="0" rtl="0" algn="l">
+            <a:pPr marL="0" lvl="0" indent="0" algn="l" rtl="0">
               <a:spcBef>
                 <a:spcPts val="0"/>
               </a:spcBef>
@@ -4986,9 +5081,6 @@
               </a:spcAft>
               <a:buNone/>
             </a:pPr>
-            <a:r>
-              <a:t/>
-            </a:r>
             <a:endParaRPr/>
           </a:p>
         </p:txBody>
@@ -5029,12 +5121,12 @@
             </a:ln>
           </p:spPr>
           <p:txBody>
-            <a:bodyPr anchorCtr="0" anchor="ctr" bIns="91425" lIns="91425" spcFirstLastPara="1" rIns="91425" wrap="square" tIns="91425">
+            <a:bodyPr spcFirstLastPara="1" wrap="square" lIns="91425" tIns="91425" rIns="91425" bIns="91425" anchor="ctr" anchorCtr="0">
               <a:noAutofit/>
             </a:bodyPr>
             <a:lstStyle/>
             <a:p>
-              <a:pPr indent="0" lvl="0" marL="0" rtl="0" algn="l">
+              <a:pPr marL="0" lvl="0" indent="0" algn="l" rtl="0">
                 <a:spcBef>
                   <a:spcPts val="0"/>
                 </a:spcBef>
@@ -5043,9 +5135,6 @@
                 </a:spcAft>
                 <a:buNone/>
               </a:pPr>
-              <a:r>
-                <a:t/>
-              </a:r>
               <a:endParaRPr/>
             </a:p>
           </p:txBody>
@@ -5072,12 +5161,12 @@
             </a:ln>
           </p:spPr>
           <p:txBody>
-            <a:bodyPr anchorCtr="0" anchor="ctr" bIns="91425" lIns="91425" spcFirstLastPara="1" rIns="91425" wrap="square" tIns="91425">
+            <a:bodyPr spcFirstLastPara="1" wrap="square" lIns="91425" tIns="91425" rIns="91425" bIns="91425" anchor="ctr" anchorCtr="0">
               <a:noAutofit/>
             </a:bodyPr>
             <a:lstStyle/>
             <a:p>
-              <a:pPr indent="0" lvl="0" marL="0" rtl="0" algn="l">
+              <a:pPr marL="0" lvl="0" indent="0" algn="l" rtl="0">
                 <a:spcBef>
                   <a:spcPts val="0"/>
                 </a:spcBef>
@@ -5086,9 +5175,6 @@
                 </a:spcAft>
                 <a:buNone/>
               </a:pPr>
-              <a:r>
-                <a:t/>
-              </a:r>
               <a:endParaRPr/>
             </a:p>
           </p:txBody>
@@ -5097,7 +5183,9 @@
       <p:sp>
         <p:nvSpPr>
           <p:cNvPr id="52" name="Google Shape;52;p7"/>
-          <p:cNvSpPr txBox="1"/>
+          <p:cNvSpPr txBox="1">
+            <a:spLocks noGrp="1"/>
+          </p:cNvSpPr>
           <p:nvPr>
             <p:ph type="title"/>
           </p:nvPr>
@@ -5112,7 +5200,7 @@
           </a:prstGeom>
         </p:spPr>
         <p:txBody>
-          <a:bodyPr anchorCtr="0" anchor="t" bIns="91425" lIns="91425" spcFirstLastPara="1" rIns="91425" wrap="square" tIns="91425">
+          <a:bodyPr spcFirstLastPara="1" wrap="square" lIns="91425" tIns="91425" rIns="91425" bIns="91425" anchor="t" anchorCtr="0">
             <a:noAutofit/>
           </a:bodyPr>
           <a:lstStyle>
@@ -5279,15 +5367,19 @@
               </a:defRPr>
             </a:lvl9pPr>
           </a:lstStyle>
-          <a:p/>
+          <a:p>
+            <a:endParaRPr/>
+          </a:p>
         </p:txBody>
       </p:sp>
       <p:sp>
         <p:nvSpPr>
           <p:cNvPr id="53" name="Google Shape;53;p7"/>
-          <p:cNvSpPr txBox="1"/>
+          <p:cNvSpPr txBox="1">
+            <a:spLocks noGrp="1"/>
+          </p:cNvSpPr>
           <p:nvPr>
-            <p:ph idx="1" type="body"/>
+            <p:ph type="body" idx="1"/>
           </p:nvPr>
         </p:nvSpPr>
         <p:spPr>
@@ -5300,11 +5392,11 @@
           </a:prstGeom>
         </p:spPr>
         <p:txBody>
-          <a:bodyPr anchorCtr="0" anchor="t" bIns="91425" lIns="91425" spcFirstLastPara="1" rIns="91425" wrap="square" tIns="91425">
+          <a:bodyPr spcFirstLastPara="1" wrap="square" lIns="91425" tIns="91425" rIns="91425" bIns="91425" anchor="t" anchorCtr="0">
             <a:noAutofit/>
           </a:bodyPr>
           <a:lstStyle>
-            <a:lvl1pPr indent="-311150" lvl="0" marL="457200">
+            <a:lvl1pPr marL="457200" lvl="0" indent="-311150">
               <a:spcBef>
                 <a:spcPts val="0"/>
               </a:spcBef>
@@ -5315,7 +5407,7 @@
               <a:buChar char="●"/>
               <a:defRPr/>
             </a:lvl1pPr>
-            <a:lvl2pPr indent="-298450" lvl="1" marL="914400">
+            <a:lvl2pPr marL="914400" lvl="1" indent="-298450">
               <a:spcBef>
                 <a:spcPts val="1600"/>
               </a:spcBef>
@@ -5326,7 +5418,7 @@
               <a:buChar char="○"/>
               <a:defRPr/>
             </a:lvl2pPr>
-            <a:lvl3pPr indent="-298450" lvl="2" marL="1371600">
+            <a:lvl3pPr marL="1371600" lvl="2" indent="-298450">
               <a:spcBef>
                 <a:spcPts val="1600"/>
               </a:spcBef>
@@ -5337,7 +5429,7 @@
               <a:buChar char="■"/>
               <a:defRPr/>
             </a:lvl3pPr>
-            <a:lvl4pPr indent="-298450" lvl="3" marL="1828800">
+            <a:lvl4pPr marL="1828800" lvl="3" indent="-298450">
               <a:spcBef>
                 <a:spcPts val="1600"/>
               </a:spcBef>
@@ -5348,7 +5440,7 @@
               <a:buChar char="●"/>
               <a:defRPr/>
             </a:lvl4pPr>
-            <a:lvl5pPr indent="-298450" lvl="4" marL="2286000">
+            <a:lvl5pPr marL="2286000" lvl="4" indent="-298450">
               <a:spcBef>
                 <a:spcPts val="1600"/>
               </a:spcBef>
@@ -5359,7 +5451,7 @@
               <a:buChar char="○"/>
               <a:defRPr/>
             </a:lvl5pPr>
-            <a:lvl6pPr indent="-298450" lvl="5" marL="2743200">
+            <a:lvl6pPr marL="2743200" lvl="5" indent="-298450">
               <a:spcBef>
                 <a:spcPts val="1600"/>
               </a:spcBef>
@@ -5370,7 +5462,7 @@
               <a:buChar char="■"/>
               <a:defRPr/>
             </a:lvl6pPr>
-            <a:lvl7pPr indent="-298450" lvl="6" marL="3200400">
+            <a:lvl7pPr marL="3200400" lvl="6" indent="-298450">
               <a:spcBef>
                 <a:spcPts val="1600"/>
               </a:spcBef>
@@ -5381,7 +5473,7 @@
               <a:buChar char="●"/>
               <a:defRPr/>
             </a:lvl7pPr>
-            <a:lvl8pPr indent="-298450" lvl="7" marL="3657600">
+            <a:lvl8pPr marL="3657600" lvl="7" indent="-298450">
               <a:spcBef>
                 <a:spcPts val="1600"/>
               </a:spcBef>
@@ -5392,7 +5484,7 @@
               <a:buChar char="○"/>
               <a:defRPr/>
             </a:lvl8pPr>
-            <a:lvl9pPr indent="-298450" lvl="8" marL="4114800">
+            <a:lvl9pPr marL="4114800" lvl="8" indent="-298450">
               <a:spcBef>
                 <a:spcPts val="1600"/>
               </a:spcBef>
@@ -5404,15 +5496,19 @@
               <a:defRPr/>
             </a:lvl9pPr>
           </a:lstStyle>
-          <a:p/>
+          <a:p>
+            <a:endParaRPr/>
+          </a:p>
         </p:txBody>
       </p:sp>
       <p:sp>
         <p:nvSpPr>
           <p:cNvPr id="54" name="Google Shape;54;p7"/>
-          <p:cNvSpPr txBox="1"/>
+          <p:cNvSpPr txBox="1">
+            <a:spLocks noGrp="1"/>
+          </p:cNvSpPr>
           <p:nvPr>
-            <p:ph idx="12" type="sldNum"/>
+            <p:ph type="sldNum" idx="12"/>
           </p:nvPr>
         </p:nvSpPr>
         <p:spPr>
@@ -5425,7 +5521,7 @@
           </a:prstGeom>
         </p:spPr>
         <p:txBody>
-          <a:bodyPr anchorCtr="0" anchor="ctr" bIns="91425" lIns="91425" spcFirstLastPara="1" rIns="91425" wrap="square" tIns="91425">
+          <a:bodyPr spcFirstLastPara="1" wrap="square" lIns="91425" tIns="91425" rIns="91425" bIns="91425" anchor="ctr" anchorCtr="0">
             <a:noAutofit/>
           </a:bodyPr>
           <a:lstStyle>
@@ -5467,7 +5563,7 @@
             </a:lvl9pPr>
           </a:lstStyle>
           <a:p>
-            <a:pPr indent="0" lvl="0" marL="0" rtl="0" algn="r">
+            <a:pPr marL="0" lvl="0" indent="0" algn="r" rtl="0">
               <a:spcBef>
                 <a:spcPts val="0"/>
               </a:spcBef>
@@ -5493,18 +5589,19 @@
 </file>
 
 <file path=ppt/slideLayouts/slideLayout7.xml><?xml version="1.0" encoding="utf-8"?>
-<p:sldLayout xmlns:a="http://schemas.openxmlformats.org/drawingml/2006/main" xmlns:r="http://schemas.openxmlformats.org/officeDocument/2006/relationships" xmlns:mc="http://schemas.openxmlformats.org/markup-compatibility/2006" xmlns:mv="urn:schemas-microsoft-com:mac:vml" xmlns:p="http://schemas.openxmlformats.org/presentationml/2006/main" xmlns:c="http://schemas.openxmlformats.org/drawingml/2006/chart" xmlns:dgm="http://schemas.openxmlformats.org/drawingml/2006/diagram" xmlns:o="urn:schemas-microsoft-com:office:office" xmlns:v="urn:schemas-microsoft-com:vml" xmlns:pvml="urn:schemas-microsoft-com:office:powerpoint" xmlns:com="http://schemas.openxmlformats.org/drawingml/2006/compatibility" xmlns:p14="http://schemas.microsoft.com/office/powerpoint/2010/main" xmlns:p15="http://schemas.microsoft.com/office/powerpoint/2012/main" matchingName="Main point">
+<p:sldLayout xmlns:a="http://schemas.openxmlformats.org/drawingml/2006/main" xmlns:r="http://schemas.openxmlformats.org/officeDocument/2006/relationships" xmlns:p="http://schemas.openxmlformats.org/presentationml/2006/main" matchingName="Main point">
   <p:cSld name="MAIN_POINT">
     <p:bg>
       <p:bgPr>
         <a:solidFill>
           <a:schemeClr val="accent3"/>
         </a:solidFill>
+        <a:effectLst/>
       </p:bgPr>
     </p:bg>
     <p:spTree>
       <p:nvGrpSpPr>
-        <p:cNvPr id="55" name="Shape 55"/>
+        <p:cNvPr id="1" name="Shape 55"/>
         <p:cNvGrpSpPr/>
         <p:nvPr/>
       </p:nvGrpSpPr>
@@ -5552,12 +5649,12 @@
             </a:ln>
           </p:spPr>
           <p:txBody>
-            <a:bodyPr anchorCtr="0" anchor="ctr" bIns="91425" lIns="91425" spcFirstLastPara="1" rIns="91425" wrap="square" tIns="91425">
+            <a:bodyPr spcFirstLastPara="1" wrap="square" lIns="91425" tIns="91425" rIns="91425" bIns="91425" anchor="ctr" anchorCtr="0">
               <a:noAutofit/>
             </a:bodyPr>
             <a:lstStyle/>
             <a:p>
-              <a:pPr indent="0" lvl="0" marL="0" rtl="0" algn="l">
+              <a:pPr marL="0" lvl="0" indent="0" algn="l" rtl="0">
                 <a:spcBef>
                   <a:spcPts val="0"/>
                 </a:spcBef>
@@ -5566,9 +5663,6 @@
                 </a:spcAft>
                 <a:buNone/>
               </a:pPr>
-              <a:r>
-                <a:t/>
-              </a:r>
               <a:endParaRPr/>
             </a:p>
           </p:txBody>
@@ -5595,12 +5689,12 @@
             </a:ln>
           </p:spPr>
           <p:txBody>
-            <a:bodyPr anchorCtr="0" anchor="ctr" bIns="91425" lIns="91425" spcFirstLastPara="1" rIns="91425" wrap="square" tIns="91425">
+            <a:bodyPr spcFirstLastPara="1" wrap="square" lIns="91425" tIns="91425" rIns="91425" bIns="91425" anchor="ctr" anchorCtr="0">
               <a:noAutofit/>
             </a:bodyPr>
             <a:lstStyle/>
             <a:p>
-              <a:pPr indent="0" lvl="0" marL="0" rtl="0" algn="l">
+              <a:pPr marL="0" lvl="0" indent="0" algn="l" rtl="0">
                 <a:spcBef>
                   <a:spcPts val="0"/>
                 </a:spcBef>
@@ -5609,9 +5703,6 @@
                 </a:spcAft>
                 <a:buNone/>
               </a:pPr>
-              <a:r>
-                <a:t/>
-              </a:r>
               <a:endParaRPr/>
             </a:p>
           </p:txBody>
@@ -5620,7 +5711,9 @@
       <p:sp>
         <p:nvSpPr>
           <p:cNvPr id="59" name="Google Shape;59;p8"/>
-          <p:cNvSpPr txBox="1"/>
+          <p:cNvSpPr txBox="1">
+            <a:spLocks noGrp="1"/>
+          </p:cNvSpPr>
           <p:nvPr>
             <p:ph type="title"/>
           </p:nvPr>
@@ -5635,7 +5728,7 @@
           </a:prstGeom>
         </p:spPr>
         <p:txBody>
-          <a:bodyPr anchorCtr="0" anchor="ctr" bIns="91425" lIns="91425" spcFirstLastPara="1" rIns="91425" wrap="square" tIns="91425">
+          <a:bodyPr spcFirstLastPara="1" wrap="square" lIns="91425" tIns="91425" rIns="91425" bIns="91425" anchor="ctr" anchorCtr="0">
             <a:noAutofit/>
           </a:bodyPr>
           <a:lstStyle>
@@ -5802,15 +5895,19 @@
               </a:defRPr>
             </a:lvl9pPr>
           </a:lstStyle>
-          <a:p/>
+          <a:p>
+            <a:endParaRPr/>
+          </a:p>
         </p:txBody>
       </p:sp>
       <p:sp>
         <p:nvSpPr>
           <p:cNvPr id="60" name="Google Shape;60;p8"/>
-          <p:cNvSpPr txBox="1"/>
+          <p:cNvSpPr txBox="1">
+            <a:spLocks noGrp="1"/>
+          </p:cNvSpPr>
           <p:nvPr>
-            <p:ph idx="12" type="sldNum"/>
+            <p:ph type="sldNum" idx="12"/>
           </p:nvPr>
         </p:nvSpPr>
         <p:spPr>
@@ -5823,7 +5920,7 @@
           </a:prstGeom>
         </p:spPr>
         <p:txBody>
-          <a:bodyPr anchorCtr="0" anchor="ctr" bIns="91425" lIns="91425" spcFirstLastPara="1" rIns="91425" wrap="square" tIns="91425">
+          <a:bodyPr spcFirstLastPara="1" wrap="square" lIns="91425" tIns="91425" rIns="91425" bIns="91425" anchor="ctr" anchorCtr="0">
             <a:noAutofit/>
           </a:bodyPr>
           <a:lstStyle>
@@ -5901,7 +5998,7 @@
             </a:lvl9pPr>
           </a:lstStyle>
           <a:p>
-            <a:pPr indent="0" lvl="0" marL="0" rtl="0" algn="r">
+            <a:pPr marL="0" lvl="0" indent="0" algn="r" rtl="0">
               <a:spcBef>
                 <a:spcPts val="0"/>
               </a:spcBef>
@@ -5927,11 +6024,11 @@
 </file>
 
 <file path=ppt/slideLayouts/slideLayout8.xml><?xml version="1.0" encoding="utf-8"?>
-<p:sldLayout xmlns:a="http://schemas.openxmlformats.org/drawingml/2006/main" xmlns:r="http://schemas.openxmlformats.org/officeDocument/2006/relationships" xmlns:mc="http://schemas.openxmlformats.org/markup-compatibility/2006" xmlns:mv="urn:schemas-microsoft-com:mac:vml" xmlns:p="http://schemas.openxmlformats.org/presentationml/2006/main" xmlns:c="http://schemas.openxmlformats.org/drawingml/2006/chart" xmlns:dgm="http://schemas.openxmlformats.org/drawingml/2006/diagram" xmlns:o="urn:schemas-microsoft-com:office:office" xmlns:v="urn:schemas-microsoft-com:vml" xmlns:pvml="urn:schemas-microsoft-com:office:powerpoint" xmlns:com="http://schemas.openxmlformats.org/drawingml/2006/compatibility" xmlns:p14="http://schemas.microsoft.com/office/powerpoint/2010/main" xmlns:p15="http://schemas.microsoft.com/office/powerpoint/2012/main" matchingName="Section title and description">
+<p:sldLayout xmlns:a="http://schemas.openxmlformats.org/drawingml/2006/main" xmlns:r="http://schemas.openxmlformats.org/officeDocument/2006/relationships" xmlns:p="http://schemas.openxmlformats.org/presentationml/2006/main" matchingName="Section title and description">
   <p:cSld name="SECTION_TITLE_AND_DESCRIPTION">
     <p:spTree>
       <p:nvGrpSpPr>
-        <p:cNvPr id="61" name="Shape 61"/>
+        <p:cNvPr id="1" name="Shape 61"/>
         <p:cNvGrpSpPr/>
         <p:nvPr/>
       </p:nvGrpSpPr>
@@ -5965,12 +6062,12 @@
           </a:ln>
         </p:spPr>
         <p:txBody>
-          <a:bodyPr anchorCtr="0" anchor="ctr" bIns="91425" lIns="91425" spcFirstLastPara="1" rIns="91425" wrap="square" tIns="91425">
+          <a:bodyPr spcFirstLastPara="1" wrap="square" lIns="91425" tIns="91425" rIns="91425" bIns="91425" anchor="ctr" anchorCtr="0">
             <a:noAutofit/>
           </a:bodyPr>
           <a:lstStyle/>
           <a:p>
-            <a:pPr indent="0" lvl="0" marL="0" rtl="0" algn="l">
+            <a:pPr marL="0" lvl="0" indent="0" algn="l" rtl="0">
               <a:spcBef>
                 <a:spcPts val="0"/>
               </a:spcBef>
@@ -5979,9 +6076,6 @@
               </a:spcAft>
               <a:buNone/>
             </a:pPr>
-            <a:r>
-              <a:t/>
-            </a:r>
             <a:endParaRPr/>
           </a:p>
         </p:txBody>
@@ -6022,12 +6116,12 @@
             </a:ln>
           </p:spPr>
           <p:txBody>
-            <a:bodyPr anchorCtr="0" anchor="ctr" bIns="91425" lIns="91425" spcFirstLastPara="1" rIns="91425" wrap="square" tIns="91425">
+            <a:bodyPr spcFirstLastPara="1" wrap="square" lIns="91425" tIns="91425" rIns="91425" bIns="91425" anchor="ctr" anchorCtr="0">
               <a:noAutofit/>
             </a:bodyPr>
             <a:lstStyle/>
             <a:p>
-              <a:pPr indent="0" lvl="0" marL="0" rtl="0" algn="l">
+              <a:pPr marL="0" lvl="0" indent="0" algn="l" rtl="0">
                 <a:spcBef>
                   <a:spcPts val="0"/>
                 </a:spcBef>
@@ -6036,9 +6130,6 @@
                 </a:spcAft>
                 <a:buNone/>
               </a:pPr>
-              <a:r>
-                <a:t/>
-              </a:r>
               <a:endParaRPr/>
             </a:p>
           </p:txBody>
@@ -6065,12 +6156,12 @@
             </a:ln>
           </p:spPr>
           <p:txBody>
-            <a:bodyPr anchorCtr="0" anchor="ctr" bIns="91425" lIns="91425" spcFirstLastPara="1" rIns="91425" wrap="square" tIns="91425">
+            <a:bodyPr spcFirstLastPara="1" wrap="square" lIns="91425" tIns="91425" rIns="91425" bIns="91425" anchor="ctr" anchorCtr="0">
               <a:noAutofit/>
             </a:bodyPr>
             <a:lstStyle/>
             <a:p>
-              <a:pPr indent="0" lvl="0" marL="0" rtl="0" algn="l">
+              <a:pPr marL="0" lvl="0" indent="0" algn="l" rtl="0">
                 <a:spcBef>
                   <a:spcPts val="0"/>
                 </a:spcBef>
@@ -6079,9 +6170,6 @@
                 </a:spcAft>
                 <a:buNone/>
               </a:pPr>
-              <a:r>
-                <a:t/>
-              </a:r>
               <a:endParaRPr/>
             </a:p>
           </p:txBody>
@@ -6090,7 +6178,9 @@
       <p:sp>
         <p:nvSpPr>
           <p:cNvPr id="66" name="Google Shape;66;p9"/>
-          <p:cNvSpPr txBox="1"/>
+          <p:cNvSpPr txBox="1">
+            <a:spLocks noGrp="1"/>
+          </p:cNvSpPr>
           <p:nvPr>
             <p:ph type="title"/>
           </p:nvPr>
@@ -6105,7 +6195,7 @@
           </a:prstGeom>
         </p:spPr>
         <p:txBody>
-          <a:bodyPr anchorCtr="0" anchor="t" bIns="91425" lIns="91425" spcFirstLastPara="1" rIns="91425" wrap="square" tIns="91425">
+          <a:bodyPr spcFirstLastPara="1" wrap="square" lIns="91425" tIns="91425" rIns="91425" bIns="91425" anchor="t" anchorCtr="0">
             <a:noAutofit/>
           </a:bodyPr>
           <a:lstStyle>
@@ -6272,15 +6362,19 @@
               </a:defRPr>
             </a:lvl9pPr>
           </a:lstStyle>
-          <a:p/>
+          <a:p>
+            <a:endParaRPr/>
+          </a:p>
         </p:txBody>
       </p:sp>
       <p:sp>
         <p:nvSpPr>
           <p:cNvPr id="67" name="Google Shape;67;p9"/>
-          <p:cNvSpPr txBox="1"/>
+          <p:cNvSpPr txBox="1">
+            <a:spLocks noGrp="1"/>
+          </p:cNvSpPr>
           <p:nvPr>
-            <p:ph idx="1" type="subTitle"/>
+            <p:ph type="subTitle" idx="1"/>
           </p:nvPr>
         </p:nvSpPr>
         <p:spPr>
@@ -6293,7 +6387,7 @@
           </a:prstGeom>
         </p:spPr>
         <p:txBody>
-          <a:bodyPr anchorCtr="0" anchor="t" bIns="91425" lIns="91425" spcFirstLastPara="1" rIns="91425" wrap="square" tIns="91425">
+          <a:bodyPr spcFirstLastPara="1" wrap="square" lIns="91425" tIns="91425" rIns="91425" bIns="91425" anchor="t" anchorCtr="0">
             <a:noAutofit/>
           </a:bodyPr>
           <a:lstStyle>
@@ -6424,15 +6518,19 @@
               <a:defRPr sz="1600"/>
             </a:lvl9pPr>
           </a:lstStyle>
-          <a:p/>
+          <a:p>
+            <a:endParaRPr/>
+          </a:p>
         </p:txBody>
       </p:sp>
       <p:sp>
         <p:nvSpPr>
           <p:cNvPr id="68" name="Google Shape;68;p9"/>
-          <p:cNvSpPr txBox="1"/>
+          <p:cNvSpPr txBox="1">
+            <a:spLocks noGrp="1"/>
+          </p:cNvSpPr>
           <p:nvPr>
-            <p:ph idx="2" type="body"/>
+            <p:ph type="body" idx="2"/>
           </p:nvPr>
         </p:nvSpPr>
         <p:spPr>
@@ -6445,11 +6543,11 @@
           </a:prstGeom>
         </p:spPr>
         <p:txBody>
-          <a:bodyPr anchorCtr="0" anchor="t" bIns="91425" lIns="91425" spcFirstLastPara="1" rIns="91425" wrap="square" tIns="91425">
+          <a:bodyPr spcFirstLastPara="1" wrap="square" lIns="91425" tIns="91425" rIns="91425" bIns="91425" anchor="t" anchorCtr="0">
             <a:noAutofit/>
           </a:bodyPr>
           <a:lstStyle>
-            <a:lvl1pPr indent="-311150" lvl="0" marL="457200">
+            <a:lvl1pPr marL="457200" lvl="0" indent="-311150">
               <a:spcBef>
                 <a:spcPts val="0"/>
               </a:spcBef>
@@ -6460,7 +6558,7 @@
               <a:buChar char="●"/>
               <a:defRPr/>
             </a:lvl1pPr>
-            <a:lvl2pPr indent="-298450" lvl="1" marL="914400">
+            <a:lvl2pPr marL="914400" lvl="1" indent="-298450">
               <a:spcBef>
                 <a:spcPts val="1600"/>
               </a:spcBef>
@@ -6471,7 +6569,7 @@
               <a:buChar char="○"/>
               <a:defRPr/>
             </a:lvl2pPr>
-            <a:lvl3pPr indent="-298450" lvl="2" marL="1371600">
+            <a:lvl3pPr marL="1371600" lvl="2" indent="-298450">
               <a:spcBef>
                 <a:spcPts val="1600"/>
               </a:spcBef>
@@ -6482,7 +6580,7 @@
               <a:buChar char="■"/>
               <a:defRPr/>
             </a:lvl3pPr>
-            <a:lvl4pPr indent="-298450" lvl="3" marL="1828800">
+            <a:lvl4pPr marL="1828800" lvl="3" indent="-298450">
               <a:spcBef>
                 <a:spcPts val="1600"/>
               </a:spcBef>
@@ -6493,7 +6591,7 @@
               <a:buChar char="●"/>
               <a:defRPr/>
             </a:lvl4pPr>
-            <a:lvl5pPr indent="-298450" lvl="4" marL="2286000">
+            <a:lvl5pPr marL="2286000" lvl="4" indent="-298450">
               <a:spcBef>
                 <a:spcPts val="1600"/>
               </a:spcBef>
@@ -6504,7 +6602,7 @@
               <a:buChar char="○"/>
               <a:defRPr/>
             </a:lvl5pPr>
-            <a:lvl6pPr indent="-298450" lvl="5" marL="2743200">
+            <a:lvl6pPr marL="2743200" lvl="5" indent="-298450">
               <a:spcBef>
                 <a:spcPts val="1600"/>
               </a:spcBef>
@@ -6515,7 +6613,7 @@
               <a:buChar char="■"/>
               <a:defRPr/>
             </a:lvl6pPr>
-            <a:lvl7pPr indent="-298450" lvl="6" marL="3200400">
+            <a:lvl7pPr marL="3200400" lvl="6" indent="-298450">
               <a:spcBef>
                 <a:spcPts val="1600"/>
               </a:spcBef>
@@ -6526,7 +6624,7 @@
               <a:buChar char="●"/>
               <a:defRPr/>
             </a:lvl7pPr>
-            <a:lvl8pPr indent="-298450" lvl="7" marL="3657600">
+            <a:lvl8pPr marL="3657600" lvl="7" indent="-298450">
               <a:spcBef>
                 <a:spcPts val="1600"/>
               </a:spcBef>
@@ -6537,7 +6635,7 @@
               <a:buChar char="○"/>
               <a:defRPr/>
             </a:lvl8pPr>
-            <a:lvl9pPr indent="-298450" lvl="8" marL="4114800">
+            <a:lvl9pPr marL="4114800" lvl="8" indent="-298450">
               <a:spcBef>
                 <a:spcPts val="1600"/>
               </a:spcBef>
@@ -6549,15 +6647,19 @@
               <a:defRPr/>
             </a:lvl9pPr>
           </a:lstStyle>
-          <a:p/>
+          <a:p>
+            <a:endParaRPr/>
+          </a:p>
         </p:txBody>
       </p:sp>
       <p:sp>
         <p:nvSpPr>
           <p:cNvPr id="69" name="Google Shape;69;p9"/>
-          <p:cNvSpPr txBox="1"/>
+          <p:cNvSpPr txBox="1">
+            <a:spLocks noGrp="1"/>
+          </p:cNvSpPr>
           <p:nvPr>
-            <p:ph idx="12" type="sldNum"/>
+            <p:ph type="sldNum" idx="12"/>
           </p:nvPr>
         </p:nvSpPr>
         <p:spPr>
@@ -6570,7 +6672,7 @@
           </a:prstGeom>
         </p:spPr>
         <p:txBody>
-          <a:bodyPr anchorCtr="0" anchor="ctr" bIns="91425" lIns="91425" spcFirstLastPara="1" rIns="91425" wrap="square" tIns="91425">
+          <a:bodyPr spcFirstLastPara="1" wrap="square" lIns="91425" tIns="91425" rIns="91425" bIns="91425" anchor="ctr" anchorCtr="0">
             <a:noAutofit/>
           </a:bodyPr>
           <a:lstStyle>
@@ -6612,7 +6714,7 @@
             </a:lvl9pPr>
           </a:lstStyle>
           <a:p>
-            <a:pPr indent="0" lvl="0" marL="0" rtl="0" algn="r">
+            <a:pPr marL="0" lvl="0" indent="0" algn="r" rtl="0">
               <a:spcBef>
                 <a:spcPts val="0"/>
               </a:spcBef>
@@ -6638,11 +6740,11 @@
 </file>
 
 <file path=ppt/slideLayouts/slideLayout9.xml><?xml version="1.0" encoding="utf-8"?>
-<p:sldLayout xmlns:a="http://schemas.openxmlformats.org/drawingml/2006/main" xmlns:r="http://schemas.openxmlformats.org/officeDocument/2006/relationships" xmlns:mc="http://schemas.openxmlformats.org/markup-compatibility/2006" xmlns:mv="urn:schemas-microsoft-com:mac:vml" xmlns:p="http://schemas.openxmlformats.org/presentationml/2006/main" xmlns:c="http://schemas.openxmlformats.org/drawingml/2006/chart" xmlns:dgm="http://schemas.openxmlformats.org/drawingml/2006/diagram" xmlns:o="urn:schemas-microsoft-com:office:office" xmlns:v="urn:schemas-microsoft-com:vml" xmlns:pvml="urn:schemas-microsoft-com:office:powerpoint" xmlns:com="http://schemas.openxmlformats.org/drawingml/2006/compatibility" xmlns:p14="http://schemas.microsoft.com/office/powerpoint/2010/main" xmlns:p15="http://schemas.microsoft.com/office/powerpoint/2012/main" matchingName="Caption">
+<p:sldLayout xmlns:a="http://schemas.openxmlformats.org/drawingml/2006/main" xmlns:r="http://schemas.openxmlformats.org/officeDocument/2006/relationships" xmlns:p="http://schemas.openxmlformats.org/presentationml/2006/main" matchingName="Caption">
   <p:cSld name="CAPTION_ONLY">
     <p:spTree>
       <p:nvGrpSpPr>
-        <p:cNvPr id="70" name="Shape 70"/>
+        <p:cNvPr id="1" name="Shape 70"/>
         <p:cNvGrpSpPr/>
         <p:nvPr/>
       </p:nvGrpSpPr>
@@ -6657,9 +6759,11 @@
       <p:sp>
         <p:nvSpPr>
           <p:cNvPr id="71" name="Google Shape;71;p10"/>
-          <p:cNvSpPr txBox="1"/>
+          <p:cNvSpPr txBox="1">
+            <a:spLocks noGrp="1"/>
+          </p:cNvSpPr>
           <p:nvPr>
-            <p:ph idx="1" type="body"/>
+            <p:ph type="body" idx="1"/>
           </p:nvPr>
         </p:nvSpPr>
         <p:spPr>
@@ -6672,11 +6776,11 @@
           </a:prstGeom>
         </p:spPr>
         <p:txBody>
-          <a:bodyPr anchorCtr="0" anchor="ctr" bIns="91425" lIns="91425" spcFirstLastPara="1" rIns="91425" wrap="square" tIns="91425">
+          <a:bodyPr spcFirstLastPara="1" wrap="square" lIns="91425" tIns="91425" rIns="91425" bIns="91425" anchor="ctr" anchorCtr="0">
             <a:noAutofit/>
           </a:bodyPr>
           <a:lstStyle>
-            <a:lvl1pPr indent="-228600" lvl="0" marL="457200">
+            <a:lvl1pPr marL="457200" lvl="0" indent="-228600">
               <a:lnSpc>
                 <a:spcPct val="100000"/>
               </a:lnSpc>
@@ -6691,15 +6795,19 @@
               <a:defRPr/>
             </a:lvl1pPr>
           </a:lstStyle>
-          <a:p/>
+          <a:p>
+            <a:endParaRPr/>
+          </a:p>
         </p:txBody>
       </p:sp>
       <p:sp>
         <p:nvSpPr>
           <p:cNvPr id="72" name="Google Shape;72;p10"/>
-          <p:cNvSpPr txBox="1"/>
+          <p:cNvSpPr txBox="1">
+            <a:spLocks noGrp="1"/>
+          </p:cNvSpPr>
           <p:nvPr>
-            <p:ph idx="12" type="sldNum"/>
+            <p:ph type="sldNum" idx="12"/>
           </p:nvPr>
         </p:nvSpPr>
         <p:spPr>
@@ -6712,7 +6820,7 @@
           </a:prstGeom>
         </p:spPr>
         <p:txBody>
-          <a:bodyPr anchorCtr="0" anchor="ctr" bIns="91425" lIns="91425" spcFirstLastPara="1" rIns="91425" wrap="square" tIns="91425">
+          <a:bodyPr spcFirstLastPara="1" wrap="square" lIns="91425" tIns="91425" rIns="91425" bIns="91425" anchor="ctr" anchorCtr="0">
             <a:noAutofit/>
           </a:bodyPr>
           <a:lstStyle>
@@ -6754,7 +6862,7 @@
             </a:lvl9pPr>
           </a:lstStyle>
           <a:p>
-            <a:pPr indent="0" lvl="0" marL="0" rtl="0" algn="r">
+            <a:pPr marL="0" lvl="0" indent="0" algn="r" rtl="0">
               <a:spcBef>
                 <a:spcPts val="0"/>
               </a:spcBef>
@@ -6780,18 +6888,19 @@
 </file>
 
 <file path=ppt/slideMasters/slideMaster1.xml><?xml version="1.0" encoding="utf-8"?>
-<p:sldMaster xmlns:a="http://schemas.openxmlformats.org/drawingml/2006/main" xmlns:r="http://schemas.openxmlformats.org/officeDocument/2006/relationships" xmlns:mc="http://schemas.openxmlformats.org/markup-compatibility/2006" xmlns:mv="urn:schemas-microsoft-com:mac:vml" xmlns:p="http://schemas.openxmlformats.org/presentationml/2006/main" xmlns:c="http://schemas.openxmlformats.org/drawingml/2006/chart" xmlns:dgm="http://schemas.openxmlformats.org/drawingml/2006/diagram" xmlns:o="urn:schemas-microsoft-com:office:office" xmlns:v="urn:schemas-microsoft-com:vml" xmlns:pvml="urn:schemas-microsoft-com:office:powerpoint" xmlns:com="http://schemas.openxmlformats.org/drawingml/2006/compatibility" xmlns:p14="http://schemas.microsoft.com/office/powerpoint/2010/main" xmlns:p15="http://schemas.microsoft.com/office/powerpoint/2012/main">
+<p:sldMaster xmlns:a="http://schemas.openxmlformats.org/drawingml/2006/main" xmlns:r="http://schemas.openxmlformats.org/officeDocument/2006/relationships" xmlns:p="http://schemas.openxmlformats.org/presentationml/2006/main">
   <p:cSld name="streamline">
     <p:bg>
       <p:bgPr>
         <a:solidFill>
           <a:schemeClr val="lt1"/>
         </a:solidFill>
+        <a:effectLst/>
       </p:bgPr>
     </p:bg>
     <p:spTree>
       <p:nvGrpSpPr>
-        <p:cNvPr id="5" name="Shape 5"/>
+        <p:cNvPr id="1" name="Shape 5"/>
         <p:cNvGrpSpPr/>
         <p:nvPr/>
       </p:nvGrpSpPr>
@@ -6806,7 +6915,9 @@
       <p:sp>
         <p:nvSpPr>
           <p:cNvPr id="6" name="Google Shape;6;p1"/>
-          <p:cNvSpPr txBox="1"/>
+          <p:cNvSpPr txBox="1">
+            <a:spLocks noGrp="1"/>
+          </p:cNvSpPr>
           <p:nvPr>
             <p:ph type="title"/>
           </p:nvPr>
@@ -6825,7 +6936,7 @@
           </a:ln>
         </p:spPr>
         <p:txBody>
-          <a:bodyPr anchorCtr="0" anchor="t" bIns="91425" lIns="91425" spcFirstLastPara="1" rIns="91425" wrap="square" tIns="91425">
+          <a:bodyPr spcFirstLastPara="1" wrap="square" lIns="91425" tIns="91425" rIns="91425" bIns="91425" anchor="t" anchorCtr="0">
             <a:noAutofit/>
           </a:bodyPr>
           <a:lstStyle>
@@ -6839,7 +6950,7 @@
               <a:buSzPts val="2800"/>
               <a:buFont typeface="Raleway"/>
               <a:buNone/>
-              <a:defRPr b="1" sz="2800">
+              <a:defRPr sz="2800" b="1">
                 <a:latin typeface="Raleway"/>
                 <a:ea typeface="Raleway"/>
                 <a:cs typeface="Raleway"/>
@@ -6856,7 +6967,7 @@
               <a:buSzPts val="2800"/>
               <a:buFont typeface="Raleway"/>
               <a:buNone/>
-              <a:defRPr b="1" sz="2800">
+              <a:defRPr sz="2800" b="1">
                 <a:latin typeface="Raleway"/>
                 <a:ea typeface="Raleway"/>
                 <a:cs typeface="Raleway"/>
@@ -6873,7 +6984,7 @@
               <a:buSzPts val="2800"/>
               <a:buFont typeface="Raleway"/>
               <a:buNone/>
-              <a:defRPr b="1" sz="2800">
+              <a:defRPr sz="2800" b="1">
                 <a:latin typeface="Raleway"/>
                 <a:ea typeface="Raleway"/>
                 <a:cs typeface="Raleway"/>
@@ -6890,7 +7001,7 @@
               <a:buSzPts val="2800"/>
               <a:buFont typeface="Raleway"/>
               <a:buNone/>
-              <a:defRPr b="1" sz="2800">
+              <a:defRPr sz="2800" b="1">
                 <a:latin typeface="Raleway"/>
                 <a:ea typeface="Raleway"/>
                 <a:cs typeface="Raleway"/>
@@ -6907,7 +7018,7 @@
               <a:buSzPts val="2800"/>
               <a:buFont typeface="Raleway"/>
               <a:buNone/>
-              <a:defRPr b="1" sz="2800">
+              <a:defRPr sz="2800" b="1">
                 <a:latin typeface="Raleway"/>
                 <a:ea typeface="Raleway"/>
                 <a:cs typeface="Raleway"/>
@@ -6924,7 +7035,7 @@
               <a:buSzPts val="2800"/>
               <a:buFont typeface="Raleway"/>
               <a:buNone/>
-              <a:defRPr b="1" sz="2800">
+              <a:defRPr sz="2800" b="1">
                 <a:latin typeface="Raleway"/>
                 <a:ea typeface="Raleway"/>
                 <a:cs typeface="Raleway"/>
@@ -6941,7 +7052,7 @@
               <a:buSzPts val="2800"/>
               <a:buFont typeface="Raleway"/>
               <a:buNone/>
-              <a:defRPr b="1" sz="2800">
+              <a:defRPr sz="2800" b="1">
                 <a:latin typeface="Raleway"/>
                 <a:ea typeface="Raleway"/>
                 <a:cs typeface="Raleway"/>
@@ -6958,7 +7069,7 @@
               <a:buSzPts val="2800"/>
               <a:buFont typeface="Raleway"/>
               <a:buNone/>
-              <a:defRPr b="1" sz="2800">
+              <a:defRPr sz="2800" b="1">
                 <a:latin typeface="Raleway"/>
                 <a:ea typeface="Raleway"/>
                 <a:cs typeface="Raleway"/>
@@ -6975,7 +7086,7 @@
               <a:buSzPts val="2800"/>
               <a:buFont typeface="Raleway"/>
               <a:buNone/>
-              <a:defRPr b="1" sz="2800">
+              <a:defRPr sz="2800" b="1">
                 <a:latin typeface="Raleway"/>
                 <a:ea typeface="Raleway"/>
                 <a:cs typeface="Raleway"/>
@@ -6983,15 +7094,19 @@
               </a:defRPr>
             </a:lvl9pPr>
           </a:lstStyle>
-          <a:p/>
+          <a:p>
+            <a:endParaRPr/>
+          </a:p>
         </p:txBody>
       </p:sp>
       <p:sp>
         <p:nvSpPr>
           <p:cNvPr id="7" name="Google Shape;7;p1"/>
-          <p:cNvSpPr txBox="1"/>
+          <p:cNvSpPr txBox="1">
+            <a:spLocks noGrp="1"/>
+          </p:cNvSpPr>
           <p:nvPr>
-            <p:ph idx="1" type="body"/>
+            <p:ph type="body" idx="1"/>
           </p:nvPr>
         </p:nvSpPr>
         <p:spPr>
@@ -7008,11 +7123,11 @@
           </a:ln>
         </p:spPr>
         <p:txBody>
-          <a:bodyPr anchorCtr="0" anchor="t" bIns="91425" lIns="91425" spcFirstLastPara="1" rIns="91425" wrap="square" tIns="91425">
+          <a:bodyPr spcFirstLastPara="1" wrap="square" lIns="91425" tIns="91425" rIns="91425" bIns="91425" anchor="t" anchorCtr="0">
             <a:noAutofit/>
           </a:bodyPr>
           <a:lstStyle>
-            <a:lvl1pPr indent="-311150" lvl="0" marL="457200">
+            <a:lvl1pPr marL="457200" lvl="0" indent="-311150">
               <a:lnSpc>
                 <a:spcPct val="115000"/>
               </a:lnSpc>
@@ -7038,7 +7153,7 @@
                 <a:sym typeface="Lato"/>
               </a:defRPr>
             </a:lvl1pPr>
-            <a:lvl2pPr indent="-298450" lvl="1" marL="914400">
+            <a:lvl2pPr marL="914400" lvl="1" indent="-298450">
               <a:lnSpc>
                 <a:spcPct val="115000"/>
               </a:lnSpc>
@@ -7064,7 +7179,7 @@
                 <a:sym typeface="Lato"/>
               </a:defRPr>
             </a:lvl2pPr>
-            <a:lvl3pPr indent="-298450" lvl="2" marL="1371600">
+            <a:lvl3pPr marL="1371600" lvl="2" indent="-298450">
               <a:lnSpc>
                 <a:spcPct val="115000"/>
               </a:lnSpc>
@@ -7090,7 +7205,7 @@
                 <a:sym typeface="Lato"/>
               </a:defRPr>
             </a:lvl3pPr>
-            <a:lvl4pPr indent="-298450" lvl="3" marL="1828800">
+            <a:lvl4pPr marL="1828800" lvl="3" indent="-298450">
               <a:lnSpc>
                 <a:spcPct val="115000"/>
               </a:lnSpc>
@@ -7116,7 +7231,7 @@
                 <a:sym typeface="Lato"/>
               </a:defRPr>
             </a:lvl4pPr>
-            <a:lvl5pPr indent="-298450" lvl="4" marL="2286000">
+            <a:lvl5pPr marL="2286000" lvl="4" indent="-298450">
               <a:lnSpc>
                 <a:spcPct val="115000"/>
               </a:lnSpc>
@@ -7142,7 +7257,7 @@
                 <a:sym typeface="Lato"/>
               </a:defRPr>
             </a:lvl5pPr>
-            <a:lvl6pPr indent="-298450" lvl="5" marL="2743200">
+            <a:lvl6pPr marL="2743200" lvl="5" indent="-298450">
               <a:lnSpc>
                 <a:spcPct val="115000"/>
               </a:lnSpc>
@@ -7168,7 +7283,7 @@
                 <a:sym typeface="Lato"/>
               </a:defRPr>
             </a:lvl6pPr>
-            <a:lvl7pPr indent="-298450" lvl="6" marL="3200400">
+            <a:lvl7pPr marL="3200400" lvl="6" indent="-298450">
               <a:lnSpc>
                 <a:spcPct val="115000"/>
               </a:lnSpc>
@@ -7194,7 +7309,7 @@
                 <a:sym typeface="Lato"/>
               </a:defRPr>
             </a:lvl7pPr>
-            <a:lvl8pPr indent="-298450" lvl="7" marL="3657600">
+            <a:lvl8pPr marL="3657600" lvl="7" indent="-298450">
               <a:lnSpc>
                 <a:spcPct val="115000"/>
               </a:lnSpc>
@@ -7220,7 +7335,7 @@
                 <a:sym typeface="Lato"/>
               </a:defRPr>
             </a:lvl8pPr>
-            <a:lvl9pPr indent="-298450" lvl="8" marL="4114800">
+            <a:lvl9pPr marL="4114800" lvl="8" indent="-298450">
               <a:lnSpc>
                 <a:spcPct val="115000"/>
               </a:lnSpc>
@@ -7247,15 +7362,19 @@
               </a:defRPr>
             </a:lvl9pPr>
           </a:lstStyle>
-          <a:p/>
+          <a:p>
+            <a:endParaRPr/>
+          </a:p>
         </p:txBody>
       </p:sp>
       <p:sp>
         <p:nvSpPr>
           <p:cNvPr id="8" name="Google Shape;8;p1"/>
-          <p:cNvSpPr txBox="1"/>
+          <p:cNvSpPr txBox="1">
+            <a:spLocks noGrp="1"/>
+          </p:cNvSpPr>
           <p:nvPr>
-            <p:ph idx="12" type="sldNum"/>
+            <p:ph type="sldNum" idx="12"/>
           </p:nvPr>
         </p:nvSpPr>
         <p:spPr>
@@ -7272,7 +7391,7 @@
           </a:ln>
         </p:spPr>
         <p:txBody>
-          <a:bodyPr anchorCtr="0" anchor="ctr" bIns="91425" lIns="91425" spcFirstLastPara="1" rIns="91425" wrap="square" tIns="91425">
+          <a:bodyPr spcFirstLastPara="1" wrap="square" lIns="91425" tIns="91425" rIns="91425" bIns="91425" anchor="ctr" anchorCtr="0">
             <a:noAutofit/>
           </a:bodyPr>
           <a:lstStyle>
@@ -7386,7 +7505,7 @@
             </a:lvl9pPr>
           </a:lstStyle>
           <a:p>
-            <a:pPr indent="0" lvl="0" marL="0" rtl="0" algn="r">
+            <a:pPr marL="0" lvl="0" indent="0" algn="r" rtl="0">
               <a:spcBef>
                 <a:spcPts val="0"/>
               </a:spcBef>
@@ -7405,7 +7524,7 @@
       </p:sp>
     </p:spTree>
   </p:cSld>
-  <p:clrMap accent1="accent1" accent2="accent2" accent3="accent3" accent4="accent4" accent5="accent5" accent6="accent6" bg1="lt1" bg2="dk2" tx1="dk1" tx2="lt2" folHlink="folHlink" hlink="hlink"/>
+  <p:clrMap bg1="lt1" tx1="dk1" bg2="dk2" tx2="lt2" accent1="accent1" accent2="accent2" accent3="accent3" accent4="accent4" accent5="accent5" accent6="accent6" hlink="hlink" folHlink="folHlink"/>
   <p:sldLayoutIdLst>
     <p:sldLayoutId id="2147483648" r:id="rId1"/>
     <p:sldLayoutId id="2147483649" r:id="rId2"/>
@@ -7419,10 +7538,10 @@
     <p:sldLayoutId id="2147483657" r:id="rId10"/>
     <p:sldLayoutId id="2147483658" r:id="rId11"/>
   </p:sldLayoutIdLst>
-  <p:hf dt="0" ftr="0" hdr="0" sldNum="0"/>
+  <p:hf sldNum="0" hdr="0" ftr="0" dt="0"/>
   <p:txStyles>
     <p:titleStyle>
-      <a:defPPr lvl="0" marR="0" rtl="0" algn="l">
+      <a:defPPr marR="0" lvl="0" algn="l" rtl="0">
         <a:lnSpc>
           <a:spcPct val="100000"/>
         </a:lnSpc>
@@ -7433,7 +7552,7 @@
           <a:spcPts val="0"/>
         </a:spcAft>
       </a:defPPr>
-      <a:lvl1pPr lvl="0" marR="0" rtl="0" algn="l">
+      <a:lvl1pPr marR="0" lvl="0" algn="l" rtl="0">
         <a:lnSpc>
           <a:spcPct val="100000"/>
         </a:lnSpc>
@@ -7447,7 +7566,7 @@
           <a:srgbClr val="000000"/>
         </a:buClr>
         <a:buFont typeface="Arial"/>
-        <a:defRPr b="0" i="0" sz="1400" u="none" cap="none" strike="noStrike">
+        <a:defRPr sz="1400" b="0" i="0" u="none" strike="noStrike" cap="none">
           <a:solidFill>
             <a:srgbClr val="000000"/>
           </a:solidFill>
@@ -7457,7 +7576,7 @@
           <a:sym typeface="Arial"/>
         </a:defRPr>
       </a:lvl1pPr>
-      <a:lvl2pPr lvl="1" marR="0" rtl="0" algn="l">
+      <a:lvl2pPr marR="0" lvl="1" algn="l" rtl="0">
         <a:lnSpc>
           <a:spcPct val="100000"/>
         </a:lnSpc>
@@ -7471,7 +7590,7 @@
           <a:srgbClr val="000000"/>
         </a:buClr>
         <a:buFont typeface="Arial"/>
-        <a:defRPr b="0" i="0" sz="1400" u="none" cap="none" strike="noStrike">
+        <a:defRPr sz="1400" b="0" i="0" u="none" strike="noStrike" cap="none">
           <a:solidFill>
             <a:srgbClr val="000000"/>
           </a:solidFill>
@@ -7481,7 +7600,7 @@
           <a:sym typeface="Arial"/>
         </a:defRPr>
       </a:lvl2pPr>
-      <a:lvl3pPr lvl="2" marR="0" rtl="0" algn="l">
+      <a:lvl3pPr marR="0" lvl="2" algn="l" rtl="0">
         <a:lnSpc>
           <a:spcPct val="100000"/>
         </a:lnSpc>
@@ -7495,7 +7614,7 @@
           <a:srgbClr val="000000"/>
         </a:buClr>
         <a:buFont typeface="Arial"/>
-        <a:defRPr b="0" i="0" sz="1400" u="none" cap="none" strike="noStrike">
+        <a:defRPr sz="1400" b="0" i="0" u="none" strike="noStrike" cap="none">
           <a:solidFill>
             <a:srgbClr val="000000"/>
           </a:solidFill>
@@ -7505,7 +7624,7 @@
           <a:sym typeface="Arial"/>
         </a:defRPr>
       </a:lvl3pPr>
-      <a:lvl4pPr lvl="3" marR="0" rtl="0" algn="l">
+      <a:lvl4pPr marR="0" lvl="3" algn="l" rtl="0">
         <a:lnSpc>
           <a:spcPct val="100000"/>
         </a:lnSpc>
@@ -7519,7 +7638,7 @@
           <a:srgbClr val="000000"/>
         </a:buClr>
         <a:buFont typeface="Arial"/>
-        <a:defRPr b="0" i="0" sz="1400" u="none" cap="none" strike="noStrike">
+        <a:defRPr sz="1400" b="0" i="0" u="none" strike="noStrike" cap="none">
           <a:solidFill>
             <a:srgbClr val="000000"/>
           </a:solidFill>
@@ -7529,7 +7648,7 @@
           <a:sym typeface="Arial"/>
         </a:defRPr>
       </a:lvl4pPr>
-      <a:lvl5pPr lvl="4" marR="0" rtl="0" algn="l">
+      <a:lvl5pPr marR="0" lvl="4" algn="l" rtl="0">
         <a:lnSpc>
           <a:spcPct val="100000"/>
         </a:lnSpc>
@@ -7543,7 +7662,7 @@
           <a:srgbClr val="000000"/>
         </a:buClr>
         <a:buFont typeface="Arial"/>
-        <a:defRPr b="0" i="0" sz="1400" u="none" cap="none" strike="noStrike">
+        <a:defRPr sz="1400" b="0" i="0" u="none" strike="noStrike" cap="none">
           <a:solidFill>
             <a:srgbClr val="000000"/>
           </a:solidFill>
@@ -7553,7 +7672,7 @@
           <a:sym typeface="Arial"/>
         </a:defRPr>
       </a:lvl5pPr>
-      <a:lvl6pPr lvl="5" marR="0" rtl="0" algn="l">
+      <a:lvl6pPr marR="0" lvl="5" algn="l" rtl="0">
         <a:lnSpc>
           <a:spcPct val="100000"/>
         </a:lnSpc>
@@ -7567,7 +7686,7 @@
           <a:srgbClr val="000000"/>
         </a:buClr>
         <a:buFont typeface="Arial"/>
-        <a:defRPr b="0" i="0" sz="1400" u="none" cap="none" strike="noStrike">
+        <a:defRPr sz="1400" b="0" i="0" u="none" strike="noStrike" cap="none">
           <a:solidFill>
             <a:srgbClr val="000000"/>
           </a:solidFill>
@@ -7577,7 +7696,7 @@
           <a:sym typeface="Arial"/>
         </a:defRPr>
       </a:lvl6pPr>
-      <a:lvl7pPr lvl="6" marR="0" rtl="0" algn="l">
+      <a:lvl7pPr marR="0" lvl="6" algn="l" rtl="0">
         <a:lnSpc>
           <a:spcPct val="100000"/>
         </a:lnSpc>
@@ -7591,7 +7710,7 @@
           <a:srgbClr val="000000"/>
         </a:buClr>
         <a:buFont typeface="Arial"/>
-        <a:defRPr b="0" i="0" sz="1400" u="none" cap="none" strike="noStrike">
+        <a:defRPr sz="1400" b="0" i="0" u="none" strike="noStrike" cap="none">
           <a:solidFill>
             <a:srgbClr val="000000"/>
           </a:solidFill>
@@ -7601,7 +7720,7 @@
           <a:sym typeface="Arial"/>
         </a:defRPr>
       </a:lvl7pPr>
-      <a:lvl8pPr lvl="7" marR="0" rtl="0" algn="l">
+      <a:lvl8pPr marR="0" lvl="7" algn="l" rtl="0">
         <a:lnSpc>
           <a:spcPct val="100000"/>
         </a:lnSpc>
@@ -7615,7 +7734,7 @@
           <a:srgbClr val="000000"/>
         </a:buClr>
         <a:buFont typeface="Arial"/>
-        <a:defRPr b="0" i="0" sz="1400" u="none" cap="none" strike="noStrike">
+        <a:defRPr sz="1400" b="0" i="0" u="none" strike="noStrike" cap="none">
           <a:solidFill>
             <a:srgbClr val="000000"/>
           </a:solidFill>
@@ -7625,7 +7744,7 @@
           <a:sym typeface="Arial"/>
         </a:defRPr>
       </a:lvl8pPr>
-      <a:lvl9pPr lvl="8" marR="0" rtl="0" algn="l">
+      <a:lvl9pPr marR="0" lvl="8" algn="l" rtl="0">
         <a:lnSpc>
           <a:spcPct val="100000"/>
         </a:lnSpc>
@@ -7639,7 +7758,7 @@
           <a:srgbClr val="000000"/>
         </a:buClr>
         <a:buFont typeface="Arial"/>
-        <a:defRPr b="0" i="0" sz="1400" u="none" cap="none" strike="noStrike">
+        <a:defRPr sz="1400" b="0" i="0" u="none" strike="noStrike" cap="none">
           <a:solidFill>
             <a:srgbClr val="000000"/>
           </a:solidFill>
@@ -7651,7 +7770,7 @@
       </a:lvl9pPr>
     </p:titleStyle>
     <p:bodyStyle>
-      <a:defPPr lvl="0" marR="0" rtl="0" algn="l">
+      <a:defPPr marR="0" lvl="0" algn="l" rtl="0">
         <a:lnSpc>
           <a:spcPct val="100000"/>
         </a:lnSpc>
@@ -7662,7 +7781,7 @@
           <a:spcPts val="0"/>
         </a:spcAft>
       </a:defPPr>
-      <a:lvl1pPr lvl="0" marR="0" rtl="0" algn="l">
+      <a:lvl1pPr marR="0" lvl="0" algn="l" rtl="0">
         <a:lnSpc>
           <a:spcPct val="100000"/>
         </a:lnSpc>
@@ -7676,7 +7795,7 @@
           <a:srgbClr val="000000"/>
         </a:buClr>
         <a:buFont typeface="Arial"/>
-        <a:defRPr b="0" i="0" sz="1400" u="none" cap="none" strike="noStrike">
+        <a:defRPr sz="1400" b="0" i="0" u="none" strike="noStrike" cap="none">
           <a:solidFill>
             <a:srgbClr val="000000"/>
           </a:solidFill>
@@ -7686,7 +7805,7 @@
           <a:sym typeface="Arial"/>
         </a:defRPr>
       </a:lvl1pPr>
-      <a:lvl2pPr lvl="1" marR="0" rtl="0" algn="l">
+      <a:lvl2pPr marR="0" lvl="1" algn="l" rtl="0">
         <a:lnSpc>
           <a:spcPct val="100000"/>
         </a:lnSpc>
@@ -7700,7 +7819,7 @@
           <a:srgbClr val="000000"/>
         </a:buClr>
         <a:buFont typeface="Arial"/>
-        <a:defRPr b="0" i="0" sz="1400" u="none" cap="none" strike="noStrike">
+        <a:defRPr sz="1400" b="0" i="0" u="none" strike="noStrike" cap="none">
           <a:solidFill>
             <a:srgbClr val="000000"/>
           </a:solidFill>
@@ -7710,7 +7829,7 @@
           <a:sym typeface="Arial"/>
         </a:defRPr>
       </a:lvl2pPr>
-      <a:lvl3pPr lvl="2" marR="0" rtl="0" algn="l">
+      <a:lvl3pPr marR="0" lvl="2" algn="l" rtl="0">
         <a:lnSpc>
           <a:spcPct val="100000"/>
         </a:lnSpc>
@@ -7724,7 +7843,7 @@
           <a:srgbClr val="000000"/>
         </a:buClr>
         <a:buFont typeface="Arial"/>
-        <a:defRPr b="0" i="0" sz="1400" u="none" cap="none" strike="noStrike">
+        <a:defRPr sz="1400" b="0" i="0" u="none" strike="noStrike" cap="none">
           <a:solidFill>
             <a:srgbClr val="000000"/>
           </a:solidFill>
@@ -7734,7 +7853,7 @@
           <a:sym typeface="Arial"/>
         </a:defRPr>
       </a:lvl3pPr>
-      <a:lvl4pPr lvl="3" marR="0" rtl="0" algn="l">
+      <a:lvl4pPr marR="0" lvl="3" algn="l" rtl="0">
         <a:lnSpc>
           <a:spcPct val="100000"/>
         </a:lnSpc>
@@ -7748,7 +7867,7 @@
           <a:srgbClr val="000000"/>
         </a:buClr>
         <a:buFont typeface="Arial"/>
-        <a:defRPr b="0" i="0" sz="1400" u="none" cap="none" strike="noStrike">
+        <a:defRPr sz="1400" b="0" i="0" u="none" strike="noStrike" cap="none">
           <a:solidFill>
             <a:srgbClr val="000000"/>
           </a:solidFill>
@@ -7758,7 +7877,7 @@
           <a:sym typeface="Arial"/>
         </a:defRPr>
       </a:lvl4pPr>
-      <a:lvl5pPr lvl="4" marR="0" rtl="0" algn="l">
+      <a:lvl5pPr marR="0" lvl="4" algn="l" rtl="0">
         <a:lnSpc>
           <a:spcPct val="100000"/>
         </a:lnSpc>
@@ -7772,7 +7891,7 @@
           <a:srgbClr val="000000"/>
         </a:buClr>
         <a:buFont typeface="Arial"/>
-        <a:defRPr b="0" i="0" sz="1400" u="none" cap="none" strike="noStrike">
+        <a:defRPr sz="1400" b="0" i="0" u="none" strike="noStrike" cap="none">
           <a:solidFill>
             <a:srgbClr val="000000"/>
           </a:solidFill>
@@ -7782,7 +7901,7 @@
           <a:sym typeface="Arial"/>
         </a:defRPr>
       </a:lvl5pPr>
-      <a:lvl6pPr lvl="5" marR="0" rtl="0" algn="l">
+      <a:lvl6pPr marR="0" lvl="5" algn="l" rtl="0">
         <a:lnSpc>
           <a:spcPct val="100000"/>
         </a:lnSpc>
@@ -7796,7 +7915,7 @@
           <a:srgbClr val="000000"/>
         </a:buClr>
         <a:buFont typeface="Arial"/>
-        <a:defRPr b="0" i="0" sz="1400" u="none" cap="none" strike="noStrike">
+        <a:defRPr sz="1400" b="0" i="0" u="none" strike="noStrike" cap="none">
           <a:solidFill>
             <a:srgbClr val="000000"/>
           </a:solidFill>
@@ -7806,7 +7925,7 @@
           <a:sym typeface="Arial"/>
         </a:defRPr>
       </a:lvl6pPr>
-      <a:lvl7pPr lvl="6" marR="0" rtl="0" algn="l">
+      <a:lvl7pPr marR="0" lvl="6" algn="l" rtl="0">
         <a:lnSpc>
           <a:spcPct val="100000"/>
         </a:lnSpc>
@@ -7820,7 +7939,7 @@
           <a:srgbClr val="000000"/>
         </a:buClr>
         <a:buFont typeface="Arial"/>
-        <a:defRPr b="0" i="0" sz="1400" u="none" cap="none" strike="noStrike">
+        <a:defRPr sz="1400" b="0" i="0" u="none" strike="noStrike" cap="none">
           <a:solidFill>
             <a:srgbClr val="000000"/>
           </a:solidFill>
@@ -7830,7 +7949,7 @@
           <a:sym typeface="Arial"/>
         </a:defRPr>
       </a:lvl7pPr>
-      <a:lvl8pPr lvl="7" marR="0" rtl="0" algn="l">
+      <a:lvl8pPr marR="0" lvl="7" algn="l" rtl="0">
         <a:lnSpc>
           <a:spcPct val="100000"/>
         </a:lnSpc>
@@ -7844,7 +7963,7 @@
           <a:srgbClr val="000000"/>
         </a:buClr>
         <a:buFont typeface="Arial"/>
-        <a:defRPr b="0" i="0" sz="1400" u="none" cap="none" strike="noStrike">
+        <a:defRPr sz="1400" b="0" i="0" u="none" strike="noStrike" cap="none">
           <a:solidFill>
             <a:srgbClr val="000000"/>
           </a:solidFill>
@@ -7854,7 +7973,7 @@
           <a:sym typeface="Arial"/>
         </a:defRPr>
       </a:lvl8pPr>
-      <a:lvl9pPr lvl="8" marR="0" rtl="0" algn="l">
+      <a:lvl9pPr marR="0" lvl="8" algn="l" rtl="0">
         <a:lnSpc>
           <a:spcPct val="100000"/>
         </a:lnSpc>
@@ -7868,7 +7987,7 @@
           <a:srgbClr val="000000"/>
         </a:buClr>
         <a:buFont typeface="Arial"/>
-        <a:defRPr b="0" i="0" sz="1400" u="none" cap="none" strike="noStrike">
+        <a:defRPr sz="1400" b="0" i="0" u="none" strike="noStrike" cap="none">
           <a:solidFill>
             <a:srgbClr val="000000"/>
           </a:solidFill>
@@ -7880,7 +7999,7 @@
       </a:lvl9pPr>
     </p:bodyStyle>
     <p:otherStyle>
-      <a:defPPr lvl="0" marR="0" rtl="0" algn="l">
+      <a:defPPr marR="0" lvl="0" algn="l" rtl="0">
         <a:lnSpc>
           <a:spcPct val="100000"/>
         </a:lnSpc>
@@ -7891,7 +8010,7 @@
           <a:spcPts val="0"/>
         </a:spcAft>
       </a:defPPr>
-      <a:lvl1pPr lvl="0" marR="0" rtl="0" algn="l">
+      <a:lvl1pPr marR="0" lvl="0" algn="l" rtl="0">
         <a:lnSpc>
           <a:spcPct val="100000"/>
         </a:lnSpc>
@@ -7905,7 +8024,7 @@
           <a:srgbClr val="000000"/>
         </a:buClr>
         <a:buFont typeface="Arial"/>
-        <a:defRPr b="0" i="0" sz="1400" u="none" cap="none" strike="noStrike">
+        <a:defRPr sz="1400" b="0" i="0" u="none" strike="noStrike" cap="none">
           <a:solidFill>
             <a:srgbClr val="000000"/>
           </a:solidFill>
@@ -7915,7 +8034,7 @@
           <a:sym typeface="Arial"/>
         </a:defRPr>
       </a:lvl1pPr>
-      <a:lvl2pPr lvl="1" marR="0" rtl="0" algn="l">
+      <a:lvl2pPr marR="0" lvl="1" algn="l" rtl="0">
         <a:lnSpc>
           <a:spcPct val="100000"/>
         </a:lnSpc>
@@ -7929,7 +8048,7 @@
           <a:srgbClr val="000000"/>
         </a:buClr>
         <a:buFont typeface="Arial"/>
-        <a:defRPr b="0" i="0" sz="1400" u="none" cap="none" strike="noStrike">
+        <a:defRPr sz="1400" b="0" i="0" u="none" strike="noStrike" cap="none">
           <a:solidFill>
             <a:srgbClr val="000000"/>
           </a:solidFill>
@@ -7939,7 +8058,7 @@
           <a:sym typeface="Arial"/>
         </a:defRPr>
       </a:lvl2pPr>
-      <a:lvl3pPr lvl="2" marR="0" rtl="0" algn="l">
+      <a:lvl3pPr marR="0" lvl="2" algn="l" rtl="0">
         <a:lnSpc>
           <a:spcPct val="100000"/>
         </a:lnSpc>
@@ -7953,7 +8072,7 @@
           <a:srgbClr val="000000"/>
         </a:buClr>
         <a:buFont typeface="Arial"/>
-        <a:defRPr b="0" i="0" sz="1400" u="none" cap="none" strike="noStrike">
+        <a:defRPr sz="1400" b="0" i="0" u="none" strike="noStrike" cap="none">
           <a:solidFill>
             <a:srgbClr val="000000"/>
           </a:solidFill>
@@ -7963,7 +8082,7 @@
           <a:sym typeface="Arial"/>
         </a:defRPr>
       </a:lvl3pPr>
-      <a:lvl4pPr lvl="3" marR="0" rtl="0" algn="l">
+      <a:lvl4pPr marR="0" lvl="3" algn="l" rtl="0">
         <a:lnSpc>
           <a:spcPct val="100000"/>
         </a:lnSpc>
@@ -7977,7 +8096,7 @@
           <a:srgbClr val="000000"/>
         </a:buClr>
         <a:buFont typeface="Arial"/>
-        <a:defRPr b="0" i="0" sz="1400" u="none" cap="none" strike="noStrike">
+        <a:defRPr sz="1400" b="0" i="0" u="none" strike="noStrike" cap="none">
           <a:solidFill>
             <a:srgbClr val="000000"/>
           </a:solidFill>
@@ -7987,7 +8106,7 @@
           <a:sym typeface="Arial"/>
         </a:defRPr>
       </a:lvl4pPr>
-      <a:lvl5pPr lvl="4" marR="0" rtl="0" algn="l">
+      <a:lvl5pPr marR="0" lvl="4" algn="l" rtl="0">
         <a:lnSpc>
           <a:spcPct val="100000"/>
         </a:lnSpc>
@@ -8001,7 +8120,7 @@
           <a:srgbClr val="000000"/>
         </a:buClr>
         <a:buFont typeface="Arial"/>
-        <a:defRPr b="0" i="0" sz="1400" u="none" cap="none" strike="noStrike">
+        <a:defRPr sz="1400" b="0" i="0" u="none" strike="noStrike" cap="none">
           <a:solidFill>
             <a:srgbClr val="000000"/>
           </a:solidFill>
@@ -8011,7 +8130,7 @@
           <a:sym typeface="Arial"/>
         </a:defRPr>
       </a:lvl5pPr>
-      <a:lvl6pPr lvl="5" marR="0" rtl="0" algn="l">
+      <a:lvl6pPr marR="0" lvl="5" algn="l" rtl="0">
         <a:lnSpc>
           <a:spcPct val="100000"/>
         </a:lnSpc>
@@ -8025,7 +8144,7 @@
           <a:srgbClr val="000000"/>
         </a:buClr>
         <a:buFont typeface="Arial"/>
-        <a:defRPr b="0" i="0" sz="1400" u="none" cap="none" strike="noStrike">
+        <a:defRPr sz="1400" b="0" i="0" u="none" strike="noStrike" cap="none">
           <a:solidFill>
             <a:srgbClr val="000000"/>
           </a:solidFill>
@@ -8035,7 +8154,7 @@
           <a:sym typeface="Arial"/>
         </a:defRPr>
       </a:lvl6pPr>
-      <a:lvl7pPr lvl="6" marR="0" rtl="0" algn="l">
+      <a:lvl7pPr marR="0" lvl="6" algn="l" rtl="0">
         <a:lnSpc>
           <a:spcPct val="100000"/>
         </a:lnSpc>
@@ -8049,7 +8168,7 @@
           <a:srgbClr val="000000"/>
         </a:buClr>
         <a:buFont typeface="Arial"/>
-        <a:defRPr b="0" i="0" sz="1400" u="none" cap="none" strike="noStrike">
+        <a:defRPr sz="1400" b="0" i="0" u="none" strike="noStrike" cap="none">
           <a:solidFill>
             <a:srgbClr val="000000"/>
           </a:solidFill>
@@ -8059,7 +8178,7 @@
           <a:sym typeface="Arial"/>
         </a:defRPr>
       </a:lvl7pPr>
-      <a:lvl8pPr lvl="7" marR="0" rtl="0" algn="l">
+      <a:lvl8pPr marR="0" lvl="7" algn="l" rtl="0">
         <a:lnSpc>
           <a:spcPct val="100000"/>
         </a:lnSpc>
@@ -8073,7 +8192,7 @@
           <a:srgbClr val="000000"/>
         </a:buClr>
         <a:buFont typeface="Arial"/>
-        <a:defRPr b="0" i="0" sz="1400" u="none" cap="none" strike="noStrike">
+        <a:defRPr sz="1400" b="0" i="0" u="none" strike="noStrike" cap="none">
           <a:solidFill>
             <a:srgbClr val="000000"/>
           </a:solidFill>
@@ -8083,7 +8202,7 @@
           <a:sym typeface="Arial"/>
         </a:defRPr>
       </a:lvl8pPr>
-      <a:lvl9pPr lvl="8" marR="0" rtl="0" algn="l">
+      <a:lvl9pPr marR="0" lvl="8" algn="l" rtl="0">
         <a:lnSpc>
           <a:spcPct val="100000"/>
         </a:lnSpc>
@@ -8097,7 +8216,7 @@
           <a:srgbClr val="000000"/>
         </a:buClr>
         <a:buFont typeface="Arial"/>
-        <a:defRPr b="0" i="0" sz="1400" u="none" cap="none" strike="noStrike">
+        <a:defRPr sz="1400" b="0" i="0" u="none" strike="noStrike" cap="none">
           <a:solidFill>
             <a:srgbClr val="000000"/>
           </a:solidFill>
@@ -8113,11 +8232,11 @@
 </file>
 
 <file path=ppt/slides/slide1.xml><?xml version="1.0" encoding="utf-8"?>
-<p:sld xmlns:a="http://schemas.openxmlformats.org/drawingml/2006/main" xmlns:r="http://schemas.openxmlformats.org/officeDocument/2006/relationships" xmlns:mc="http://schemas.openxmlformats.org/markup-compatibility/2006" xmlns:mv="urn:schemas-microsoft-com:mac:vml" xmlns:p="http://schemas.openxmlformats.org/presentationml/2006/main" xmlns:c="http://schemas.openxmlformats.org/drawingml/2006/chart" xmlns:dgm="http://schemas.openxmlformats.org/drawingml/2006/diagram" xmlns:o="urn:schemas-microsoft-com:office:office" xmlns:v="urn:schemas-microsoft-com:vml" xmlns:pvml="urn:schemas-microsoft-com:office:powerpoint" xmlns:com="http://schemas.openxmlformats.org/drawingml/2006/compatibility" xmlns:p14="http://schemas.microsoft.com/office/powerpoint/2010/main" xmlns:p15="http://schemas.microsoft.com/office/powerpoint/2012/main">
+<p:sld xmlns:a="http://schemas.openxmlformats.org/drawingml/2006/main" xmlns:r="http://schemas.openxmlformats.org/officeDocument/2006/relationships" xmlns:p="http://schemas.openxmlformats.org/presentationml/2006/main">
   <p:cSld>
     <p:spTree>
       <p:nvGrpSpPr>
-        <p:cNvPr id="85" name="Shape 85"/>
+        <p:cNvPr id="1" name="Shape 85"/>
         <p:cNvGrpSpPr/>
         <p:nvPr/>
       </p:nvGrpSpPr>
@@ -8132,7 +8251,9 @@
       <p:sp>
         <p:nvSpPr>
           <p:cNvPr id="86" name="Google Shape;86;p13"/>
-          <p:cNvSpPr txBox="1"/>
+          <p:cNvSpPr txBox="1">
+            <a:spLocks noGrp="1"/>
+          </p:cNvSpPr>
           <p:nvPr>
             <p:ph type="ctrTitle"/>
           </p:nvPr>
@@ -8147,12 +8268,12 @@
           </a:prstGeom>
         </p:spPr>
         <p:txBody>
-          <a:bodyPr anchorCtr="0" anchor="t" bIns="91425" lIns="91425" spcFirstLastPara="1" rIns="91425" wrap="square" tIns="91425">
+          <a:bodyPr spcFirstLastPara="1" wrap="square" lIns="91425" tIns="91425" rIns="91425" bIns="91425" anchor="t" anchorCtr="0">
             <a:noAutofit/>
           </a:bodyPr>
           <a:lstStyle/>
           <a:p>
-            <a:pPr indent="0" lvl="0" marL="0" rtl="0" algn="l">
+            <a:pPr marL="0" lvl="0" indent="0" algn="l" rtl="0">
               <a:spcBef>
                 <a:spcPts val="0"/>
               </a:spcBef>
@@ -8172,9 +8293,11 @@
       <p:sp>
         <p:nvSpPr>
           <p:cNvPr id="87" name="Google Shape;87;p13"/>
-          <p:cNvSpPr txBox="1"/>
+          <p:cNvSpPr txBox="1">
+            <a:spLocks noGrp="1"/>
+          </p:cNvSpPr>
           <p:nvPr>
-            <p:ph idx="1" type="subTitle"/>
+            <p:ph type="subTitle" idx="1"/>
           </p:nvPr>
         </p:nvSpPr>
         <p:spPr>
@@ -8187,12 +8310,12 @@
           </a:prstGeom>
         </p:spPr>
         <p:txBody>
-          <a:bodyPr anchorCtr="0" anchor="t" bIns="91425" lIns="91425" spcFirstLastPara="1" rIns="91425" wrap="square" tIns="91425">
+          <a:bodyPr spcFirstLastPara="1" wrap="square" lIns="91425" tIns="91425" rIns="91425" bIns="91425" anchor="t" anchorCtr="0">
             <a:noAutofit/>
           </a:bodyPr>
           <a:lstStyle/>
           <a:p>
-            <a:pPr indent="0" lvl="0" marL="0" rtl="0" algn="l">
+            <a:pPr marL="0" lvl="0" indent="0" algn="l" rtl="0">
               <a:spcBef>
                 <a:spcPts val="0"/>
               </a:spcBef>
@@ -8218,11 +8341,11 @@
 </file>
 
 <file path=ppt/slides/slide2.xml><?xml version="1.0" encoding="utf-8"?>
-<p:sld xmlns:a="http://schemas.openxmlformats.org/drawingml/2006/main" xmlns:r="http://schemas.openxmlformats.org/officeDocument/2006/relationships" xmlns:mc="http://schemas.openxmlformats.org/markup-compatibility/2006" xmlns:mv="urn:schemas-microsoft-com:mac:vml" xmlns:p="http://schemas.openxmlformats.org/presentationml/2006/main" xmlns:c="http://schemas.openxmlformats.org/drawingml/2006/chart" xmlns:dgm="http://schemas.openxmlformats.org/drawingml/2006/diagram" xmlns:o="urn:schemas-microsoft-com:office:office" xmlns:v="urn:schemas-microsoft-com:vml" xmlns:pvml="urn:schemas-microsoft-com:office:powerpoint" xmlns:com="http://schemas.openxmlformats.org/drawingml/2006/compatibility" xmlns:p14="http://schemas.microsoft.com/office/powerpoint/2010/main" xmlns:p15="http://schemas.microsoft.com/office/powerpoint/2012/main">
+<p:sld xmlns:a="http://schemas.openxmlformats.org/drawingml/2006/main" xmlns:r="http://schemas.openxmlformats.org/officeDocument/2006/relationships" xmlns:p="http://schemas.openxmlformats.org/presentationml/2006/main">
   <p:cSld>
     <p:spTree>
       <p:nvGrpSpPr>
-        <p:cNvPr id="91" name="Shape 91"/>
+        <p:cNvPr id="1" name="Shape 91"/>
         <p:cNvGrpSpPr/>
         <p:nvPr/>
       </p:nvGrpSpPr>
@@ -8237,7 +8360,9 @@
       <p:sp>
         <p:nvSpPr>
           <p:cNvPr id="92" name="Google Shape;92;p14"/>
-          <p:cNvSpPr txBox="1"/>
+          <p:cNvSpPr txBox="1">
+            <a:spLocks noGrp="1"/>
+          </p:cNvSpPr>
           <p:nvPr>
             <p:ph type="title"/>
           </p:nvPr>
@@ -8252,12 +8377,12 @@
           </a:prstGeom>
         </p:spPr>
         <p:txBody>
-          <a:bodyPr anchorCtr="0" anchor="t" bIns="91425" lIns="91425" spcFirstLastPara="1" rIns="91425" wrap="square" tIns="91425">
+          <a:bodyPr spcFirstLastPara="1" wrap="square" lIns="91425" tIns="91425" rIns="91425" bIns="91425" anchor="t" anchorCtr="0">
             <a:noAutofit/>
           </a:bodyPr>
           <a:lstStyle/>
           <a:p>
-            <a:pPr indent="0" lvl="0" marL="0" rtl="0" algn="l">
+            <a:pPr marL="0" lvl="0" indent="0" algn="l" rtl="0">
               <a:spcBef>
                 <a:spcPts val="0"/>
               </a:spcBef>
@@ -8277,9 +8402,11 @@
       <p:sp>
         <p:nvSpPr>
           <p:cNvPr id="93" name="Google Shape;93;p14"/>
-          <p:cNvSpPr txBox="1"/>
+          <p:cNvSpPr txBox="1">
+            <a:spLocks noGrp="1"/>
+          </p:cNvSpPr>
           <p:nvPr>
-            <p:ph idx="1" type="body"/>
+            <p:ph type="body" idx="1"/>
           </p:nvPr>
         </p:nvSpPr>
         <p:spPr>
@@ -8292,12 +8419,12 @@
           </a:prstGeom>
         </p:spPr>
         <p:txBody>
-          <a:bodyPr anchorCtr="0" anchor="t" bIns="91425" lIns="91425" spcFirstLastPara="1" rIns="91425" wrap="square" tIns="91425">
+          <a:bodyPr spcFirstLastPara="1" wrap="square" lIns="91425" tIns="91425" rIns="91425" bIns="91425" anchor="t" anchorCtr="0">
             <a:noAutofit/>
           </a:bodyPr>
           <a:lstStyle/>
           <a:p>
-            <a:pPr indent="0" lvl="0" marL="0" rtl="0" algn="l">
+            <a:pPr marL="0" lvl="0" indent="0" algn="l" rtl="0">
               <a:spcBef>
                 <a:spcPts val="0"/>
               </a:spcBef>
@@ -8313,7 +8440,7 @@
             <a:endParaRPr/>
           </a:p>
           <a:p>
-            <a:pPr indent="-311150" lvl="0" marL="457200" rtl="0" algn="l">
+            <a:pPr marL="457200" lvl="0" indent="-311150" algn="l" rtl="0">
               <a:spcBef>
                 <a:spcPts val="1600"/>
               </a:spcBef>
@@ -8325,16 +8452,12 @@
             </a:pPr>
             <a:r>
               <a:rPr lang="en"/>
-              <a:t>M</a:t>
-            </a:r>
-            <a:r>
-              <a:rPr lang="en"/>
-              <a:t>ilk Sales Prices</a:t>
+              <a:t>Milk Sales Prices</a:t>
             </a:r>
             <a:endParaRPr/>
           </a:p>
           <a:p>
-            <a:pPr indent="-311150" lvl="0" marL="457200" rtl="0" algn="l">
+            <a:pPr marL="457200" lvl="0" indent="-311150" algn="l" rtl="0">
               <a:spcBef>
                 <a:spcPts val="0"/>
               </a:spcBef>
@@ -8351,7 +8474,7 @@
             <a:endParaRPr/>
           </a:p>
           <a:p>
-            <a:pPr indent="-311150" lvl="0" marL="457200" rtl="0" algn="l">
+            <a:pPr marL="457200" lvl="0" indent="-311150" algn="l" rtl="0">
               <a:spcBef>
                 <a:spcPts val="0"/>
               </a:spcBef>
@@ -8378,11 +8501,11 @@
 </file>
 
 <file path=ppt/slides/slide3.xml><?xml version="1.0" encoding="utf-8"?>
-<p:sld xmlns:a="http://schemas.openxmlformats.org/drawingml/2006/main" xmlns:r="http://schemas.openxmlformats.org/officeDocument/2006/relationships" xmlns:mc="http://schemas.openxmlformats.org/markup-compatibility/2006" xmlns:mv="urn:schemas-microsoft-com:mac:vml" xmlns:p="http://schemas.openxmlformats.org/presentationml/2006/main" xmlns:c="http://schemas.openxmlformats.org/drawingml/2006/chart" xmlns:dgm="http://schemas.openxmlformats.org/drawingml/2006/diagram" xmlns:o="urn:schemas-microsoft-com:office:office" xmlns:v="urn:schemas-microsoft-com:vml" xmlns:pvml="urn:schemas-microsoft-com:office:powerpoint" xmlns:com="http://schemas.openxmlformats.org/drawingml/2006/compatibility" xmlns:p14="http://schemas.microsoft.com/office/powerpoint/2010/main" xmlns:p15="http://schemas.microsoft.com/office/powerpoint/2012/main">
+<p:sld xmlns:a="http://schemas.openxmlformats.org/drawingml/2006/main" xmlns:r="http://schemas.openxmlformats.org/officeDocument/2006/relationships" xmlns:p="http://schemas.openxmlformats.org/presentationml/2006/main">
   <p:cSld>
     <p:spTree>
       <p:nvGrpSpPr>
-        <p:cNvPr id="97" name="Shape 97"/>
+        <p:cNvPr id="1" name="Shape 97"/>
         <p:cNvGrpSpPr/>
         <p:nvPr/>
       </p:nvGrpSpPr>
@@ -8397,7 +8520,9 @@
       <p:sp>
         <p:nvSpPr>
           <p:cNvPr id="98" name="Google Shape;98;p15"/>
-          <p:cNvSpPr txBox="1"/>
+          <p:cNvSpPr txBox="1">
+            <a:spLocks noGrp="1"/>
+          </p:cNvSpPr>
           <p:nvPr>
             <p:ph type="title"/>
           </p:nvPr>
@@ -8412,12 +8537,12 @@
           </a:prstGeom>
         </p:spPr>
         <p:txBody>
-          <a:bodyPr anchorCtr="0" anchor="t" bIns="91425" lIns="91425" spcFirstLastPara="1" rIns="91425" wrap="square" tIns="91425">
+          <a:bodyPr spcFirstLastPara="1" wrap="square" lIns="91425" tIns="91425" rIns="91425" bIns="91425" anchor="t" anchorCtr="0">
             <a:noAutofit/>
           </a:bodyPr>
           <a:lstStyle/>
           <a:p>
-            <a:pPr indent="0" lvl="0" marL="0" rtl="0" algn="l">
+            <a:pPr marL="0" lvl="0" indent="0" algn="l" rtl="0">
               <a:spcBef>
                 <a:spcPts val="0"/>
               </a:spcBef>
@@ -8437,9 +8562,11 @@
       <p:sp>
         <p:nvSpPr>
           <p:cNvPr id="99" name="Google Shape;99;p15"/>
-          <p:cNvSpPr txBox="1"/>
+          <p:cNvSpPr txBox="1">
+            <a:spLocks noGrp="1"/>
+          </p:cNvSpPr>
           <p:nvPr>
-            <p:ph idx="1" type="body"/>
+            <p:ph type="body" idx="1"/>
           </p:nvPr>
         </p:nvSpPr>
         <p:spPr>
@@ -8452,12 +8579,12 @@
           </a:prstGeom>
         </p:spPr>
         <p:txBody>
-          <a:bodyPr anchorCtr="0" anchor="t" bIns="91425" lIns="91425" spcFirstLastPara="1" rIns="91425" wrap="square" tIns="91425">
+          <a:bodyPr spcFirstLastPara="1" wrap="square" lIns="91425" tIns="91425" rIns="91425" bIns="91425" anchor="t" anchorCtr="0">
             <a:noAutofit/>
           </a:bodyPr>
           <a:lstStyle/>
           <a:p>
-            <a:pPr indent="-311150" lvl="0" marL="457200" rtl="0" algn="l">
+            <a:pPr marL="457200" lvl="0" indent="-311150" algn="l" rtl="0">
               <a:spcBef>
                 <a:spcPts val="0"/>
               </a:spcBef>
@@ -8468,13 +8595,47 @@
               <a:buChar char="●"/>
             </a:pPr>
             <a:r>
-              <a:rPr lang="en"/>
+              <a:rPr lang="en" dirty="0"/>
               <a:t>Milk produced per cow has increased each year. </a:t>
             </a:r>
-            <a:endParaRPr/>
+            <a:endParaRPr dirty="0"/>
           </a:p>
           <a:p>
-            <a:pPr indent="-298450" lvl="1" marL="914400" rtl="0" algn="l">
+            <a:pPr marL="457200" lvl="0" indent="-311150" algn="l" rtl="0">
+              <a:spcBef>
+                <a:spcPts val="0"/>
+              </a:spcBef>
+              <a:spcAft>
+                <a:spcPts val="0"/>
+              </a:spcAft>
+              <a:buSzPts val="1300"/>
+              <a:buChar char="●"/>
+            </a:pPr>
+            <a:r>
+              <a:rPr lang="en" dirty="0"/>
+              <a:t>Decline in milk cows until 2010 with a slight increase each year.</a:t>
+            </a:r>
+            <a:endParaRPr dirty="0"/>
+          </a:p>
+          <a:p>
+            <a:pPr marL="457200" lvl="0" indent="-311150" algn="l" rtl="0">
+              <a:spcBef>
+                <a:spcPts val="0"/>
+              </a:spcBef>
+              <a:spcAft>
+                <a:spcPts val="0"/>
+              </a:spcAft>
+              <a:buSzPts val="1300"/>
+              <a:buChar char="●"/>
+            </a:pPr>
+            <a:r>
+              <a:rPr lang="en" dirty="0"/>
+              <a:t>Price of milk held steady around $12 to $13 until 2010.</a:t>
+            </a:r>
+            <a:endParaRPr dirty="0"/>
+          </a:p>
+          <a:p>
+            <a:pPr marL="914400" lvl="1" indent="-298450" algn="l" rtl="0">
               <a:spcBef>
                 <a:spcPts val="0"/>
               </a:spcBef>
@@ -8485,61 +8646,10 @@
               <a:buChar char="○"/>
             </a:pPr>
             <a:r>
-              <a:rPr lang="en"/>
-              <a:t>2017: 23149</a:t>
-            </a:r>
-            <a:endParaRPr/>
-          </a:p>
-          <a:p>
-            <a:pPr indent="-311150" lvl="0" marL="457200" rtl="0" algn="l">
-              <a:spcBef>
-                <a:spcPts val="0"/>
-              </a:spcBef>
-              <a:spcAft>
-                <a:spcPts val="0"/>
-              </a:spcAft>
-              <a:buSzPts val="1300"/>
-              <a:buChar char="●"/>
-            </a:pPr>
-            <a:r>
-              <a:rPr lang="en"/>
-              <a:t>Decline in milk cows until 2010 with a slight increase each year.</a:t>
-            </a:r>
-            <a:endParaRPr/>
-          </a:p>
-          <a:p>
-            <a:pPr indent="-311150" lvl="0" marL="457200" rtl="0" algn="l">
-              <a:spcBef>
-                <a:spcPts val="0"/>
-              </a:spcBef>
-              <a:spcAft>
-                <a:spcPts val="0"/>
-              </a:spcAft>
-              <a:buSzPts val="1300"/>
-              <a:buChar char="●"/>
-            </a:pPr>
-            <a:r>
-              <a:rPr lang="en"/>
-              <a:t>Price of milk held steady around $12 to $13 until 2010.</a:t>
-            </a:r>
-            <a:endParaRPr/>
-          </a:p>
-          <a:p>
-            <a:pPr indent="-298450" lvl="1" marL="914400" rtl="0" algn="l">
-              <a:spcBef>
-                <a:spcPts val="0"/>
-              </a:spcBef>
-              <a:spcAft>
-                <a:spcPts val="0"/>
-              </a:spcAft>
-              <a:buSzPts val="1100"/>
-              <a:buChar char="○"/>
-            </a:pPr>
-            <a:r>
-              <a:rPr lang="en"/>
+              <a:rPr lang="en" dirty="0"/>
               <a:t>2010+ milk prices were $16+</a:t>
             </a:r>
-            <a:endParaRPr/>
+            <a:endParaRPr dirty="0"/>
           </a:p>
         </p:txBody>
       </p:sp>
@@ -8552,11 +8662,11 @@
 </file>
 
 <file path=ppt/slides/slide4.xml><?xml version="1.0" encoding="utf-8"?>
-<p:sld xmlns:a="http://schemas.openxmlformats.org/drawingml/2006/main" xmlns:r="http://schemas.openxmlformats.org/officeDocument/2006/relationships" xmlns:mc="http://schemas.openxmlformats.org/markup-compatibility/2006" xmlns:mv="urn:schemas-microsoft-com:mac:vml" xmlns:p="http://schemas.openxmlformats.org/presentationml/2006/main" xmlns:c="http://schemas.openxmlformats.org/drawingml/2006/chart" xmlns:dgm="http://schemas.openxmlformats.org/drawingml/2006/diagram" xmlns:o="urn:schemas-microsoft-com:office:office" xmlns:v="urn:schemas-microsoft-com:vml" xmlns:pvml="urn:schemas-microsoft-com:office:powerpoint" xmlns:com="http://schemas.openxmlformats.org/drawingml/2006/compatibility" xmlns:p14="http://schemas.microsoft.com/office/powerpoint/2010/main" xmlns:p15="http://schemas.microsoft.com/office/powerpoint/2012/main">
+<p:sld xmlns:a="http://schemas.openxmlformats.org/drawingml/2006/main" xmlns:r="http://schemas.openxmlformats.org/officeDocument/2006/relationships" xmlns:p="http://schemas.openxmlformats.org/presentationml/2006/main">
   <p:cSld>
     <p:spTree>
       <p:nvGrpSpPr>
-        <p:cNvPr id="103" name="Shape 103"/>
+        <p:cNvPr id="1" name="Shape 103"/>
         <p:cNvGrpSpPr/>
         <p:nvPr/>
       </p:nvGrpSpPr>
@@ -8571,7 +8681,9 @@
       <p:sp>
         <p:nvSpPr>
           <p:cNvPr id="104" name="Google Shape;104;p16"/>
-          <p:cNvSpPr txBox="1"/>
+          <p:cNvSpPr txBox="1">
+            <a:spLocks noGrp="1"/>
+          </p:cNvSpPr>
           <p:nvPr>
             <p:ph type="title"/>
           </p:nvPr>
@@ -8586,12 +8698,12 @@
           </a:prstGeom>
         </p:spPr>
         <p:txBody>
-          <a:bodyPr anchorCtr="0" anchor="t" bIns="91425" lIns="91425" spcFirstLastPara="1" rIns="91425" wrap="square" tIns="91425">
+          <a:bodyPr spcFirstLastPara="1" wrap="square" lIns="91425" tIns="91425" rIns="91425" bIns="91425" anchor="t" anchorCtr="0">
             <a:noAutofit/>
           </a:bodyPr>
           <a:lstStyle/>
           <a:p>
-            <a:pPr indent="0" lvl="0" marL="0" rtl="0" algn="l">
+            <a:pPr marL="0" lvl="0" indent="0" algn="l" rtl="0">
               <a:spcBef>
                 <a:spcPts val="0"/>
               </a:spcBef>
@@ -8645,11 +8757,11 @@
 </file>
 
 <file path=ppt/slides/slide5.xml><?xml version="1.0" encoding="utf-8"?>
-<p:sld xmlns:a="http://schemas.openxmlformats.org/drawingml/2006/main" xmlns:r="http://schemas.openxmlformats.org/officeDocument/2006/relationships" xmlns:mc="http://schemas.openxmlformats.org/markup-compatibility/2006" xmlns:mv="urn:schemas-microsoft-com:mac:vml" xmlns:p="http://schemas.openxmlformats.org/presentationml/2006/main" xmlns:c="http://schemas.openxmlformats.org/drawingml/2006/chart" xmlns:dgm="http://schemas.openxmlformats.org/drawingml/2006/diagram" xmlns:o="urn:schemas-microsoft-com:office:office" xmlns:v="urn:schemas-microsoft-com:vml" xmlns:pvml="urn:schemas-microsoft-com:office:powerpoint" xmlns:com="http://schemas.openxmlformats.org/drawingml/2006/compatibility" xmlns:p14="http://schemas.microsoft.com/office/powerpoint/2010/main" xmlns:p15="http://schemas.microsoft.com/office/powerpoint/2012/main">
+<p:sld xmlns:a="http://schemas.openxmlformats.org/drawingml/2006/main" xmlns:r="http://schemas.openxmlformats.org/officeDocument/2006/relationships" xmlns:p="http://schemas.openxmlformats.org/presentationml/2006/main">
   <p:cSld>
     <p:spTree>
       <p:nvGrpSpPr>
-        <p:cNvPr id="109" name="Shape 109"/>
+        <p:cNvPr id="1" name="Shape 109"/>
         <p:cNvGrpSpPr/>
         <p:nvPr/>
       </p:nvGrpSpPr>
@@ -8664,7 +8776,9 @@
       <p:sp>
         <p:nvSpPr>
           <p:cNvPr id="110" name="Google Shape;110;p17"/>
-          <p:cNvSpPr txBox="1"/>
+          <p:cNvSpPr txBox="1">
+            <a:spLocks noGrp="1"/>
+          </p:cNvSpPr>
           <p:nvPr>
             <p:ph type="title"/>
           </p:nvPr>
@@ -8679,12 +8793,12 @@
           </a:prstGeom>
         </p:spPr>
         <p:txBody>
-          <a:bodyPr anchorCtr="0" anchor="t" bIns="91425" lIns="91425" spcFirstLastPara="1" rIns="91425" wrap="square" tIns="91425">
+          <a:bodyPr spcFirstLastPara="1" wrap="square" lIns="91425" tIns="91425" rIns="91425" bIns="91425" anchor="t" anchorCtr="0">
             <a:noAutofit/>
           </a:bodyPr>
           <a:lstStyle/>
           <a:p>
-            <a:pPr indent="0" lvl="0" marL="0" rtl="0" algn="l">
+            <a:pPr marL="0" lvl="0" indent="0" algn="l" rtl="0">
               <a:spcBef>
                 <a:spcPts val="0"/>
               </a:spcBef>
@@ -8738,11 +8852,11 @@
 </file>
 
 <file path=ppt/slides/slide6.xml><?xml version="1.0" encoding="utf-8"?>
-<p:sld xmlns:a="http://schemas.openxmlformats.org/drawingml/2006/main" xmlns:r="http://schemas.openxmlformats.org/officeDocument/2006/relationships" xmlns:mc="http://schemas.openxmlformats.org/markup-compatibility/2006" xmlns:mv="urn:schemas-microsoft-com:mac:vml" xmlns:p="http://schemas.openxmlformats.org/presentationml/2006/main" xmlns:c="http://schemas.openxmlformats.org/drawingml/2006/chart" xmlns:dgm="http://schemas.openxmlformats.org/drawingml/2006/diagram" xmlns:o="urn:schemas-microsoft-com:office:office" xmlns:v="urn:schemas-microsoft-com:vml" xmlns:pvml="urn:schemas-microsoft-com:office:powerpoint" xmlns:com="http://schemas.openxmlformats.org/drawingml/2006/compatibility" xmlns:p14="http://schemas.microsoft.com/office/powerpoint/2010/main" xmlns:p15="http://schemas.microsoft.com/office/powerpoint/2012/main">
+<p:sld xmlns:a="http://schemas.openxmlformats.org/drawingml/2006/main" xmlns:r="http://schemas.openxmlformats.org/officeDocument/2006/relationships" xmlns:p="http://schemas.openxmlformats.org/presentationml/2006/main">
   <p:cSld>
     <p:spTree>
       <p:nvGrpSpPr>
-        <p:cNvPr id="115" name="Shape 115"/>
+        <p:cNvPr id="1" name="Shape 115"/>
         <p:cNvGrpSpPr/>
         <p:nvPr/>
       </p:nvGrpSpPr>
@@ -8757,7 +8871,9 @@
       <p:sp>
         <p:nvSpPr>
           <p:cNvPr id="116" name="Google Shape;116;p18"/>
-          <p:cNvSpPr txBox="1"/>
+          <p:cNvSpPr txBox="1">
+            <a:spLocks noGrp="1"/>
+          </p:cNvSpPr>
           <p:nvPr>
             <p:ph type="title"/>
           </p:nvPr>
@@ -8772,12 +8888,12 @@
           </a:prstGeom>
         </p:spPr>
         <p:txBody>
-          <a:bodyPr anchorCtr="0" anchor="t" bIns="91425" lIns="91425" spcFirstLastPara="1" rIns="91425" wrap="square" tIns="91425">
+          <a:bodyPr spcFirstLastPara="1" wrap="square" lIns="91425" tIns="91425" rIns="91425" bIns="91425" anchor="t" anchorCtr="0">
             <a:noAutofit/>
           </a:bodyPr>
           <a:lstStyle/>
           <a:p>
-            <a:pPr indent="0" lvl="0" marL="0" rtl="0" algn="l">
+            <a:pPr marL="0" lvl="0" indent="0" algn="l" rtl="0">
               <a:spcBef>
                 <a:spcPts val="0"/>
               </a:spcBef>
@@ -8831,11 +8947,11 @@
 </file>
 
 <file path=ppt/slides/slide7.xml><?xml version="1.0" encoding="utf-8"?>
-<p:sld xmlns:a="http://schemas.openxmlformats.org/drawingml/2006/main" xmlns:r="http://schemas.openxmlformats.org/officeDocument/2006/relationships" xmlns:mc="http://schemas.openxmlformats.org/markup-compatibility/2006" xmlns:mv="urn:schemas-microsoft-com:mac:vml" xmlns:p="http://schemas.openxmlformats.org/presentationml/2006/main" xmlns:c="http://schemas.openxmlformats.org/drawingml/2006/chart" xmlns:dgm="http://schemas.openxmlformats.org/drawingml/2006/diagram" xmlns:o="urn:schemas-microsoft-com:office:office" xmlns:v="urn:schemas-microsoft-com:vml" xmlns:pvml="urn:schemas-microsoft-com:office:powerpoint" xmlns:com="http://schemas.openxmlformats.org/drawingml/2006/compatibility" xmlns:p14="http://schemas.microsoft.com/office/powerpoint/2010/main" xmlns:p15="http://schemas.microsoft.com/office/powerpoint/2012/main">
+<p:sld xmlns:a="http://schemas.openxmlformats.org/drawingml/2006/main" xmlns:r="http://schemas.openxmlformats.org/officeDocument/2006/relationships" xmlns:p="http://schemas.openxmlformats.org/presentationml/2006/main">
   <p:cSld>
     <p:spTree>
       <p:nvGrpSpPr>
-        <p:cNvPr id="121" name="Shape 121"/>
+        <p:cNvPr id="1" name="Shape 121"/>
         <p:cNvGrpSpPr/>
         <p:nvPr/>
       </p:nvGrpSpPr>
@@ -8850,7 +8966,9 @@
       <p:sp>
         <p:nvSpPr>
           <p:cNvPr id="122" name="Google Shape;122;p19"/>
-          <p:cNvSpPr txBox="1"/>
+          <p:cNvSpPr txBox="1">
+            <a:spLocks noGrp="1"/>
+          </p:cNvSpPr>
           <p:nvPr>
             <p:ph type="title"/>
           </p:nvPr>
@@ -8865,12 +8983,12 @@
           </a:prstGeom>
         </p:spPr>
         <p:txBody>
-          <a:bodyPr anchorCtr="0" anchor="t" bIns="91425" lIns="91425" spcFirstLastPara="1" rIns="91425" wrap="square" tIns="91425">
+          <a:bodyPr spcFirstLastPara="1" wrap="square" lIns="91425" tIns="91425" rIns="91425" bIns="91425" anchor="t" anchorCtr="0">
             <a:noAutofit/>
           </a:bodyPr>
           <a:lstStyle/>
           <a:p>
-            <a:pPr indent="0" lvl="0" marL="0" rtl="0" algn="l">
+            <a:pPr marL="0" lvl="0" indent="0" algn="l" rtl="0">
               <a:spcBef>
                 <a:spcPts val="0"/>
               </a:spcBef>
@@ -8924,11 +9042,11 @@
 </file>
 
 <file path=ppt/slides/slide8.xml><?xml version="1.0" encoding="utf-8"?>
-<p:sld xmlns:a="http://schemas.openxmlformats.org/drawingml/2006/main" xmlns:r="http://schemas.openxmlformats.org/officeDocument/2006/relationships" xmlns:mc="http://schemas.openxmlformats.org/markup-compatibility/2006" xmlns:mv="urn:schemas-microsoft-com:mac:vml" xmlns:p="http://schemas.openxmlformats.org/presentationml/2006/main" xmlns:c="http://schemas.openxmlformats.org/drawingml/2006/chart" xmlns:dgm="http://schemas.openxmlformats.org/drawingml/2006/diagram" xmlns:o="urn:schemas-microsoft-com:office:office" xmlns:v="urn:schemas-microsoft-com:vml" xmlns:pvml="urn:schemas-microsoft-com:office:powerpoint" xmlns:com="http://schemas.openxmlformats.org/drawingml/2006/compatibility" xmlns:p14="http://schemas.microsoft.com/office/powerpoint/2010/main" xmlns:p15="http://schemas.microsoft.com/office/powerpoint/2012/main">
+<p:sld xmlns:a="http://schemas.openxmlformats.org/drawingml/2006/main" xmlns:r="http://schemas.openxmlformats.org/officeDocument/2006/relationships" xmlns:p="http://schemas.openxmlformats.org/presentationml/2006/main">
   <p:cSld>
     <p:spTree>
       <p:nvGrpSpPr>
-        <p:cNvPr id="127" name="Shape 127"/>
+        <p:cNvPr id="1" name="Shape 127"/>
         <p:cNvGrpSpPr/>
         <p:nvPr/>
       </p:nvGrpSpPr>
@@ -8943,7 +9061,9 @@
       <p:sp>
         <p:nvSpPr>
           <p:cNvPr id="128" name="Google Shape;128;p20"/>
-          <p:cNvSpPr txBox="1"/>
+          <p:cNvSpPr txBox="1">
+            <a:spLocks noGrp="1"/>
+          </p:cNvSpPr>
           <p:nvPr>
             <p:ph type="title"/>
           </p:nvPr>
@@ -8958,12 +9078,12 @@
           </a:prstGeom>
         </p:spPr>
         <p:txBody>
-          <a:bodyPr anchorCtr="0" anchor="t" bIns="91425" lIns="91425" spcFirstLastPara="1" rIns="91425" wrap="square" tIns="91425">
+          <a:bodyPr spcFirstLastPara="1" wrap="square" lIns="91425" tIns="91425" rIns="91425" bIns="91425" anchor="t" anchorCtr="0">
             <a:noAutofit/>
           </a:bodyPr>
           <a:lstStyle/>
           <a:p>
-            <a:pPr indent="0" lvl="0" marL="0" rtl="0" algn="l">
+            <a:pPr marL="0" lvl="0" indent="0" algn="l" rtl="0">
               <a:spcBef>
                 <a:spcPts val="0"/>
               </a:spcBef>
@@ -8983,9 +9103,11 @@
       <p:sp>
         <p:nvSpPr>
           <p:cNvPr id="129" name="Google Shape;129;p20"/>
-          <p:cNvSpPr txBox="1"/>
+          <p:cNvSpPr txBox="1">
+            <a:spLocks noGrp="1"/>
+          </p:cNvSpPr>
           <p:nvPr>
-            <p:ph idx="1" type="body"/>
+            <p:ph type="body" idx="1"/>
           </p:nvPr>
         </p:nvSpPr>
         <p:spPr>
@@ -8998,12 +9120,12 @@
           </a:prstGeom>
         </p:spPr>
         <p:txBody>
-          <a:bodyPr anchorCtr="0" anchor="t" bIns="91425" lIns="91425" spcFirstLastPara="1" rIns="91425" wrap="square" tIns="91425">
+          <a:bodyPr spcFirstLastPara="1" wrap="square" lIns="91425" tIns="91425" rIns="91425" bIns="91425" anchor="t" anchorCtr="0">
             <a:noAutofit/>
           </a:bodyPr>
           <a:lstStyle/>
           <a:p>
-            <a:pPr indent="0" lvl="0" marL="457200" rtl="0" algn="l">
+            <a:pPr marL="457200" lvl="0" indent="0" algn="l" rtl="0">
               <a:spcBef>
                 <a:spcPts val="0"/>
               </a:spcBef>
@@ -9019,7 +9141,7 @@
             <a:endParaRPr/>
           </a:p>
           <a:p>
-            <a:pPr indent="-311150" lvl="0" marL="457200" rtl="0" algn="l">
+            <a:pPr marL="457200" lvl="0" indent="-311150" algn="l" rtl="0">
               <a:spcBef>
                 <a:spcPts val="1600"/>
               </a:spcBef>
@@ -9036,7 +9158,7 @@
             <a:endParaRPr/>
           </a:p>
           <a:p>
-            <a:pPr indent="-298450" lvl="1" marL="914400" rtl="0" algn="l">
+            <a:pPr marL="914400" lvl="1" indent="-298450" algn="l" rtl="0">
               <a:spcBef>
                 <a:spcPts val="0"/>
               </a:spcBef>
@@ -9053,7 +9175,7 @@
             <a:endParaRPr/>
           </a:p>
           <a:p>
-            <a:pPr indent="-311150" lvl="0" marL="457200" rtl="0" algn="l">
+            <a:pPr marL="457200" lvl="0" indent="-311150" algn="l" rtl="0">
               <a:spcBef>
                 <a:spcPts val="0"/>
               </a:spcBef>
@@ -9070,7 +9192,7 @@
             <a:endParaRPr/>
           </a:p>
           <a:p>
-            <a:pPr indent="-298450" lvl="1" marL="914400" rtl="0" algn="l">
+            <a:pPr marL="914400" lvl="1" indent="-298450" algn="l" rtl="0">
               <a:spcBef>
                 <a:spcPts val="0"/>
               </a:spcBef>
@@ -9097,7 +9219,7 @@
 </file>
 
 <file path=ppt/theme/theme1.xml><?xml version="1.0" encoding="utf-8"?>
-<a:theme xmlns:a="http://schemas.openxmlformats.org/drawingml/2006/main" xmlns:r="http://schemas.openxmlformats.org/officeDocument/2006/relationships" name="Streamline">
+<a:theme xmlns:a="http://schemas.openxmlformats.org/drawingml/2006/main" name="Streamline">
   <a:themeElements>
     <a:clrScheme name="Streamline">
       <a:dk1>
@@ -9372,11 +9494,13 @@
       </a:bgFillStyleLst>
     </a:fmtScheme>
   </a:themeElements>
+  <a:objectDefaults/>
+  <a:extraClrSchemeLst/>
 </a:theme>
 </file>
 
 <file path=ppt/theme/theme2.xml><?xml version="1.0" encoding="utf-8"?>
-<a:theme xmlns:a="http://schemas.openxmlformats.org/drawingml/2006/main" xmlns:r="http://schemas.openxmlformats.org/officeDocument/2006/relationships">
+<a:theme xmlns:a="http://schemas.openxmlformats.org/drawingml/2006/main">
   <a:themeElements>
     <a:clrScheme name="Default">
       <a:dk1>
@@ -9651,5 +9775,7 @@
       </a:bgFillStyleLst>
     </a:fmtScheme>
   </a:themeElements>
+  <a:objectDefaults/>
+  <a:extraClrSchemeLst/>
 </a:theme>
 </file>